--- a/Lectures/M1-CourseOverview.pptx
+++ b/Lectures/M1-CourseOverview.pptx
@@ -5,51 +5,57 @@
     <p:sldMasterId id="2147483649" r:id="rId1"/>
   </p:sldMasterIdLst>
   <p:notesMasterIdLst>
-    <p:notesMasterId r:id="rId41"/>
+    <p:notesMasterId r:id="rId47"/>
   </p:notesMasterIdLst>
   <p:handoutMasterIdLst>
-    <p:handoutMasterId r:id="rId42"/>
+    <p:handoutMasterId r:id="rId48"/>
   </p:handoutMasterIdLst>
   <p:sldIdLst>
     <p:sldId id="481" r:id="rId2"/>
     <p:sldId id="482" r:id="rId3"/>
     <p:sldId id="483" r:id="rId4"/>
-    <p:sldId id="532" r:id="rId5"/>
-    <p:sldId id="539" r:id="rId6"/>
-    <p:sldId id="540" r:id="rId7"/>
-    <p:sldId id="534" r:id="rId8"/>
-    <p:sldId id="535" r:id="rId9"/>
-    <p:sldId id="490" r:id="rId10"/>
-    <p:sldId id="563" r:id="rId11"/>
-    <p:sldId id="536" r:id="rId12"/>
-    <p:sldId id="544" r:id="rId13"/>
-    <p:sldId id="545" r:id="rId14"/>
-    <p:sldId id="548" r:id="rId15"/>
-    <p:sldId id="546" r:id="rId16"/>
-    <p:sldId id="549" r:id="rId17"/>
-    <p:sldId id="559" r:id="rId18"/>
-    <p:sldId id="560" r:id="rId19"/>
-    <p:sldId id="561" r:id="rId20"/>
-    <p:sldId id="562" r:id="rId21"/>
-    <p:sldId id="537" r:id="rId22"/>
-    <p:sldId id="547" r:id="rId23"/>
-    <p:sldId id="543" r:id="rId24"/>
-    <p:sldId id="552" r:id="rId25"/>
-    <p:sldId id="550" r:id="rId26"/>
-    <p:sldId id="565" r:id="rId27"/>
-    <p:sldId id="566" r:id="rId28"/>
-    <p:sldId id="567" r:id="rId29"/>
-    <p:sldId id="564" r:id="rId30"/>
-    <p:sldId id="541" r:id="rId31"/>
-    <p:sldId id="542" r:id="rId32"/>
-    <p:sldId id="538" r:id="rId33"/>
-    <p:sldId id="551" r:id="rId34"/>
-    <p:sldId id="553" r:id="rId35"/>
-    <p:sldId id="556" r:id="rId36"/>
-    <p:sldId id="555" r:id="rId37"/>
-    <p:sldId id="557" r:id="rId38"/>
-    <p:sldId id="558" r:id="rId39"/>
-    <p:sldId id="554" r:id="rId40"/>
+    <p:sldId id="568" r:id="rId5"/>
+    <p:sldId id="532" r:id="rId6"/>
+    <p:sldId id="539" r:id="rId7"/>
+    <p:sldId id="540" r:id="rId8"/>
+    <p:sldId id="534" r:id="rId9"/>
+    <p:sldId id="535" r:id="rId10"/>
+    <p:sldId id="573" r:id="rId11"/>
+    <p:sldId id="490" r:id="rId12"/>
+    <p:sldId id="563" r:id="rId13"/>
+    <p:sldId id="536" r:id="rId14"/>
+    <p:sldId id="544" r:id="rId15"/>
+    <p:sldId id="545" r:id="rId16"/>
+    <p:sldId id="548" r:id="rId17"/>
+    <p:sldId id="546" r:id="rId18"/>
+    <p:sldId id="549" r:id="rId19"/>
+    <p:sldId id="559" r:id="rId20"/>
+    <p:sldId id="560" r:id="rId21"/>
+    <p:sldId id="561" r:id="rId22"/>
+    <p:sldId id="562" r:id="rId23"/>
+    <p:sldId id="569" r:id="rId24"/>
+    <p:sldId id="537" r:id="rId25"/>
+    <p:sldId id="547" r:id="rId26"/>
+    <p:sldId id="571" r:id="rId27"/>
+    <p:sldId id="543" r:id="rId28"/>
+    <p:sldId id="552" r:id="rId29"/>
+    <p:sldId id="550" r:id="rId30"/>
+    <p:sldId id="565" r:id="rId31"/>
+    <p:sldId id="566" r:id="rId32"/>
+    <p:sldId id="567" r:id="rId33"/>
+    <p:sldId id="564" r:id="rId34"/>
+    <p:sldId id="572" r:id="rId35"/>
+    <p:sldId id="541" r:id="rId36"/>
+    <p:sldId id="542" r:id="rId37"/>
+    <p:sldId id="538" r:id="rId38"/>
+    <p:sldId id="551" r:id="rId39"/>
+    <p:sldId id="570" r:id="rId40"/>
+    <p:sldId id="553" r:id="rId41"/>
+    <p:sldId id="556" r:id="rId42"/>
+    <p:sldId id="555" r:id="rId43"/>
+    <p:sldId id="557" r:id="rId44"/>
+    <p:sldId id="558" r:id="rId45"/>
+    <p:sldId id="554" r:id="rId46"/>
   </p:sldIdLst>
   <p:sldSz cx="9144000" cy="6858000" type="screen4x3"/>
   <p:notesSz cx="6858000" cy="9180513"/>
@@ -11864,6 +11870,206 @@
       </p:grpSpPr>
       <p:sp>
         <p:nvSpPr>
+          <p:cNvPr id="5" name="Slide Number Placeholder 4"/>
+          <p:cNvSpPr>
+            <a:spLocks noGrp="1"/>
+          </p:cNvSpPr>
+          <p:nvPr>
+            <p:ph type="sldNum" sz="quarter" idx="11"/>
+          </p:nvPr>
+        </p:nvSpPr>
+        <p:spPr/>
+        <p:txBody>
+          <a:bodyPr/>
+          <a:lstStyle/>
+          <a:p>
+            <a:fld id="{9ADFED00-AB40-F848-A41A-BF582FBEF6A9}" type="slidenum">
+              <a:rPr lang="en-US"/>
+              <a:pPr/>
+              <a:t>10</a:t>
+            </a:fld>
+            <a:endParaRPr lang="en-US"/>
+          </a:p>
+        </p:txBody>
+      </p:sp>
+      <p:sp>
+        <p:nvSpPr>
+          <p:cNvPr id="470018" name="Rectangle 2"/>
+          <p:cNvSpPr>
+            <a:spLocks noGrp="1" noChangeArrowheads="1"/>
+          </p:cNvSpPr>
+          <p:nvPr>
+            <p:ph type="title"/>
+          </p:nvPr>
+        </p:nvSpPr>
+        <p:spPr>
+          <a:xfrm>
+            <a:off x="609600" y="304800"/>
+            <a:ext cx="8382000" cy="1143000"/>
+          </a:xfrm>
+        </p:spPr>
+        <p:txBody>
+          <a:bodyPr/>
+          <a:lstStyle/>
+          <a:p>
+            <a:r>
+              <a:rPr lang="en-US" dirty="0" smtClean="0"/>
+              <a:t>Course Deliverables - 2</a:t>
+            </a:r>
+            <a:endParaRPr lang="en-US" dirty="0"/>
+          </a:p>
+        </p:txBody>
+      </p:sp>
+      <p:sp>
+        <p:nvSpPr>
+          <p:cNvPr id="6" name="Text Box 11"/>
+          <p:cNvSpPr txBox="1">
+            <a:spLocks noChangeArrowheads="1"/>
+          </p:cNvSpPr>
+          <p:nvPr/>
+        </p:nvSpPr>
+        <p:spPr bwMode="auto">
+          <a:xfrm>
+            <a:off x="876300" y="1447800"/>
+            <a:ext cx="7734300" cy="892552"/>
+          </a:xfrm>
+          <a:prstGeom prst="rect">
+            <a:avLst/>
+          </a:prstGeom>
+          <a:noFill/>
+          <a:ln>
+            <a:noFill/>
+          </a:ln>
+          <a:effectLst/>
+          <a:extLst>
+            <a:ext uri="{909E8E84-426E-40dd-AFC4-6F175D3DCCD1}">
+              <a14:hiddenFill xmlns:a14="http://schemas.microsoft.com/office/drawing/2010/main" xmlns="">
+                <a:solidFill>
+                  <a:schemeClr val="accent1"/>
+                </a:solidFill>
+              </a14:hiddenFill>
+            </a:ext>
+            <a:ext uri="{91240B29-F687-4f45-9708-019B960494DF}">
+              <a14:hiddenLine xmlns:a14="http://schemas.microsoft.com/office/drawing/2010/main" xmlns="" w="9525">
+                <a:solidFill>
+                  <a:schemeClr val="tx1"/>
+                </a:solidFill>
+                <a:miter lim="800000"/>
+                <a:headEnd/>
+                <a:tailEnd/>
+              </a14:hiddenLine>
+            </a:ext>
+            <a:ext uri="{AF507438-7753-43e0-B8FC-AC1667EBCBE1}">
+              <a14:hiddenEffects xmlns:a14="http://schemas.microsoft.com/office/drawing/2010/main" xmlns="">
+                <a:effectLst>
+                  <a:outerShdw blurRad="63500" dist="38099" dir="2700000" algn="ctr" rotWithShape="0">
+                    <a:schemeClr val="bg2">
+                      <a:alpha val="74998"/>
+                    </a:schemeClr>
+                  </a:outerShdw>
+                </a:effectLst>
+              </a14:hiddenEffects>
+            </a:ext>
+          </a:extLst>
+        </p:spPr>
+        <p:txBody>
+          <a:bodyPr wrap="square">
+            <a:spAutoFit/>
+          </a:bodyPr>
+          <a:lstStyle/>
+          <a:p>
+            <a:r>
+              <a:rPr lang="en-US" sz="1800" b="1" dirty="0" smtClean="0"/>
+              <a:t>You can do any project that you want, if you cant think of an idea then the project will be to create a </a:t>
+            </a:r>
+            <a:r>
+              <a:rPr lang="en-US" sz="1800" b="1" dirty="0" err="1" smtClean="0"/>
+              <a:t>blockchain</a:t>
+            </a:r>
+            <a:r>
+              <a:rPr lang="en-US" sz="1800" b="1" dirty="0" smtClean="0"/>
+              <a:t> simulator</a:t>
+            </a:r>
+          </a:p>
+          <a:p>
+            <a:pPr marL="800100" lvl="1" indent="-342900">
+              <a:buFont typeface="Arial"/>
+              <a:buChar char="•"/>
+            </a:pPr>
+            <a:endParaRPr lang="en-US" sz="1600" dirty="0"/>
+          </a:p>
+        </p:txBody>
+      </p:sp>
+      <p:pic>
+        <p:nvPicPr>
+          <p:cNvPr id="2" name="Picture 1"/>
+          <p:cNvPicPr>
+            <a:picLocks noChangeAspect="1"/>
+          </p:cNvPicPr>
+          <p:nvPr/>
+        </p:nvPicPr>
+        <p:blipFill>
+          <a:blip r:embed="rId2">
+            <a:extLst>
+              <a:ext uri="{28A0092B-C50C-407E-A947-70E740481C1C}">
+                <a14:useLocalDpi xmlns:a14="http://schemas.microsoft.com/office/drawing/2010/main" val="0"/>
+              </a:ext>
+            </a:extLst>
+          </a:blip>
+          <a:stretch>
+            <a:fillRect/>
+          </a:stretch>
+        </p:blipFill>
+        <p:spPr>
+          <a:xfrm>
+            <a:off x="1828800" y="2019300"/>
+            <a:ext cx="5257800" cy="4381500"/>
+          </a:xfrm>
+          <a:prstGeom prst="rect">
+            <a:avLst/>
+          </a:prstGeom>
+        </p:spPr>
+      </p:pic>
+    </p:spTree>
+    <p:extLst>
+      <p:ext uri="{BB962C8B-B14F-4D97-AF65-F5344CB8AC3E}">
+        <p14:creationId xmlns:p14="http://schemas.microsoft.com/office/powerpoint/2010/main" val="669264432"/>
+      </p:ext>
+    </p:extLst>
+  </p:cSld>
+  <p:clrMapOvr>
+    <a:masterClrMapping/>
+  </p:clrMapOvr>
+  <p:transition/>
+  <p:timing>
+    <p:tnLst>
+      <p:par>
+        <p:cTn id="1" dur="indefinite" restart="never" nodeType="tmRoot"/>
+      </p:par>
+    </p:tnLst>
+  </p:timing>
+</p:sld>
+</file>
+
+<file path=ppt/slides/slide11.xml><?xml version="1.0" encoding="utf-8"?>
+<p:sld xmlns:a="http://schemas.openxmlformats.org/drawingml/2006/main" xmlns:r="http://schemas.openxmlformats.org/officeDocument/2006/relationships" xmlns:p="http://schemas.openxmlformats.org/presentationml/2006/main">
+  <p:cSld>
+    <p:spTree>
+      <p:nvGrpSpPr>
+        <p:cNvPr id="1" name=""/>
+        <p:cNvGrpSpPr/>
+        <p:nvPr/>
+      </p:nvGrpSpPr>
+      <p:grpSpPr>
+        <a:xfrm>
+          <a:off x="0" y="0"/>
+          <a:ext cx="0" cy="0"/>
+          <a:chOff x="0" y="0"/>
+          <a:chExt cx="0" cy="0"/>
+        </a:xfrm>
+      </p:grpSpPr>
+      <p:sp>
+        <p:nvSpPr>
           <p:cNvPr id="4" name="Slide Number Placeholder 4"/>
           <p:cNvSpPr>
             <a:spLocks noGrp="1"/>
@@ -11880,7 +12086,7 @@
             <a:fld id="{8BE99BFD-8863-B045-8AED-C026A27B630D}" type="slidenum">
               <a:rPr lang="en-US"/>
               <a:pPr/>
-              <a:t>10</a:t>
+              <a:t>11</a:t>
             </a:fld>
             <a:endParaRPr lang="en-US"/>
           </a:p>
@@ -11918,7 +12124,7 @@
         <p:spPr>
           <a:xfrm>
             <a:off x="990600" y="1524000"/>
-            <a:ext cx="3126497" cy="461665"/>
+            <a:ext cx="3285425" cy="461665"/>
           </a:xfrm>
           <a:prstGeom prst="rect">
             <a:avLst/>
@@ -11933,7 +12139,313 @@
           <a:p>
             <a:r>
               <a:rPr lang="en-US" dirty="0" smtClean="0"/>
-              <a:t>Breaking bad habits…</a:t>
+              <a:t>Reviewing the basics…</a:t>
+            </a:r>
+            <a:endParaRPr lang="en-US" dirty="0"/>
+          </a:p>
+        </p:txBody>
+      </p:sp>
+      <p:sp>
+        <p:nvSpPr>
+          <p:cNvPr id="7" name="Text Box 11"/>
+          <p:cNvSpPr txBox="1">
+            <a:spLocks noChangeArrowheads="1"/>
+          </p:cNvSpPr>
+          <p:nvPr/>
+        </p:nvSpPr>
+        <p:spPr bwMode="auto">
+          <a:xfrm>
+            <a:off x="1066800" y="1905000"/>
+            <a:ext cx="7505700" cy="2585323"/>
+          </a:xfrm>
+          <a:prstGeom prst="rect">
+            <a:avLst/>
+          </a:prstGeom>
+          <a:noFill/>
+          <a:ln>
+            <a:noFill/>
+          </a:ln>
+          <a:effectLst/>
+          <a:extLst>
+            <a:ext uri="{909E8E84-426E-40dd-AFC4-6F175D3DCCD1}">
+              <a14:hiddenFill xmlns:a14="http://schemas.microsoft.com/office/drawing/2010/main" xmlns="">
+                <a:solidFill>
+                  <a:schemeClr val="accent1"/>
+                </a:solidFill>
+              </a14:hiddenFill>
+            </a:ext>
+            <a:ext uri="{91240B29-F687-4f45-9708-019B960494DF}">
+              <a14:hiddenLine xmlns:a14="http://schemas.microsoft.com/office/drawing/2010/main" xmlns="" w="9525">
+                <a:solidFill>
+                  <a:schemeClr val="tx1"/>
+                </a:solidFill>
+                <a:miter lim="800000"/>
+                <a:headEnd/>
+                <a:tailEnd/>
+              </a14:hiddenLine>
+            </a:ext>
+            <a:ext uri="{AF507438-7753-43e0-B8FC-AC1667EBCBE1}">
+              <a14:hiddenEffects xmlns:a14="http://schemas.microsoft.com/office/drawing/2010/main" xmlns="">
+                <a:effectLst>
+                  <a:outerShdw blurRad="63500" dist="38099" dir="2700000" algn="ctr" rotWithShape="0">
+                    <a:schemeClr val="bg2">
+                      <a:alpha val="74998"/>
+                    </a:schemeClr>
+                  </a:outerShdw>
+                </a:effectLst>
+              </a14:hiddenEffects>
+            </a:ext>
+          </a:extLst>
+        </p:spPr>
+        <p:txBody>
+          <a:bodyPr wrap="square">
+            <a:spAutoFit/>
+          </a:bodyPr>
+          <a:lstStyle/>
+          <a:p>
+            <a:pPr marL="342900" indent="-342900">
+              <a:buFont typeface="Arial"/>
+              <a:buChar char="•"/>
+            </a:pPr>
+            <a:r>
+              <a:rPr lang="en-US" sz="1800" dirty="0" smtClean="0"/>
+              <a:t>What is software architecture</a:t>
+            </a:r>
+          </a:p>
+          <a:p>
+            <a:pPr marL="342900" indent="-342900">
+              <a:buFont typeface="Arial"/>
+              <a:buChar char="•"/>
+            </a:pPr>
+            <a:r>
+              <a:rPr lang="en-US" sz="1800" dirty="0" smtClean="0"/>
+              <a:t>How does it relate to design</a:t>
+            </a:r>
+          </a:p>
+          <a:p>
+            <a:pPr marL="342900" indent="-342900">
+              <a:buFont typeface="Arial"/>
+              <a:buChar char="•"/>
+            </a:pPr>
+            <a:r>
+              <a:rPr lang="en-US" sz="1800" dirty="0" smtClean="0"/>
+              <a:t>What is the difference between an architecture style, an architecture pattern and a design pattern</a:t>
+            </a:r>
+          </a:p>
+          <a:p>
+            <a:pPr marL="342900" indent="-342900">
+              <a:buFont typeface="Arial"/>
+              <a:buChar char="•"/>
+            </a:pPr>
+            <a:r>
+              <a:rPr lang="en-US" sz="1800" dirty="0" smtClean="0"/>
+              <a:t>What are views</a:t>
+            </a:r>
+          </a:p>
+          <a:p>
+            <a:pPr marL="342900" indent="-342900">
+              <a:buFont typeface="Arial"/>
+              <a:buChar char="•"/>
+            </a:pPr>
+            <a:r>
+              <a:rPr lang="en-US" sz="1800" dirty="0" smtClean="0"/>
+              <a:t>What are important views when documenting or describing the architecture of a software system</a:t>
+            </a:r>
+          </a:p>
+          <a:p>
+            <a:pPr marL="342900" indent="-342900">
+              <a:buFont typeface="Arial"/>
+              <a:buChar char="•"/>
+            </a:pPr>
+            <a:r>
+              <a:rPr lang="en-US" sz="1800" dirty="0" smtClean="0"/>
+              <a:t>Why do we need to do architecture</a:t>
+            </a:r>
+          </a:p>
+          <a:p>
+            <a:pPr marL="342900" indent="-342900">
+              <a:buFont typeface="Arial"/>
+              <a:buChar char="•"/>
+            </a:pPr>
+            <a:r>
+              <a:rPr lang="en-US" sz="1800" dirty="0" smtClean="0"/>
+              <a:t>Architecture and agile – can this be done, and if so, how?</a:t>
+            </a:r>
+            <a:endParaRPr lang="en-US" sz="1800" dirty="0"/>
+          </a:p>
+        </p:txBody>
+      </p:sp>
+      <p:pic>
+        <p:nvPicPr>
+          <p:cNvPr id="6" name="Picture 4"/>
+          <p:cNvPicPr>
+            <a:picLocks noChangeAspect="1" noChangeArrowheads="1"/>
+          </p:cNvPicPr>
+          <p:nvPr/>
+        </p:nvPicPr>
+        <p:blipFill>
+          <a:blip r:embed="rId2">
+            <a:extLst>
+              <a:ext uri="{28A0092B-C50C-407E-A947-70E740481C1C}">
+                <a14:useLocalDpi xmlns:a14="http://schemas.microsoft.com/office/drawing/2010/main"/>
+              </a:ext>
+            </a:extLst>
+          </a:blip>
+          <a:srcRect/>
+          <a:stretch>
+            <a:fillRect/>
+          </a:stretch>
+        </p:blipFill>
+        <p:spPr bwMode="auto">
+          <a:xfrm>
+            <a:off x="2057400" y="4419600"/>
+            <a:ext cx="4681670" cy="1793875"/>
+          </a:xfrm>
+          <a:prstGeom prst="rect">
+            <a:avLst/>
+          </a:prstGeom>
+          <a:noFill/>
+          <a:ln>
+            <a:noFill/>
+          </a:ln>
+          <a:effectLst/>
+          <a:extLst>
+            <a:ext uri="{909E8E84-426E-40dd-AFC4-6F175D3DCCD1}">
+              <a14:hiddenFill xmlns:a14="http://schemas.microsoft.com/office/drawing/2010/main" xmlns="">
+                <a:solidFill>
+                  <a:schemeClr val="accent1"/>
+                </a:solidFill>
+              </a14:hiddenFill>
+            </a:ext>
+            <a:ext uri="{91240B29-F687-4f45-9708-019B960494DF}">
+              <a14:hiddenLine xmlns:a14="http://schemas.microsoft.com/office/drawing/2010/main" xmlns="" w="9525">
+                <a:solidFill>
+                  <a:schemeClr val="tx1"/>
+                </a:solidFill>
+                <a:miter lim="800000"/>
+                <a:headEnd/>
+                <a:tailEnd/>
+              </a14:hiddenLine>
+            </a:ext>
+            <a:ext uri="{AF507438-7753-43e0-B8FC-AC1667EBCBE1}">
+              <a14:hiddenEffects xmlns:a14="http://schemas.microsoft.com/office/drawing/2010/main" xmlns="">
+                <a:effectLst>
+                  <a:outerShdw blurRad="63500" dist="38099" dir="2700000" algn="ctr" rotWithShape="0">
+                    <a:schemeClr val="bg2">
+                      <a:alpha val="74998"/>
+                    </a:schemeClr>
+                  </a:outerShdw>
+                </a:effectLst>
+              </a14:hiddenEffects>
+            </a:ext>
+          </a:extLst>
+        </p:spPr>
+      </p:pic>
+    </p:spTree>
+  </p:cSld>
+  <p:clrMapOvr>
+    <a:masterClrMapping/>
+  </p:clrMapOvr>
+  <p:transition/>
+  <p:timing>
+    <p:tnLst>
+      <p:par>
+        <p:cTn id="1" dur="indefinite" restart="never" nodeType="tmRoot"/>
+      </p:par>
+    </p:tnLst>
+  </p:timing>
+</p:sld>
+</file>
+
+<file path=ppt/slides/slide12.xml><?xml version="1.0" encoding="utf-8"?>
+<p:sld xmlns:a="http://schemas.openxmlformats.org/drawingml/2006/main" xmlns:r="http://schemas.openxmlformats.org/officeDocument/2006/relationships" xmlns:p="http://schemas.openxmlformats.org/presentationml/2006/main">
+  <p:cSld>
+    <p:spTree>
+      <p:nvGrpSpPr>
+        <p:cNvPr id="1" name=""/>
+        <p:cNvGrpSpPr/>
+        <p:nvPr/>
+      </p:nvGrpSpPr>
+      <p:grpSpPr>
+        <a:xfrm>
+          <a:off x="0" y="0"/>
+          <a:ext cx="0" cy="0"/>
+          <a:chOff x="0" y="0"/>
+          <a:chExt cx="0" cy="0"/>
+        </a:xfrm>
+      </p:grpSpPr>
+      <p:sp>
+        <p:nvSpPr>
+          <p:cNvPr id="4" name="Slide Number Placeholder 4"/>
+          <p:cNvSpPr>
+            <a:spLocks noGrp="1"/>
+          </p:cNvSpPr>
+          <p:nvPr>
+            <p:ph type="sldNum" sz="quarter" idx="11"/>
+          </p:nvPr>
+        </p:nvSpPr>
+        <p:spPr/>
+        <p:txBody>
+          <a:bodyPr/>
+          <a:lstStyle/>
+          <a:p>
+            <a:fld id="{8BE99BFD-8863-B045-8AED-C026A27B630D}" type="slidenum">
+              <a:rPr lang="en-US"/>
+              <a:pPr/>
+              <a:t>12</a:t>
+            </a:fld>
+            <a:endParaRPr lang="en-US"/>
+          </a:p>
+        </p:txBody>
+      </p:sp>
+      <p:sp>
+        <p:nvSpPr>
+          <p:cNvPr id="477186" name="Rectangle 2"/>
+          <p:cNvSpPr>
+            <a:spLocks noGrp="1" noChangeArrowheads="1"/>
+          </p:cNvSpPr>
+          <p:nvPr>
+            <p:ph type="title"/>
+          </p:nvPr>
+        </p:nvSpPr>
+        <p:spPr/>
+        <p:txBody>
+          <a:bodyPr/>
+          <a:lstStyle/>
+          <a:p>
+            <a:r>
+              <a:rPr lang="en-US" dirty="0" smtClean="0"/>
+              <a:t>Course Topics</a:t>
+            </a:r>
+            <a:endParaRPr lang="en-US" dirty="0"/>
+          </a:p>
+        </p:txBody>
+      </p:sp>
+      <p:sp>
+        <p:nvSpPr>
+          <p:cNvPr id="2" name="TextBox 1"/>
+          <p:cNvSpPr txBox="1"/>
+          <p:nvPr/>
+        </p:nvSpPr>
+        <p:spPr>
+          <a:xfrm>
+            <a:off x="990600" y="1524000"/>
+            <a:ext cx="7430560" cy="461665"/>
+          </a:xfrm>
+          <a:prstGeom prst="rect">
+            <a:avLst/>
+          </a:prstGeom>
+          <a:noFill/>
+        </p:spPr>
+        <p:txBody>
+          <a:bodyPr wrap="none" rtlCol="0">
+            <a:spAutoFit/>
+          </a:bodyPr>
+          <a:lstStyle/>
+          <a:p>
+            <a:r>
+              <a:rPr lang="en-US" dirty="0" smtClean="0"/>
+              <a:t>Breaking bad habits &amp; being exposed to new things…</a:t>
             </a:r>
             <a:endParaRPr lang="en-US" dirty="0"/>
           </a:p>
@@ -12015,7 +12527,6 @@
               <a:rPr lang="en-US" sz="1800" dirty="0" smtClean="0"/>
               <a:t>OO, FP</a:t>
             </a:r>
-            <a:endParaRPr lang="en-US" sz="1800" dirty="0" smtClean="0"/>
           </a:p>
           <a:p>
             <a:pPr marL="342900" indent="-342900">
@@ -12037,6 +12548,57 @@
               <a:t>What's wrong with OO (specifically Java), and why the current reemergence of FP?</a:t>
             </a:r>
             <a:endParaRPr lang="en-US" sz="1800" dirty="0"/>
+          </a:p>
+        </p:txBody>
+      </p:sp>
+      <p:sp>
+        <p:nvSpPr>
+          <p:cNvPr id="3" name="TextBox 2"/>
+          <p:cNvSpPr txBox="1"/>
+          <p:nvPr/>
+        </p:nvSpPr>
+        <p:spPr>
+          <a:xfrm>
+            <a:off x="849332" y="4114800"/>
+            <a:ext cx="7979941" cy="1200329"/>
+          </a:xfrm>
+          <a:prstGeom prst="rect">
+            <a:avLst/>
+          </a:prstGeom>
+          <a:noFill/>
+        </p:spPr>
+        <p:txBody>
+          <a:bodyPr wrap="none" rtlCol="0">
+            <a:spAutoFit/>
+          </a:bodyPr>
+          <a:lstStyle/>
+          <a:p>
+            <a:r>
+              <a:rPr lang="en-US" dirty="0" smtClean="0"/>
+              <a:t>Throughout this course many examples will be provided</a:t>
+            </a:r>
+            <a:br>
+              <a:rPr lang="en-US" dirty="0" smtClean="0"/>
+            </a:br>
+            <a:r>
+              <a:rPr lang="en-US" dirty="0" smtClean="0"/>
+              <a:t>using Scala, </a:t>
+            </a:r>
+            <a:r>
+              <a:rPr lang="en-US" dirty="0" err="1" smtClean="0"/>
+              <a:t>GoLang</a:t>
+            </a:r>
+            <a:r>
+              <a:rPr lang="en-US" dirty="0" smtClean="0"/>
+              <a:t> and modern JavaScript/Typescript to</a:t>
+            </a:r>
+            <a:br>
+              <a:rPr lang="en-US" dirty="0" smtClean="0"/>
+            </a:br>
+            <a:r>
+              <a:rPr lang="en-US" dirty="0" smtClean="0"/>
+              <a:t>highlight polyglot software development</a:t>
+            </a:r>
           </a:p>
         </p:txBody>
       </p:sp>
@@ -12061,7 +12623,7 @@
 </p:sld>
 </file>
 
-<file path=ppt/slides/slide11.xml><?xml version="1.0" encoding="utf-8"?>
+<file path=ppt/slides/slide13.xml><?xml version="1.0" encoding="utf-8"?>
 <p:sld xmlns:a="http://schemas.openxmlformats.org/drawingml/2006/main" xmlns:r="http://schemas.openxmlformats.org/officeDocument/2006/relationships" xmlns:p="http://schemas.openxmlformats.org/presentationml/2006/main">
   <p:cSld>
     <p:spTree>
@@ -12096,7 +12658,7 @@
             <a:fld id="{8BE99BFD-8863-B045-8AED-C026A27B630D}" type="slidenum">
               <a:rPr lang="en-US"/>
               <a:pPr/>
-              <a:t>11</a:t>
+              <a:t>13</a:t>
             </a:fld>
             <a:endParaRPr lang="en-US"/>
           </a:p>
@@ -12375,7 +12937,7 @@
 </p:sld>
 </file>
 
-<file path=ppt/slides/slide12.xml><?xml version="1.0" encoding="utf-8"?>
+<file path=ppt/slides/slide14.xml><?xml version="1.0" encoding="utf-8"?>
 <p:sld xmlns:a="http://schemas.openxmlformats.org/drawingml/2006/main" xmlns:r="http://schemas.openxmlformats.org/officeDocument/2006/relationships" xmlns:p="http://schemas.openxmlformats.org/presentationml/2006/main">
   <p:cSld>
     <p:spTree>
@@ -12410,7 +12972,7 @@
             <a:fld id="{8BE99BFD-8863-B045-8AED-C026A27B630D}" type="slidenum">
               <a:rPr lang="en-US"/>
               <a:pPr/>
-              <a:t>12</a:t>
+              <a:t>14</a:t>
             </a:fld>
             <a:endParaRPr lang="en-US"/>
           </a:p>
@@ -12633,7 +13195,7 @@
 </p:sld>
 </file>
 
-<file path=ppt/slides/slide13.xml><?xml version="1.0" encoding="utf-8"?>
+<file path=ppt/slides/slide15.xml><?xml version="1.0" encoding="utf-8"?>
 <p:sld xmlns:a="http://schemas.openxmlformats.org/drawingml/2006/main" xmlns:r="http://schemas.openxmlformats.org/officeDocument/2006/relationships" xmlns:p="http://schemas.openxmlformats.org/presentationml/2006/main">
   <p:cSld>
     <p:spTree>
@@ -12668,7 +13230,7 @@
             <a:fld id="{8BE99BFD-8863-B045-8AED-C026A27B630D}" type="slidenum">
               <a:rPr lang="en-US"/>
               <a:pPr/>
-              <a:t>13</a:t>
+              <a:t>15</a:t>
             </a:fld>
             <a:endParaRPr lang="en-US"/>
           </a:p>
@@ -14155,7 +14717,7 @@
 </p:sld>
 </file>
 
-<file path=ppt/slides/slide14.xml><?xml version="1.0" encoding="utf-8"?>
+<file path=ppt/slides/slide16.xml><?xml version="1.0" encoding="utf-8"?>
 <p:sld xmlns:a="http://schemas.openxmlformats.org/drawingml/2006/main" xmlns:r="http://schemas.openxmlformats.org/officeDocument/2006/relationships" xmlns:p="http://schemas.openxmlformats.org/presentationml/2006/main">
   <p:cSld>
     <p:spTree>
@@ -14190,7 +14752,7 @@
             <a:fld id="{8BE99BFD-8863-B045-8AED-C026A27B630D}" type="slidenum">
               <a:rPr lang="en-US"/>
               <a:pPr/>
-              <a:t>14</a:t>
+              <a:t>16</a:t>
             </a:fld>
             <a:endParaRPr lang="en-US"/>
           </a:p>
@@ -17091,7 +17653,7 @@
 </p:sld>
 </file>
 
-<file path=ppt/slides/slide15.xml><?xml version="1.0" encoding="utf-8"?>
+<file path=ppt/slides/slide17.xml><?xml version="1.0" encoding="utf-8"?>
 <p:sld xmlns:a="http://schemas.openxmlformats.org/drawingml/2006/main" xmlns:r="http://schemas.openxmlformats.org/officeDocument/2006/relationships" xmlns:p="http://schemas.openxmlformats.org/presentationml/2006/main">
   <p:cSld>
     <p:spTree>
@@ -17126,7 +17688,7 @@
             <a:fld id="{8BE99BFD-8863-B045-8AED-C026A27B630D}" type="slidenum">
               <a:rPr lang="en-US"/>
               <a:pPr/>
-              <a:t>15</a:t>
+              <a:t>17</a:t>
             </a:fld>
             <a:endParaRPr lang="en-US"/>
           </a:p>
@@ -17392,7 +17954,7 @@
 </p:sld>
 </file>
 
-<file path=ppt/slides/slide16.xml><?xml version="1.0" encoding="utf-8"?>
+<file path=ppt/slides/slide18.xml><?xml version="1.0" encoding="utf-8"?>
 <p:sld xmlns:a="http://schemas.openxmlformats.org/drawingml/2006/main" xmlns:r="http://schemas.openxmlformats.org/officeDocument/2006/relationships" xmlns:p="http://schemas.openxmlformats.org/presentationml/2006/main">
   <p:cSld>
     <p:spTree>
@@ -17427,7 +17989,7 @@
             <a:fld id="{8BE99BFD-8863-B045-8AED-C026A27B630D}" type="slidenum">
               <a:rPr lang="en-US"/>
               <a:pPr/>
-              <a:t>16</a:t>
+              <a:t>18</a:t>
             </a:fld>
             <a:endParaRPr lang="en-US"/>
           </a:p>
@@ -18088,7 +18650,7 @@
 </p:sld>
 </file>
 
-<file path=ppt/slides/slide17.xml><?xml version="1.0" encoding="utf-8"?>
+<file path=ppt/slides/slide19.xml><?xml version="1.0" encoding="utf-8"?>
 <p:sld xmlns:a="http://schemas.openxmlformats.org/drawingml/2006/main" xmlns:r="http://schemas.openxmlformats.org/officeDocument/2006/relationships" xmlns:p="http://schemas.openxmlformats.org/presentationml/2006/main">
   <p:cSld>
     <p:spTree>
@@ -18123,7 +18685,7 @@
             <a:fld id="{8BE99BFD-8863-B045-8AED-C026A27B630D}" type="slidenum">
               <a:rPr lang="en-US"/>
               <a:pPr/>
-              <a:t>17</a:t>
+              <a:t>19</a:t>
             </a:fld>
             <a:endParaRPr lang="en-US"/>
           </a:p>
@@ -18316,7 +18878,7 @@
 </p:sld>
 </file>
 
-<file path=ppt/slides/slide18.xml><?xml version="1.0" encoding="utf-8"?>
+<file path=ppt/slides/slide2.xml><?xml version="1.0" encoding="utf-8"?>
 <p:sld xmlns:a="http://schemas.openxmlformats.org/drawingml/2006/main" xmlns:r="http://schemas.openxmlformats.org/officeDocument/2006/relationships" xmlns:p="http://schemas.openxmlformats.org/presentationml/2006/main">
   <p:cSld>
     <p:spTree>
@@ -18335,6 +18897,405 @@
       </p:grpSpPr>
       <p:sp>
         <p:nvSpPr>
+          <p:cNvPr id="9" name="Slide Number Placeholder 4"/>
+          <p:cNvSpPr>
+            <a:spLocks noGrp="1"/>
+          </p:cNvSpPr>
+          <p:nvPr>
+            <p:ph type="sldNum" sz="quarter" idx="11"/>
+          </p:nvPr>
+        </p:nvSpPr>
+        <p:spPr/>
+        <p:txBody>
+          <a:bodyPr/>
+          <a:lstStyle/>
+          <a:p>
+            <a:fld id="{428E2B98-0DE2-444B-BFB2-63C60895E6AF}" type="slidenum">
+              <a:rPr lang="en-US"/>
+              <a:pPr/>
+              <a:t>2</a:t>
+            </a:fld>
+            <a:endParaRPr lang="en-US"/>
+          </a:p>
+        </p:txBody>
+      </p:sp>
+      <p:sp>
+        <p:nvSpPr>
+          <p:cNvPr id="468994" name="Rectangle 2"/>
+          <p:cNvSpPr>
+            <a:spLocks noGrp="1" noChangeArrowheads="1"/>
+          </p:cNvSpPr>
+          <p:nvPr>
+            <p:ph type="title"/>
+          </p:nvPr>
+        </p:nvSpPr>
+        <p:spPr/>
+        <p:txBody>
+          <a:bodyPr/>
+          <a:lstStyle/>
+          <a:p>
+            <a:r>
+              <a:rPr lang="en-US" dirty="0" smtClean="0"/>
+              <a:t>About The Instructor</a:t>
+            </a:r>
+            <a:endParaRPr lang="en-US" dirty="0"/>
+          </a:p>
+        </p:txBody>
+      </p:sp>
+      <p:sp>
+        <p:nvSpPr>
+          <p:cNvPr id="469003" name="Text Box 11"/>
+          <p:cNvSpPr txBox="1">
+            <a:spLocks noChangeArrowheads="1"/>
+          </p:cNvSpPr>
+          <p:nvPr/>
+        </p:nvSpPr>
+        <p:spPr bwMode="auto">
+          <a:xfrm>
+            <a:off x="1028701" y="1752600"/>
+            <a:ext cx="7505700" cy="1754327"/>
+          </a:xfrm>
+          <a:prstGeom prst="rect">
+            <a:avLst/>
+          </a:prstGeom>
+          <a:noFill/>
+          <a:ln>
+            <a:noFill/>
+          </a:ln>
+          <a:effectLst/>
+          <a:extLst>
+            <a:ext uri="{909E8E84-426E-40dd-AFC4-6F175D3DCCD1}">
+              <a14:hiddenFill xmlns:a14="http://schemas.microsoft.com/office/drawing/2010/main" xmlns="">
+                <a:solidFill>
+                  <a:schemeClr val="accent1"/>
+                </a:solidFill>
+              </a14:hiddenFill>
+            </a:ext>
+            <a:ext uri="{91240B29-F687-4f45-9708-019B960494DF}">
+              <a14:hiddenLine xmlns:a14="http://schemas.microsoft.com/office/drawing/2010/main" xmlns="" w="9525">
+                <a:solidFill>
+                  <a:schemeClr val="tx1"/>
+                </a:solidFill>
+                <a:miter lim="800000"/>
+                <a:headEnd/>
+                <a:tailEnd/>
+              </a14:hiddenLine>
+            </a:ext>
+            <a:ext uri="{AF507438-7753-43e0-B8FC-AC1667EBCBE1}">
+              <a14:hiddenEffects xmlns:a14="http://schemas.microsoft.com/office/drawing/2010/main" xmlns="">
+                <a:effectLst>
+                  <a:outerShdw blurRad="63500" dist="38099" dir="2700000" algn="ctr" rotWithShape="0">
+                    <a:schemeClr val="bg2">
+                      <a:alpha val="74998"/>
+                    </a:schemeClr>
+                  </a:outerShdw>
+                </a:effectLst>
+              </a14:hiddenEffects>
+            </a:ext>
+          </a:extLst>
+        </p:spPr>
+        <p:txBody>
+          <a:bodyPr wrap="square">
+            <a:spAutoFit/>
+          </a:bodyPr>
+          <a:lstStyle/>
+          <a:p>
+            <a:r>
+              <a:rPr lang="en-US" sz="1800" b="1" dirty="0" smtClean="0"/>
+              <a:t>Academic Background</a:t>
+            </a:r>
+          </a:p>
+          <a:p>
+            <a:pPr marL="342900" indent="-342900">
+              <a:buFont typeface="Arial"/>
+              <a:buChar char="•"/>
+            </a:pPr>
+            <a:r>
+              <a:rPr lang="en-US" sz="1800" b="1" dirty="0" smtClean="0"/>
+              <a:t>B.S., M.S., and Ph.D. in Computer Science</a:t>
+            </a:r>
+          </a:p>
+          <a:p>
+            <a:pPr marL="342900" indent="-342900">
+              <a:buFont typeface="Arial"/>
+              <a:buChar char="•"/>
+            </a:pPr>
+            <a:r>
+              <a:rPr lang="en-US" sz="1800" b="1" dirty="0" smtClean="0"/>
+              <a:t>M.E. in Computer and Telecommunication Engineering</a:t>
+            </a:r>
+          </a:p>
+          <a:p>
+            <a:pPr marL="342900" indent="-342900">
+              <a:buFont typeface="Arial"/>
+              <a:buChar char="•"/>
+            </a:pPr>
+            <a:r>
+              <a:rPr lang="en-US" sz="1800" b="1" dirty="0" smtClean="0"/>
+              <a:t>Involved with CS Department Teaching, Research and Industry collaboration since 1997 </a:t>
+            </a:r>
+          </a:p>
+          <a:p>
+            <a:pPr marL="342900" indent="-342900">
+              <a:buFont typeface="Arial"/>
+              <a:buChar char="•"/>
+            </a:pPr>
+            <a:r>
+              <a:rPr lang="en-US" sz="1800" b="1" dirty="0" smtClean="0"/>
+              <a:t>Ph.D. work was is Software Architecture Recovery </a:t>
+            </a:r>
+            <a:endParaRPr lang="en-US" sz="1800" b="1" dirty="0"/>
+          </a:p>
+        </p:txBody>
+      </p:sp>
+      <p:sp>
+        <p:nvSpPr>
+          <p:cNvPr id="12" name="Text Box 11"/>
+          <p:cNvSpPr txBox="1">
+            <a:spLocks noChangeArrowheads="1"/>
+          </p:cNvSpPr>
+          <p:nvPr/>
+        </p:nvSpPr>
+        <p:spPr bwMode="auto">
+          <a:xfrm>
+            <a:off x="1028700" y="3581400"/>
+            <a:ext cx="7505700" cy="923330"/>
+          </a:xfrm>
+          <a:prstGeom prst="rect">
+            <a:avLst/>
+          </a:prstGeom>
+          <a:noFill/>
+          <a:ln>
+            <a:noFill/>
+          </a:ln>
+          <a:effectLst/>
+          <a:extLst>
+            <a:ext uri="{909E8E84-426E-40dd-AFC4-6F175D3DCCD1}">
+              <a14:hiddenFill xmlns:a14="http://schemas.microsoft.com/office/drawing/2010/main" xmlns="">
+                <a:solidFill>
+                  <a:schemeClr val="accent1"/>
+                </a:solidFill>
+              </a14:hiddenFill>
+            </a:ext>
+            <a:ext uri="{91240B29-F687-4f45-9708-019B960494DF}">
+              <a14:hiddenLine xmlns:a14="http://schemas.microsoft.com/office/drawing/2010/main" xmlns="" w="9525">
+                <a:solidFill>
+                  <a:schemeClr val="tx1"/>
+                </a:solidFill>
+                <a:miter lim="800000"/>
+                <a:headEnd/>
+                <a:tailEnd/>
+              </a14:hiddenLine>
+            </a:ext>
+            <a:ext uri="{AF507438-7753-43e0-B8FC-AC1667EBCBE1}">
+              <a14:hiddenEffects xmlns:a14="http://schemas.microsoft.com/office/drawing/2010/main" xmlns="">
+                <a:effectLst>
+                  <a:outerShdw blurRad="63500" dist="38099" dir="2700000" algn="ctr" rotWithShape="0">
+                    <a:schemeClr val="bg2">
+                      <a:alpha val="74998"/>
+                    </a:schemeClr>
+                  </a:outerShdw>
+                </a:effectLst>
+              </a14:hiddenEffects>
+            </a:ext>
+          </a:extLst>
+        </p:spPr>
+        <p:txBody>
+          <a:bodyPr wrap="square">
+            <a:spAutoFit/>
+          </a:bodyPr>
+          <a:lstStyle/>
+          <a:p>
+            <a:r>
+              <a:rPr lang="en-US" sz="1800" b="1" dirty="0" smtClean="0"/>
+              <a:t>Industry Background</a:t>
+            </a:r>
+          </a:p>
+          <a:p>
+            <a:pPr marL="342900" indent="-342900">
+              <a:buFont typeface="Arial"/>
+              <a:buChar char="•"/>
+            </a:pPr>
+            <a:r>
+              <a:rPr lang="en-US" sz="1800" b="1" dirty="0" smtClean="0"/>
+              <a:t>Chief Architect at Cigna (Business, Web, Mobile, SOA)</a:t>
+            </a:r>
+          </a:p>
+          <a:p>
+            <a:pPr marL="342900" indent="-342900">
+              <a:buFont typeface="Arial"/>
+              <a:buChar char="•"/>
+            </a:pPr>
+            <a:r>
+              <a:rPr lang="en-US" sz="1800" b="1" dirty="0" smtClean="0"/>
+              <a:t>Founder of Integrated </a:t>
+            </a:r>
+            <a:r>
+              <a:rPr lang="en-US" sz="1800" b="1" dirty="0" err="1" smtClean="0"/>
+              <a:t>SystemWare</a:t>
+            </a:r>
+            <a:endParaRPr lang="en-US" sz="1800" b="1" dirty="0"/>
+          </a:p>
+        </p:txBody>
+      </p:sp>
+      <p:pic>
+        <p:nvPicPr>
+          <p:cNvPr id="4" name="Picture 3" descr="mitchell.jpg"/>
+          <p:cNvPicPr>
+            <a:picLocks noChangeAspect="1"/>
+          </p:cNvPicPr>
+          <p:nvPr/>
+        </p:nvPicPr>
+        <p:blipFill>
+          <a:blip r:embed="rId2">
+            <a:extLst>
+              <a:ext uri="{28A0092B-C50C-407E-A947-70E740481C1C}">
+                <a14:useLocalDpi xmlns:a14="http://schemas.microsoft.com/office/drawing/2010/main"/>
+              </a:ext>
+            </a:extLst>
+          </a:blip>
+          <a:stretch>
+            <a:fillRect/>
+          </a:stretch>
+        </p:blipFill>
+        <p:spPr>
+          <a:xfrm>
+            <a:off x="6553200" y="381000"/>
+            <a:ext cx="1587500" cy="1981200"/>
+          </a:xfrm>
+          <a:prstGeom prst="rect">
+            <a:avLst/>
+          </a:prstGeom>
+        </p:spPr>
+      </p:pic>
+      <p:sp>
+        <p:nvSpPr>
+          <p:cNvPr id="14" name="Text Box 11"/>
+          <p:cNvSpPr txBox="1">
+            <a:spLocks noChangeArrowheads="1"/>
+          </p:cNvSpPr>
+          <p:nvPr/>
+        </p:nvSpPr>
+        <p:spPr bwMode="auto">
+          <a:xfrm>
+            <a:off x="1028700" y="4572000"/>
+            <a:ext cx="7505700" cy="923330"/>
+          </a:xfrm>
+          <a:prstGeom prst="rect">
+            <a:avLst/>
+          </a:prstGeom>
+          <a:noFill/>
+          <a:ln>
+            <a:noFill/>
+          </a:ln>
+          <a:effectLst/>
+          <a:extLst>
+            <a:ext uri="{909E8E84-426E-40dd-AFC4-6F175D3DCCD1}">
+              <a14:hiddenFill xmlns:a14="http://schemas.microsoft.com/office/drawing/2010/main" xmlns="">
+                <a:solidFill>
+                  <a:schemeClr val="accent1"/>
+                </a:solidFill>
+              </a14:hiddenFill>
+            </a:ext>
+            <a:ext uri="{91240B29-F687-4f45-9708-019B960494DF}">
+              <a14:hiddenLine xmlns:a14="http://schemas.microsoft.com/office/drawing/2010/main" xmlns="" w="9525">
+                <a:solidFill>
+                  <a:schemeClr val="tx1"/>
+                </a:solidFill>
+                <a:miter lim="800000"/>
+                <a:headEnd/>
+                <a:tailEnd/>
+              </a14:hiddenLine>
+            </a:ext>
+            <a:ext uri="{AF507438-7753-43e0-B8FC-AC1667EBCBE1}">
+              <a14:hiddenEffects xmlns:a14="http://schemas.microsoft.com/office/drawing/2010/main" xmlns="">
+                <a:effectLst>
+                  <a:outerShdw blurRad="63500" dist="38099" dir="2700000" algn="ctr" rotWithShape="0">
+                    <a:schemeClr val="bg2">
+                      <a:alpha val="74998"/>
+                    </a:schemeClr>
+                  </a:outerShdw>
+                </a:effectLst>
+              </a14:hiddenEffects>
+            </a:ext>
+          </a:extLst>
+        </p:spPr>
+        <p:txBody>
+          <a:bodyPr wrap="square">
+            <a:spAutoFit/>
+          </a:bodyPr>
+          <a:lstStyle/>
+          <a:p>
+            <a:r>
+              <a:rPr lang="en-US" sz="1800" b="1" dirty="0" smtClean="0"/>
+              <a:t>Contact Information</a:t>
+            </a:r>
+          </a:p>
+          <a:p>
+            <a:pPr marL="342900" indent="-342900">
+              <a:buFont typeface="Arial"/>
+              <a:buChar char="•"/>
+            </a:pPr>
+            <a:r>
+              <a:rPr lang="en-US" sz="1800" b="1" dirty="0" smtClean="0"/>
+              <a:t>Email: </a:t>
+            </a:r>
+            <a:r>
+              <a:rPr lang="en-US" sz="1800" b="1" dirty="0" smtClean="0">
+                <a:hlinkClick r:id="rId3"/>
+              </a:rPr>
+              <a:t>bmitchell@cs.drexel.edu</a:t>
+            </a:r>
+            <a:endParaRPr lang="en-US" sz="1800" b="1" dirty="0" smtClean="0"/>
+          </a:p>
+          <a:p>
+            <a:pPr marL="342900" indent="-342900">
+              <a:buFont typeface="Arial"/>
+              <a:buChar char="•"/>
+            </a:pPr>
+            <a:r>
+              <a:rPr lang="en-US" sz="1800" b="1" dirty="0" smtClean="0"/>
+              <a:t>Office Hours: Generally before class, but by appointment</a:t>
+            </a:r>
+            <a:endParaRPr lang="en-US" sz="1800" b="1" dirty="0"/>
+          </a:p>
+        </p:txBody>
+      </p:sp>
+    </p:spTree>
+  </p:cSld>
+  <p:clrMapOvr>
+    <a:masterClrMapping/>
+  </p:clrMapOvr>
+  <p:transition/>
+  <p:timing>
+    <p:tnLst>
+      <p:par>
+        <p:cTn id="1" dur="indefinite" restart="never" nodeType="tmRoot"/>
+      </p:par>
+    </p:tnLst>
+  </p:timing>
+</p:sld>
+</file>
+
+<file path=ppt/slides/slide20.xml><?xml version="1.0" encoding="utf-8"?>
+<p:sld xmlns:a="http://schemas.openxmlformats.org/drawingml/2006/main" xmlns:r="http://schemas.openxmlformats.org/officeDocument/2006/relationships" xmlns:p="http://schemas.openxmlformats.org/presentationml/2006/main">
+  <p:cSld>
+    <p:spTree>
+      <p:nvGrpSpPr>
+        <p:cNvPr id="1" name=""/>
+        <p:cNvGrpSpPr/>
+        <p:nvPr/>
+      </p:nvGrpSpPr>
+      <p:grpSpPr>
+        <a:xfrm>
+          <a:off x="0" y="0"/>
+          <a:ext cx="0" cy="0"/>
+          <a:chOff x="0" y="0"/>
+          <a:chExt cx="0" cy="0"/>
+        </a:xfrm>
+      </p:grpSpPr>
+      <p:sp>
+        <p:nvSpPr>
           <p:cNvPr id="4" name="Slide Number Placeholder 4"/>
           <p:cNvSpPr>
             <a:spLocks noGrp="1"/>
@@ -18351,7 +19312,7 @@
             <a:fld id="{8BE99BFD-8863-B045-8AED-C026A27B630D}" type="slidenum">
               <a:rPr lang="en-US"/>
               <a:pPr/>
-              <a:t>18</a:t>
+              <a:t>20</a:t>
             </a:fld>
             <a:endParaRPr lang="en-US"/>
           </a:p>
@@ -18476,7 +19437,7 @@
 </p:sld>
 </file>
 
-<file path=ppt/slides/slide19.xml><?xml version="1.0" encoding="utf-8"?>
+<file path=ppt/slides/slide21.xml><?xml version="1.0" encoding="utf-8"?>
 <p:sld xmlns:a="http://schemas.openxmlformats.org/drawingml/2006/main" xmlns:r="http://schemas.openxmlformats.org/officeDocument/2006/relationships" xmlns:p="http://schemas.openxmlformats.org/presentationml/2006/main">
   <p:cSld>
     <p:spTree>
@@ -18511,7 +19472,7 @@
             <a:fld id="{8BE99BFD-8863-B045-8AED-C026A27B630D}" type="slidenum">
               <a:rPr lang="en-US"/>
               <a:pPr/>
-              <a:t>19</a:t>
+              <a:t>21</a:t>
             </a:fld>
             <a:endParaRPr lang="en-US"/>
           </a:p>
@@ -18881,7 +19842,7 @@
 </p:sld>
 </file>
 
-<file path=ppt/slides/slide2.xml><?xml version="1.0" encoding="utf-8"?>
+<file path=ppt/slides/slide22.xml><?xml version="1.0" encoding="utf-8"?>
 <p:sld xmlns:a="http://schemas.openxmlformats.org/drawingml/2006/main" xmlns:r="http://schemas.openxmlformats.org/officeDocument/2006/relationships" xmlns:p="http://schemas.openxmlformats.org/presentationml/2006/main">
   <p:cSld>
     <p:spTree>
@@ -18900,405 +19861,6 @@
       </p:grpSpPr>
       <p:sp>
         <p:nvSpPr>
-          <p:cNvPr id="9" name="Slide Number Placeholder 4"/>
-          <p:cNvSpPr>
-            <a:spLocks noGrp="1"/>
-          </p:cNvSpPr>
-          <p:nvPr>
-            <p:ph type="sldNum" sz="quarter" idx="11"/>
-          </p:nvPr>
-        </p:nvSpPr>
-        <p:spPr/>
-        <p:txBody>
-          <a:bodyPr/>
-          <a:lstStyle/>
-          <a:p>
-            <a:fld id="{428E2B98-0DE2-444B-BFB2-63C60895E6AF}" type="slidenum">
-              <a:rPr lang="en-US"/>
-              <a:pPr/>
-              <a:t>2</a:t>
-            </a:fld>
-            <a:endParaRPr lang="en-US"/>
-          </a:p>
-        </p:txBody>
-      </p:sp>
-      <p:sp>
-        <p:nvSpPr>
-          <p:cNvPr id="468994" name="Rectangle 2"/>
-          <p:cNvSpPr>
-            <a:spLocks noGrp="1" noChangeArrowheads="1"/>
-          </p:cNvSpPr>
-          <p:nvPr>
-            <p:ph type="title"/>
-          </p:nvPr>
-        </p:nvSpPr>
-        <p:spPr/>
-        <p:txBody>
-          <a:bodyPr/>
-          <a:lstStyle/>
-          <a:p>
-            <a:r>
-              <a:rPr lang="en-US" dirty="0" smtClean="0"/>
-              <a:t>About The Instructor</a:t>
-            </a:r>
-            <a:endParaRPr lang="en-US" dirty="0"/>
-          </a:p>
-        </p:txBody>
-      </p:sp>
-      <p:sp>
-        <p:nvSpPr>
-          <p:cNvPr id="469003" name="Text Box 11"/>
-          <p:cNvSpPr txBox="1">
-            <a:spLocks noChangeArrowheads="1"/>
-          </p:cNvSpPr>
-          <p:nvPr/>
-        </p:nvSpPr>
-        <p:spPr bwMode="auto">
-          <a:xfrm>
-            <a:off x="1028701" y="1752600"/>
-            <a:ext cx="7505700" cy="1754327"/>
-          </a:xfrm>
-          <a:prstGeom prst="rect">
-            <a:avLst/>
-          </a:prstGeom>
-          <a:noFill/>
-          <a:ln>
-            <a:noFill/>
-          </a:ln>
-          <a:effectLst/>
-          <a:extLst>
-            <a:ext uri="{909E8E84-426E-40dd-AFC4-6F175D3DCCD1}">
-              <a14:hiddenFill xmlns:a14="http://schemas.microsoft.com/office/drawing/2010/main" xmlns="">
-                <a:solidFill>
-                  <a:schemeClr val="accent1"/>
-                </a:solidFill>
-              </a14:hiddenFill>
-            </a:ext>
-            <a:ext uri="{91240B29-F687-4f45-9708-019B960494DF}">
-              <a14:hiddenLine xmlns:a14="http://schemas.microsoft.com/office/drawing/2010/main" xmlns="" w="9525">
-                <a:solidFill>
-                  <a:schemeClr val="tx1"/>
-                </a:solidFill>
-                <a:miter lim="800000"/>
-                <a:headEnd/>
-                <a:tailEnd/>
-              </a14:hiddenLine>
-            </a:ext>
-            <a:ext uri="{AF507438-7753-43e0-B8FC-AC1667EBCBE1}">
-              <a14:hiddenEffects xmlns:a14="http://schemas.microsoft.com/office/drawing/2010/main" xmlns="">
-                <a:effectLst>
-                  <a:outerShdw blurRad="63500" dist="38099" dir="2700000" algn="ctr" rotWithShape="0">
-                    <a:schemeClr val="bg2">
-                      <a:alpha val="74998"/>
-                    </a:schemeClr>
-                  </a:outerShdw>
-                </a:effectLst>
-              </a14:hiddenEffects>
-            </a:ext>
-          </a:extLst>
-        </p:spPr>
-        <p:txBody>
-          <a:bodyPr wrap="square">
-            <a:spAutoFit/>
-          </a:bodyPr>
-          <a:lstStyle/>
-          <a:p>
-            <a:r>
-              <a:rPr lang="en-US" sz="1800" b="1" dirty="0" smtClean="0"/>
-              <a:t>Academic Background</a:t>
-            </a:r>
-          </a:p>
-          <a:p>
-            <a:pPr marL="342900" indent="-342900">
-              <a:buFont typeface="Arial"/>
-              <a:buChar char="•"/>
-            </a:pPr>
-            <a:r>
-              <a:rPr lang="en-US" sz="1800" b="1" dirty="0" smtClean="0"/>
-              <a:t>B.S., M.S., and Ph.D. in Computer Science</a:t>
-            </a:r>
-          </a:p>
-          <a:p>
-            <a:pPr marL="342900" indent="-342900">
-              <a:buFont typeface="Arial"/>
-              <a:buChar char="•"/>
-            </a:pPr>
-            <a:r>
-              <a:rPr lang="en-US" sz="1800" b="1" dirty="0" smtClean="0"/>
-              <a:t>M.E. in Computer and Telecommunication Engineering</a:t>
-            </a:r>
-          </a:p>
-          <a:p>
-            <a:pPr marL="342900" indent="-342900">
-              <a:buFont typeface="Arial"/>
-              <a:buChar char="•"/>
-            </a:pPr>
-            <a:r>
-              <a:rPr lang="en-US" sz="1800" b="1" dirty="0" smtClean="0"/>
-              <a:t>Involved with CS Department Teaching, Research and Industry collaboration since 1997 </a:t>
-            </a:r>
-          </a:p>
-          <a:p>
-            <a:pPr marL="342900" indent="-342900">
-              <a:buFont typeface="Arial"/>
-              <a:buChar char="•"/>
-            </a:pPr>
-            <a:r>
-              <a:rPr lang="en-US" sz="1800" b="1" dirty="0" smtClean="0"/>
-              <a:t>Ph.D. work was is Software Architecture Recovery </a:t>
-            </a:r>
-            <a:endParaRPr lang="en-US" sz="1800" b="1" dirty="0"/>
-          </a:p>
-        </p:txBody>
-      </p:sp>
-      <p:sp>
-        <p:nvSpPr>
-          <p:cNvPr id="12" name="Text Box 11"/>
-          <p:cNvSpPr txBox="1">
-            <a:spLocks noChangeArrowheads="1"/>
-          </p:cNvSpPr>
-          <p:nvPr/>
-        </p:nvSpPr>
-        <p:spPr bwMode="auto">
-          <a:xfrm>
-            <a:off x="1028700" y="3581400"/>
-            <a:ext cx="7505700" cy="923330"/>
-          </a:xfrm>
-          <a:prstGeom prst="rect">
-            <a:avLst/>
-          </a:prstGeom>
-          <a:noFill/>
-          <a:ln>
-            <a:noFill/>
-          </a:ln>
-          <a:effectLst/>
-          <a:extLst>
-            <a:ext uri="{909E8E84-426E-40dd-AFC4-6F175D3DCCD1}">
-              <a14:hiddenFill xmlns:a14="http://schemas.microsoft.com/office/drawing/2010/main" xmlns="">
-                <a:solidFill>
-                  <a:schemeClr val="accent1"/>
-                </a:solidFill>
-              </a14:hiddenFill>
-            </a:ext>
-            <a:ext uri="{91240B29-F687-4f45-9708-019B960494DF}">
-              <a14:hiddenLine xmlns:a14="http://schemas.microsoft.com/office/drawing/2010/main" xmlns="" w="9525">
-                <a:solidFill>
-                  <a:schemeClr val="tx1"/>
-                </a:solidFill>
-                <a:miter lim="800000"/>
-                <a:headEnd/>
-                <a:tailEnd/>
-              </a14:hiddenLine>
-            </a:ext>
-            <a:ext uri="{AF507438-7753-43e0-B8FC-AC1667EBCBE1}">
-              <a14:hiddenEffects xmlns:a14="http://schemas.microsoft.com/office/drawing/2010/main" xmlns="">
-                <a:effectLst>
-                  <a:outerShdw blurRad="63500" dist="38099" dir="2700000" algn="ctr" rotWithShape="0">
-                    <a:schemeClr val="bg2">
-                      <a:alpha val="74998"/>
-                    </a:schemeClr>
-                  </a:outerShdw>
-                </a:effectLst>
-              </a14:hiddenEffects>
-            </a:ext>
-          </a:extLst>
-        </p:spPr>
-        <p:txBody>
-          <a:bodyPr wrap="square">
-            <a:spAutoFit/>
-          </a:bodyPr>
-          <a:lstStyle/>
-          <a:p>
-            <a:r>
-              <a:rPr lang="en-US" sz="1800" b="1" dirty="0" smtClean="0"/>
-              <a:t>Industry Background</a:t>
-            </a:r>
-          </a:p>
-          <a:p>
-            <a:pPr marL="342900" indent="-342900">
-              <a:buFont typeface="Arial"/>
-              <a:buChar char="•"/>
-            </a:pPr>
-            <a:r>
-              <a:rPr lang="en-US" sz="1800" b="1" dirty="0" smtClean="0"/>
-              <a:t>Chief Architect at Cigna (Business, Web, Mobile, SOA)</a:t>
-            </a:r>
-          </a:p>
-          <a:p>
-            <a:pPr marL="342900" indent="-342900">
-              <a:buFont typeface="Arial"/>
-              <a:buChar char="•"/>
-            </a:pPr>
-            <a:r>
-              <a:rPr lang="en-US" sz="1800" b="1" dirty="0" smtClean="0"/>
-              <a:t>Founder of Integrated </a:t>
-            </a:r>
-            <a:r>
-              <a:rPr lang="en-US" sz="1800" b="1" dirty="0" err="1" smtClean="0"/>
-              <a:t>SystemWare</a:t>
-            </a:r>
-            <a:endParaRPr lang="en-US" sz="1800" b="1" dirty="0"/>
-          </a:p>
-        </p:txBody>
-      </p:sp>
-      <p:pic>
-        <p:nvPicPr>
-          <p:cNvPr id="4" name="Picture 3" descr="mitchell.jpg"/>
-          <p:cNvPicPr>
-            <a:picLocks noChangeAspect="1"/>
-          </p:cNvPicPr>
-          <p:nvPr/>
-        </p:nvPicPr>
-        <p:blipFill>
-          <a:blip r:embed="rId2">
-            <a:extLst>
-              <a:ext uri="{28A0092B-C50C-407E-A947-70E740481C1C}">
-                <a14:useLocalDpi xmlns:a14="http://schemas.microsoft.com/office/drawing/2010/main"/>
-              </a:ext>
-            </a:extLst>
-          </a:blip>
-          <a:stretch>
-            <a:fillRect/>
-          </a:stretch>
-        </p:blipFill>
-        <p:spPr>
-          <a:xfrm>
-            <a:off x="6553200" y="381000"/>
-            <a:ext cx="1587500" cy="1981200"/>
-          </a:xfrm>
-          <a:prstGeom prst="rect">
-            <a:avLst/>
-          </a:prstGeom>
-        </p:spPr>
-      </p:pic>
-      <p:sp>
-        <p:nvSpPr>
-          <p:cNvPr id="14" name="Text Box 11"/>
-          <p:cNvSpPr txBox="1">
-            <a:spLocks noChangeArrowheads="1"/>
-          </p:cNvSpPr>
-          <p:nvPr/>
-        </p:nvSpPr>
-        <p:spPr bwMode="auto">
-          <a:xfrm>
-            <a:off x="1028700" y="4572000"/>
-            <a:ext cx="7505700" cy="923330"/>
-          </a:xfrm>
-          <a:prstGeom prst="rect">
-            <a:avLst/>
-          </a:prstGeom>
-          <a:noFill/>
-          <a:ln>
-            <a:noFill/>
-          </a:ln>
-          <a:effectLst/>
-          <a:extLst>
-            <a:ext uri="{909E8E84-426E-40dd-AFC4-6F175D3DCCD1}">
-              <a14:hiddenFill xmlns:a14="http://schemas.microsoft.com/office/drawing/2010/main" xmlns="">
-                <a:solidFill>
-                  <a:schemeClr val="accent1"/>
-                </a:solidFill>
-              </a14:hiddenFill>
-            </a:ext>
-            <a:ext uri="{91240B29-F687-4f45-9708-019B960494DF}">
-              <a14:hiddenLine xmlns:a14="http://schemas.microsoft.com/office/drawing/2010/main" xmlns="" w="9525">
-                <a:solidFill>
-                  <a:schemeClr val="tx1"/>
-                </a:solidFill>
-                <a:miter lim="800000"/>
-                <a:headEnd/>
-                <a:tailEnd/>
-              </a14:hiddenLine>
-            </a:ext>
-            <a:ext uri="{AF507438-7753-43e0-B8FC-AC1667EBCBE1}">
-              <a14:hiddenEffects xmlns:a14="http://schemas.microsoft.com/office/drawing/2010/main" xmlns="">
-                <a:effectLst>
-                  <a:outerShdw blurRad="63500" dist="38099" dir="2700000" algn="ctr" rotWithShape="0">
-                    <a:schemeClr val="bg2">
-                      <a:alpha val="74998"/>
-                    </a:schemeClr>
-                  </a:outerShdw>
-                </a:effectLst>
-              </a14:hiddenEffects>
-            </a:ext>
-          </a:extLst>
-        </p:spPr>
-        <p:txBody>
-          <a:bodyPr wrap="square">
-            <a:spAutoFit/>
-          </a:bodyPr>
-          <a:lstStyle/>
-          <a:p>
-            <a:r>
-              <a:rPr lang="en-US" sz="1800" b="1" dirty="0" smtClean="0"/>
-              <a:t>Contact Information</a:t>
-            </a:r>
-          </a:p>
-          <a:p>
-            <a:pPr marL="342900" indent="-342900">
-              <a:buFont typeface="Arial"/>
-              <a:buChar char="•"/>
-            </a:pPr>
-            <a:r>
-              <a:rPr lang="en-US" sz="1800" b="1" dirty="0" smtClean="0"/>
-              <a:t>Email: </a:t>
-            </a:r>
-            <a:r>
-              <a:rPr lang="en-US" sz="1800" b="1" dirty="0" smtClean="0">
-                <a:hlinkClick r:id="rId3"/>
-              </a:rPr>
-              <a:t>bmitchell@cs.drexel.edu</a:t>
-            </a:r>
-            <a:endParaRPr lang="en-US" sz="1800" b="1" dirty="0" smtClean="0"/>
-          </a:p>
-          <a:p>
-            <a:pPr marL="342900" indent="-342900">
-              <a:buFont typeface="Arial"/>
-              <a:buChar char="•"/>
-            </a:pPr>
-            <a:r>
-              <a:rPr lang="en-US" sz="1800" b="1" dirty="0" smtClean="0"/>
-              <a:t>Office Hours: Generally before class, but by appointment</a:t>
-            </a:r>
-            <a:endParaRPr lang="en-US" sz="1800" b="1" dirty="0"/>
-          </a:p>
-        </p:txBody>
-      </p:sp>
-    </p:spTree>
-  </p:cSld>
-  <p:clrMapOvr>
-    <a:masterClrMapping/>
-  </p:clrMapOvr>
-  <p:transition/>
-  <p:timing>
-    <p:tnLst>
-      <p:par>
-        <p:cTn id="1" dur="indefinite" restart="never" nodeType="tmRoot"/>
-      </p:par>
-    </p:tnLst>
-  </p:timing>
-</p:sld>
-</file>
-
-<file path=ppt/slides/slide20.xml><?xml version="1.0" encoding="utf-8"?>
-<p:sld xmlns:a="http://schemas.openxmlformats.org/drawingml/2006/main" xmlns:r="http://schemas.openxmlformats.org/officeDocument/2006/relationships" xmlns:p="http://schemas.openxmlformats.org/presentationml/2006/main">
-  <p:cSld>
-    <p:spTree>
-      <p:nvGrpSpPr>
-        <p:cNvPr id="1" name=""/>
-        <p:cNvGrpSpPr/>
-        <p:nvPr/>
-      </p:nvGrpSpPr>
-      <p:grpSpPr>
-        <a:xfrm>
-          <a:off x="0" y="0"/>
-          <a:ext cx="0" cy="0"/>
-          <a:chOff x="0" y="0"/>
-          <a:chExt cx="0" cy="0"/>
-        </a:xfrm>
-      </p:grpSpPr>
-      <p:sp>
-        <p:nvSpPr>
           <p:cNvPr id="4" name="Slide Number Placeholder 4"/>
           <p:cNvSpPr>
             <a:spLocks noGrp="1"/>
@@ -19315,7 +19877,7 @@
             <a:fld id="{8BE99BFD-8863-B045-8AED-C026A27B630D}" type="slidenum">
               <a:rPr lang="en-US"/>
               <a:pPr/>
-              <a:t>20</a:t>
+              <a:t>22</a:t>
             </a:fld>
             <a:endParaRPr lang="en-US"/>
           </a:p>
@@ -19481,7 +20043,7 @@
 </p:sld>
 </file>
 
-<file path=ppt/slides/slide21.xml><?xml version="1.0" encoding="utf-8"?>
+<file path=ppt/slides/slide23.xml><?xml version="1.0" encoding="utf-8"?>
 <p:sld xmlns:a="http://schemas.openxmlformats.org/drawingml/2006/main" xmlns:r="http://schemas.openxmlformats.org/officeDocument/2006/relationships" xmlns:p="http://schemas.openxmlformats.org/presentationml/2006/main">
   <p:cSld>
     <p:spTree>
@@ -19516,7 +20078,122 @@
             <a:fld id="{8BE99BFD-8863-B045-8AED-C026A27B630D}" type="slidenum">
               <a:rPr lang="en-US"/>
               <a:pPr/>
-              <a:t>21</a:t>
+              <a:t>23</a:t>
+            </a:fld>
+            <a:endParaRPr lang="en-US"/>
+          </a:p>
+        </p:txBody>
+      </p:sp>
+      <p:sp>
+        <p:nvSpPr>
+          <p:cNvPr id="477186" name="Rectangle 2"/>
+          <p:cNvSpPr>
+            <a:spLocks noGrp="1" noChangeArrowheads="1"/>
+          </p:cNvSpPr>
+          <p:nvPr>
+            <p:ph type="title"/>
+          </p:nvPr>
+        </p:nvSpPr>
+        <p:spPr/>
+        <p:txBody>
+          <a:bodyPr/>
+          <a:lstStyle/>
+          <a:p>
+            <a:r>
+              <a:rPr lang="en-US" dirty="0" smtClean="0"/>
+              <a:t>Resiliency Patterns</a:t>
+            </a:r>
+            <a:endParaRPr lang="en-US" dirty="0"/>
+          </a:p>
+        </p:txBody>
+      </p:sp>
+      <p:pic>
+        <p:nvPicPr>
+          <p:cNvPr id="2" name="Picture 1"/>
+          <p:cNvPicPr>
+            <a:picLocks noChangeAspect="1"/>
+          </p:cNvPicPr>
+          <p:nvPr/>
+        </p:nvPicPr>
+        <p:blipFill>
+          <a:blip r:embed="rId2">
+            <a:extLst>
+              <a:ext uri="{28A0092B-C50C-407E-A947-70E740481C1C}">
+                <a14:useLocalDpi xmlns:a14="http://schemas.microsoft.com/office/drawing/2010/main" val="0"/>
+              </a:ext>
+            </a:extLst>
+          </a:blip>
+          <a:stretch>
+            <a:fillRect/>
+          </a:stretch>
+        </p:blipFill>
+        <p:spPr>
+          <a:xfrm>
+            <a:off x="990600" y="1640897"/>
+            <a:ext cx="6858000" cy="4828729"/>
+          </a:xfrm>
+          <a:prstGeom prst="rect">
+            <a:avLst/>
+          </a:prstGeom>
+        </p:spPr>
+      </p:pic>
+    </p:spTree>
+    <p:extLst>
+      <p:ext uri="{BB962C8B-B14F-4D97-AF65-F5344CB8AC3E}">
+        <p14:creationId xmlns:p14="http://schemas.microsoft.com/office/powerpoint/2010/main" val="1129164528"/>
+      </p:ext>
+    </p:extLst>
+  </p:cSld>
+  <p:clrMapOvr>
+    <a:masterClrMapping/>
+  </p:clrMapOvr>
+  <p:transition/>
+  <p:timing>
+    <p:tnLst>
+      <p:par>
+        <p:cTn id="1" dur="indefinite" restart="never" nodeType="tmRoot"/>
+      </p:par>
+    </p:tnLst>
+  </p:timing>
+</p:sld>
+</file>
+
+<file path=ppt/slides/slide24.xml><?xml version="1.0" encoding="utf-8"?>
+<p:sld xmlns:a="http://schemas.openxmlformats.org/drawingml/2006/main" xmlns:r="http://schemas.openxmlformats.org/officeDocument/2006/relationships" xmlns:p="http://schemas.openxmlformats.org/presentationml/2006/main">
+  <p:cSld>
+    <p:spTree>
+      <p:nvGrpSpPr>
+        <p:cNvPr id="1" name=""/>
+        <p:cNvGrpSpPr/>
+        <p:nvPr/>
+      </p:nvGrpSpPr>
+      <p:grpSpPr>
+        <a:xfrm>
+          <a:off x="0" y="0"/>
+          <a:ext cx="0" cy="0"/>
+          <a:chOff x="0" y="0"/>
+          <a:chExt cx="0" cy="0"/>
+        </a:xfrm>
+      </p:grpSpPr>
+      <p:sp>
+        <p:nvSpPr>
+          <p:cNvPr id="4" name="Slide Number Placeholder 4"/>
+          <p:cNvSpPr>
+            <a:spLocks noGrp="1"/>
+          </p:cNvSpPr>
+          <p:nvPr>
+            <p:ph type="sldNum" sz="quarter" idx="11"/>
+          </p:nvPr>
+        </p:nvSpPr>
+        <p:spPr/>
+        <p:txBody>
+          <a:bodyPr/>
+          <a:lstStyle/>
+          <a:p>
+            <a:fld id="{8BE99BFD-8863-B045-8AED-C026A27B630D}" type="slidenum">
+              <a:rPr lang="en-US"/>
+              <a:pPr/>
+              <a:t>24</a:t>
             </a:fld>
             <a:endParaRPr lang="en-US"/>
           </a:p>
@@ -19782,7 +20459,7 @@
 </p:sld>
 </file>
 
-<file path=ppt/slides/slide22.xml><?xml version="1.0" encoding="utf-8"?>
+<file path=ppt/slides/slide25.xml><?xml version="1.0" encoding="utf-8"?>
 <p:sld xmlns:a="http://schemas.openxmlformats.org/drawingml/2006/main" xmlns:r="http://schemas.openxmlformats.org/officeDocument/2006/relationships" xmlns:p="http://schemas.openxmlformats.org/presentationml/2006/main">
   <p:cSld>
     <p:spTree>
@@ -19817,7 +20494,7 @@
             <a:fld id="{8BE99BFD-8863-B045-8AED-C026A27B630D}" type="slidenum">
               <a:rPr lang="en-US"/>
               <a:pPr/>
-              <a:t>22</a:t>
+              <a:t>25</a:t>
             </a:fld>
             <a:endParaRPr lang="en-US"/>
           </a:p>
@@ -19930,6 +20607,48 @@
           </a:prstGeom>
         </p:spPr>
       </p:pic>
+      <p:sp>
+        <p:nvSpPr>
+          <p:cNvPr id="6" name="TextBox 5"/>
+          <p:cNvSpPr txBox="1"/>
+          <p:nvPr/>
+        </p:nvSpPr>
+        <p:spPr>
+          <a:xfrm rot="20322272">
+            <a:off x="1954078" y="3555421"/>
+            <a:ext cx="5083443" cy="1015663"/>
+          </a:xfrm>
+          <a:prstGeom prst="rect">
+            <a:avLst/>
+          </a:prstGeom>
+          <a:solidFill>
+            <a:schemeClr val="bg1">
+              <a:alpha val="69000"/>
+            </a:schemeClr>
+          </a:solidFill>
+        </p:spPr>
+        <p:txBody>
+          <a:bodyPr wrap="none" rtlCol="0">
+            <a:spAutoFit/>
+          </a:bodyPr>
+          <a:lstStyle/>
+          <a:p>
+            <a:r>
+              <a:rPr lang="en-US" sz="6000" b="1" smtClean="0">
+                <a:solidFill>
+                  <a:srgbClr val="FF0000"/>
+                </a:solidFill>
+              </a:rPr>
+              <a:t>Depreciated </a:t>
+            </a:r>
+            <a:endParaRPr lang="en-US" sz="6000" b="1">
+              <a:solidFill>
+                <a:srgbClr val="FF0000"/>
+              </a:solidFill>
+            </a:endParaRPr>
+          </a:p>
+        </p:txBody>
+      </p:sp>
     </p:spTree>
     <p:extLst>
       <p:ext uri="{BB962C8B-B14F-4D97-AF65-F5344CB8AC3E}">
@@ -19951,7 +20670,7 @@
 </p:sld>
 </file>
 
-<file path=ppt/slides/slide23.xml><?xml version="1.0" encoding="utf-8"?>
+<file path=ppt/slides/slide26.xml><?xml version="1.0" encoding="utf-8"?>
 <p:sld xmlns:a="http://schemas.openxmlformats.org/drawingml/2006/main" xmlns:r="http://schemas.openxmlformats.org/officeDocument/2006/relationships" xmlns:p="http://schemas.openxmlformats.org/presentationml/2006/main">
   <p:cSld>
     <p:spTree>
@@ -19986,7 +20705,166 @@
             <a:fld id="{8BE99BFD-8863-B045-8AED-C026A27B630D}" type="slidenum">
               <a:rPr lang="en-US"/>
               <a:pPr/>
-              <a:t>23</a:t>
+              <a:t>26</a:t>
+            </a:fld>
+            <a:endParaRPr lang="en-US"/>
+          </a:p>
+        </p:txBody>
+      </p:sp>
+      <p:sp>
+        <p:nvSpPr>
+          <p:cNvPr id="477186" name="Rectangle 2"/>
+          <p:cNvSpPr>
+            <a:spLocks noGrp="1" noChangeArrowheads="1"/>
+          </p:cNvSpPr>
+          <p:nvPr>
+            <p:ph type="title"/>
+          </p:nvPr>
+        </p:nvSpPr>
+        <p:spPr/>
+        <p:txBody>
+          <a:bodyPr/>
+          <a:lstStyle/>
+          <a:p>
+            <a:r>
+              <a:rPr lang="en-US" dirty="0" smtClean="0"/>
+              <a:t>Course Topics </a:t>
+            </a:r>
+            <a:endParaRPr lang="en-US" dirty="0"/>
+          </a:p>
+        </p:txBody>
+      </p:sp>
+      <p:sp>
+        <p:nvSpPr>
+          <p:cNvPr id="2" name="TextBox 1"/>
+          <p:cNvSpPr txBox="1"/>
+          <p:nvPr/>
+        </p:nvSpPr>
+        <p:spPr>
+          <a:xfrm>
+            <a:off x="990600" y="1524000"/>
+            <a:ext cx="5675849" cy="830997"/>
+          </a:xfrm>
+          <a:prstGeom prst="rect">
+            <a:avLst/>
+          </a:prstGeom>
+          <a:noFill/>
+        </p:spPr>
+        <p:txBody>
+          <a:bodyPr wrap="none" rtlCol="0">
+            <a:spAutoFit/>
+          </a:bodyPr>
+          <a:lstStyle/>
+          <a:p>
+            <a:r>
+              <a:rPr lang="en-US" dirty="0" smtClean="0"/>
+              <a:t>Building Modern Web Applications –</a:t>
+            </a:r>
+          </a:p>
+          <a:p>
+            <a:r>
+              <a:rPr lang="en-US" dirty="0" smtClean="0"/>
+              <a:t>Modern Architecture </a:t>
+            </a:r>
+            <a:r>
+              <a:rPr lang="mr-IN" dirty="0" smtClean="0"/>
+              <a:t>–</a:t>
+            </a:r>
+            <a:r>
+              <a:rPr lang="en-US" dirty="0" smtClean="0"/>
+              <a:t> Web Components</a:t>
+            </a:r>
+            <a:endParaRPr lang="en-US" dirty="0"/>
+          </a:p>
+        </p:txBody>
+      </p:sp>
+      <p:pic>
+        <p:nvPicPr>
+          <p:cNvPr id="6" name="Picture 5"/>
+          <p:cNvPicPr>
+            <a:picLocks noChangeAspect="1"/>
+          </p:cNvPicPr>
+          <p:nvPr/>
+        </p:nvPicPr>
+        <p:blipFill>
+          <a:blip r:embed="rId2">
+            <a:extLst>
+              <a:ext uri="{28A0092B-C50C-407E-A947-70E740481C1C}">
+                <a14:useLocalDpi xmlns:a14="http://schemas.microsoft.com/office/drawing/2010/main" val="0"/>
+              </a:ext>
+            </a:extLst>
+          </a:blip>
+          <a:stretch>
+            <a:fillRect/>
+          </a:stretch>
+        </p:blipFill>
+        <p:spPr>
+          <a:xfrm>
+            <a:off x="838200" y="2431197"/>
+            <a:ext cx="7620000" cy="3873652"/>
+          </a:xfrm>
+          <a:prstGeom prst="rect">
+            <a:avLst/>
+          </a:prstGeom>
+        </p:spPr>
+      </p:pic>
+    </p:spTree>
+    <p:extLst>
+      <p:ext uri="{BB962C8B-B14F-4D97-AF65-F5344CB8AC3E}">
+        <p14:creationId xmlns:p14="http://schemas.microsoft.com/office/powerpoint/2010/main" val="325041440"/>
+      </p:ext>
+    </p:extLst>
+  </p:cSld>
+  <p:clrMapOvr>
+    <a:masterClrMapping/>
+  </p:clrMapOvr>
+  <p:transition/>
+  <p:timing>
+    <p:tnLst>
+      <p:par>
+        <p:cTn id="1" dur="indefinite" restart="never" nodeType="tmRoot"/>
+      </p:par>
+    </p:tnLst>
+  </p:timing>
+</p:sld>
+</file>
+
+<file path=ppt/slides/slide27.xml><?xml version="1.0" encoding="utf-8"?>
+<p:sld xmlns:a="http://schemas.openxmlformats.org/drawingml/2006/main" xmlns:r="http://schemas.openxmlformats.org/officeDocument/2006/relationships" xmlns:p="http://schemas.openxmlformats.org/presentationml/2006/main">
+  <p:cSld>
+    <p:spTree>
+      <p:nvGrpSpPr>
+        <p:cNvPr id="1" name=""/>
+        <p:cNvGrpSpPr/>
+        <p:nvPr/>
+      </p:nvGrpSpPr>
+      <p:grpSpPr>
+        <a:xfrm>
+          <a:off x="0" y="0"/>
+          <a:ext cx="0" cy="0"/>
+          <a:chOff x="0" y="0"/>
+          <a:chExt cx="0" cy="0"/>
+        </a:xfrm>
+      </p:grpSpPr>
+      <p:sp>
+        <p:nvSpPr>
+          <p:cNvPr id="4" name="Slide Number Placeholder 4"/>
+          <p:cNvSpPr>
+            <a:spLocks noGrp="1"/>
+          </p:cNvSpPr>
+          <p:nvPr>
+            <p:ph type="sldNum" sz="quarter" idx="11"/>
+          </p:nvPr>
+        </p:nvSpPr>
+        <p:spPr/>
+        <p:txBody>
+          <a:bodyPr/>
+          <a:lstStyle/>
+          <a:p>
+            <a:fld id="{8BE99BFD-8863-B045-8AED-C026A27B630D}" type="slidenum">
+              <a:rPr lang="en-US"/>
+              <a:pPr/>
+              <a:t>27</a:t>
             </a:fld>
             <a:endParaRPr lang="en-US"/>
           </a:p>
@@ -20177,7 +21055,6 @@
               <a:rPr lang="en-US" sz="1400" dirty="0"/>
               <a:t>/articles/201701-event-driven.html)</a:t>
             </a:r>
-            <a:endParaRPr lang="en-US" sz="1400" dirty="0"/>
           </a:p>
         </p:txBody>
       </p:sp>
@@ -20287,7 +21164,6 @@
               <a:rPr lang="en-US" sz="1800" dirty="0" smtClean="0"/>
               <a:t>Event Sourcing</a:t>
             </a:r>
-            <a:endParaRPr lang="en-US" sz="1800" dirty="0" smtClean="0"/>
           </a:p>
           <a:p>
             <a:endParaRPr lang="en-US" sz="1800" dirty="0"/>
@@ -20418,7 +21294,7 @@
 </p:sld>
 </file>
 
-<file path=ppt/slides/slide24.xml><?xml version="1.0" encoding="utf-8"?>
+<file path=ppt/slides/slide28.xml><?xml version="1.0" encoding="utf-8"?>
 <p:sld xmlns:a="http://schemas.openxmlformats.org/drawingml/2006/main" xmlns:r="http://schemas.openxmlformats.org/officeDocument/2006/relationships" xmlns:p="http://schemas.openxmlformats.org/presentationml/2006/main">
   <p:cSld>
     <p:spTree>
@@ -20453,7 +21329,7 @@
             <a:fld id="{8BE99BFD-8863-B045-8AED-C026A27B630D}" type="slidenum">
               <a:rPr lang="en-US"/>
               <a:pPr/>
-              <a:t>24</a:t>
+              <a:t>28</a:t>
             </a:fld>
             <a:endParaRPr lang="en-US"/>
           </a:p>
@@ -20533,7 +21409,7 @@
 </p:sld>
 </file>
 
-<file path=ppt/slides/slide25.xml><?xml version="1.0" encoding="utf-8"?>
+<file path=ppt/slides/slide29.xml><?xml version="1.0" encoding="utf-8"?>
 <p:sld xmlns:a="http://schemas.openxmlformats.org/drawingml/2006/main" xmlns:r="http://schemas.openxmlformats.org/officeDocument/2006/relationships" xmlns:p="http://schemas.openxmlformats.org/presentationml/2006/main">
   <p:cSld>
     <p:spTree>
@@ -20568,7 +21444,7 @@
             <a:fld id="{C2368D7B-AC94-D646-9C9E-957DB3F91338}" type="slidenum">
               <a:rPr lang="en-US"/>
               <a:pPr/>
-              <a:t>25</a:t>
+              <a:t>29</a:t>
             </a:fld>
             <a:endParaRPr lang="en-US"/>
           </a:p>
@@ -20842,7 +21718,7 @@
 </p:sld>
 </file>
 
-<file path=ppt/slides/slide26.xml><?xml version="1.0" encoding="utf-8"?>
+<file path=ppt/slides/slide3.xml><?xml version="1.0" encoding="utf-8"?>
 <p:sld xmlns:a="http://schemas.openxmlformats.org/drawingml/2006/main" xmlns:r="http://schemas.openxmlformats.org/officeDocument/2006/relationships" xmlns:p="http://schemas.openxmlformats.org/presentationml/2006/main">
   <p:cSld>
     <p:spTree>
@@ -20861,6 +21737,421 @@
       </p:grpSpPr>
       <p:sp>
         <p:nvSpPr>
+          <p:cNvPr id="5" name="Slide Number Placeholder 4"/>
+          <p:cNvSpPr>
+            <a:spLocks noGrp="1"/>
+          </p:cNvSpPr>
+          <p:nvPr>
+            <p:ph type="sldNum" sz="quarter" idx="11"/>
+          </p:nvPr>
+        </p:nvSpPr>
+        <p:spPr/>
+        <p:txBody>
+          <a:bodyPr/>
+          <a:lstStyle/>
+          <a:p>
+            <a:fld id="{9ADFED00-AB40-F848-A41A-BF582FBEF6A9}" type="slidenum">
+              <a:rPr lang="en-US"/>
+              <a:pPr/>
+              <a:t>3</a:t>
+            </a:fld>
+            <a:endParaRPr lang="en-US"/>
+          </a:p>
+        </p:txBody>
+      </p:sp>
+      <p:sp>
+        <p:nvSpPr>
+          <p:cNvPr id="470018" name="Rectangle 2"/>
+          <p:cNvSpPr>
+            <a:spLocks noGrp="1" noChangeArrowheads="1"/>
+          </p:cNvSpPr>
+          <p:nvPr>
+            <p:ph type="title"/>
+          </p:nvPr>
+        </p:nvSpPr>
+        <p:spPr/>
+        <p:txBody>
+          <a:bodyPr/>
+          <a:lstStyle/>
+          <a:p>
+            <a:r>
+              <a:rPr lang="en-US" dirty="0" smtClean="0"/>
+              <a:t>About the Course Title – It probably needs to be changed…</a:t>
+            </a:r>
+            <a:endParaRPr lang="en-US" dirty="0"/>
+          </a:p>
+        </p:txBody>
+      </p:sp>
+      <p:sp>
+        <p:nvSpPr>
+          <p:cNvPr id="470020" name="Text Box 4"/>
+          <p:cNvSpPr txBox="1">
+            <a:spLocks noChangeArrowheads="1"/>
+          </p:cNvSpPr>
+          <p:nvPr/>
+        </p:nvSpPr>
+        <p:spPr bwMode="auto">
+          <a:xfrm>
+            <a:off x="1028700" y="1752600"/>
+            <a:ext cx="3764221" cy="1200328"/>
+          </a:xfrm>
+          <a:prstGeom prst="rect">
+            <a:avLst/>
+          </a:prstGeom>
+          <a:noFill/>
+          <a:ln>
+            <a:noFill/>
+          </a:ln>
+          <a:effectLst/>
+          <a:extLst>
+            <a:ext uri="{909E8E84-426E-40dd-AFC4-6F175D3DCCD1}">
+              <a14:hiddenFill xmlns:a14="http://schemas.microsoft.com/office/drawing/2010/main" xmlns="">
+                <a:solidFill>
+                  <a:schemeClr val="accent1"/>
+                </a:solidFill>
+              </a14:hiddenFill>
+            </a:ext>
+            <a:ext uri="{91240B29-F687-4f45-9708-019B960494DF}">
+              <a14:hiddenLine xmlns:a14="http://schemas.microsoft.com/office/drawing/2010/main" xmlns="" w="9525">
+                <a:solidFill>
+                  <a:schemeClr val="tx1"/>
+                </a:solidFill>
+                <a:miter lim="800000"/>
+                <a:headEnd/>
+                <a:tailEnd/>
+              </a14:hiddenLine>
+            </a:ext>
+            <a:ext uri="{AF507438-7753-43e0-B8FC-AC1667EBCBE1}">
+              <a14:hiddenEffects xmlns:a14="http://schemas.microsoft.com/office/drawing/2010/main" xmlns="">
+                <a:effectLst>
+                  <a:outerShdw blurRad="63500" dist="38099" dir="2700000" algn="ctr" rotWithShape="0">
+                    <a:schemeClr val="bg2">
+                      <a:alpha val="74998"/>
+                    </a:schemeClr>
+                  </a:outerShdw>
+                </a:effectLst>
+              </a14:hiddenEffects>
+            </a:ext>
+          </a:extLst>
+        </p:spPr>
+        <p:txBody>
+          <a:bodyPr wrap="none">
+            <a:spAutoFit/>
+          </a:bodyPr>
+          <a:lstStyle/>
+          <a:p>
+            <a:r>
+              <a:rPr lang="en-US" b="1" dirty="0" smtClean="0"/>
+              <a:t>Software Design?</a:t>
+            </a:r>
+          </a:p>
+          <a:p>
+            <a:r>
+              <a:rPr lang="en-US" b="1" dirty="0" smtClean="0"/>
+              <a:t>Software Architecture?</a:t>
+            </a:r>
+          </a:p>
+          <a:p>
+            <a:r>
+              <a:rPr lang="en-US" b="1" dirty="0" smtClean="0"/>
+              <a:t>Both?</a:t>
+            </a:r>
+            <a:endParaRPr lang="en-US" b="1" dirty="0"/>
+          </a:p>
+        </p:txBody>
+      </p:sp>
+      <p:sp>
+        <p:nvSpPr>
+          <p:cNvPr id="7" name="Text Box 11"/>
+          <p:cNvSpPr txBox="1">
+            <a:spLocks noChangeArrowheads="1"/>
+          </p:cNvSpPr>
+          <p:nvPr/>
+        </p:nvSpPr>
+        <p:spPr bwMode="auto">
+          <a:xfrm>
+            <a:off x="1028700" y="3048000"/>
+            <a:ext cx="7505700" cy="2862323"/>
+          </a:xfrm>
+          <a:prstGeom prst="rect">
+            <a:avLst/>
+          </a:prstGeom>
+          <a:noFill/>
+          <a:ln>
+            <a:noFill/>
+          </a:ln>
+          <a:effectLst/>
+          <a:extLst>
+            <a:ext uri="{909E8E84-426E-40dd-AFC4-6F175D3DCCD1}">
+              <a14:hiddenFill xmlns:a14="http://schemas.microsoft.com/office/drawing/2010/main" xmlns="">
+                <a:solidFill>
+                  <a:schemeClr val="accent1"/>
+                </a:solidFill>
+              </a14:hiddenFill>
+            </a:ext>
+            <a:ext uri="{91240B29-F687-4f45-9708-019B960494DF}">
+              <a14:hiddenLine xmlns:a14="http://schemas.microsoft.com/office/drawing/2010/main" xmlns="" w="9525">
+                <a:solidFill>
+                  <a:schemeClr val="tx1"/>
+                </a:solidFill>
+                <a:miter lim="800000"/>
+                <a:headEnd/>
+                <a:tailEnd/>
+              </a14:hiddenLine>
+            </a:ext>
+            <a:ext uri="{AF507438-7753-43e0-B8FC-AC1667EBCBE1}">
+              <a14:hiddenEffects xmlns:a14="http://schemas.microsoft.com/office/drawing/2010/main" xmlns="">
+                <a:effectLst>
+                  <a:outerShdw blurRad="63500" dist="38099" dir="2700000" algn="ctr" rotWithShape="0">
+                    <a:schemeClr val="bg2">
+                      <a:alpha val="74998"/>
+                    </a:schemeClr>
+                  </a:outerShdw>
+                </a:effectLst>
+              </a14:hiddenEffects>
+            </a:ext>
+          </a:extLst>
+        </p:spPr>
+        <p:txBody>
+          <a:bodyPr wrap="square">
+            <a:spAutoFit/>
+          </a:bodyPr>
+          <a:lstStyle/>
+          <a:p>
+            <a:r>
+              <a:rPr lang="en-US" sz="1800" b="1" dirty="0" smtClean="0"/>
+              <a:t>This course has evolved over the years</a:t>
+            </a:r>
+          </a:p>
+          <a:p>
+            <a:pPr marL="342900" indent="-342900">
+              <a:buFont typeface="Arial"/>
+              <a:buChar char="•"/>
+            </a:pPr>
+            <a:r>
+              <a:rPr lang="en-US" sz="1800" dirty="0" smtClean="0"/>
+              <a:t>Started off as an advanced design course – projects aligned towards designing something non-trivial, </a:t>
+            </a:r>
+            <a:r>
+              <a:rPr lang="en-US" sz="1800" dirty="0" err="1" smtClean="0"/>
+              <a:t>GoF</a:t>
+            </a:r>
+            <a:r>
+              <a:rPr lang="en-US" sz="1800" dirty="0" smtClean="0"/>
+              <a:t> and code writing focus</a:t>
+            </a:r>
+          </a:p>
+          <a:p>
+            <a:pPr marL="342900" indent="-342900">
+              <a:buFont typeface="Arial"/>
+              <a:buChar char="•"/>
+            </a:pPr>
+            <a:r>
+              <a:rPr lang="en-US" sz="1800" dirty="0" smtClean="0"/>
+              <a:t>Next Evolution – “Now and Then” – looking at the collective works of the father of software design, David </a:t>
+            </a:r>
+            <a:r>
+              <a:rPr lang="en-US" sz="1800" dirty="0" err="1" smtClean="0"/>
+              <a:t>Parnas</a:t>
+            </a:r>
+            <a:r>
+              <a:rPr lang="en-US" sz="1800" dirty="0" smtClean="0"/>
+              <a:t>, and investigating how his seminal research can be applied today</a:t>
+            </a:r>
+          </a:p>
+          <a:p>
+            <a:pPr marL="342900" indent="-342900">
+              <a:buFont typeface="Arial"/>
+              <a:buChar char="•"/>
+            </a:pPr>
+            <a:r>
+              <a:rPr lang="en-US" sz="1800" dirty="0" smtClean="0"/>
+              <a:t>Pragmatic, Architecture Focused – Architecture focus on a variety of modern problems that blend application-, platform- and integration-concerns associated with building modern, highly reliable, highly scalable solutions.</a:t>
+            </a:r>
+          </a:p>
+        </p:txBody>
+      </p:sp>
+      <p:sp>
+        <p:nvSpPr>
+          <p:cNvPr id="3" name="Right Arrow Callout 2"/>
+          <p:cNvSpPr/>
+          <p:nvPr/>
+        </p:nvSpPr>
+        <p:spPr bwMode="auto">
+          <a:xfrm>
+            <a:off x="152400" y="4876800"/>
+            <a:ext cx="1219200" cy="914400"/>
+          </a:xfrm>
+          <a:prstGeom prst="rightArrowCallout">
+            <a:avLst/>
+          </a:prstGeom>
+          <a:solidFill>
+            <a:srgbClr val="008000"/>
+          </a:solidFill>
+          <a:ln w="9525" cap="flat" cmpd="sng" algn="ctr">
+            <a:solidFill>
+              <a:schemeClr val="tx1"/>
+            </a:solidFill>
+            <a:prstDash val="solid"/>
+            <a:round/>
+            <a:headEnd type="none" w="med" len="med"/>
+            <a:tailEnd type="none" w="med" len="med"/>
+          </a:ln>
+          <a:effectLst/>
+        </p:spPr>
+        <p:txBody>
+          <a:bodyPr vert="horz" wrap="none" lIns="91440" tIns="45720" rIns="91440" bIns="45720" numCol="1" rtlCol="0" anchor="t" anchorCtr="0" compatLnSpc="1">
+            <a:prstTxWarp prst="textNoShape">
+              <a:avLst/>
+            </a:prstTxWarp>
+          </a:bodyPr>
+          <a:lstStyle/>
+          <a:p>
+            <a:pPr marL="0" marR="0" indent="0" algn="ctr" defTabSz="914400" rtl="0" eaLnBrk="1" fontAlgn="base" latinLnBrk="0" hangingPunct="1">
+              <a:lnSpc>
+                <a:spcPct val="100000"/>
+              </a:lnSpc>
+              <a:spcBef>
+                <a:spcPct val="0"/>
+              </a:spcBef>
+              <a:spcAft>
+                <a:spcPct val="0"/>
+              </a:spcAft>
+              <a:buClrTx/>
+              <a:buSzTx/>
+              <a:buFontTx/>
+              <a:buNone/>
+              <a:tabLst/>
+            </a:pPr>
+            <a:r>
+              <a:rPr kumimoji="0" lang="en-US" sz="1800" b="1" i="0" u="none" strike="noStrike" cap="none" normalizeH="0" baseline="0" dirty="0" smtClean="0">
+                <a:ln>
+                  <a:noFill/>
+                </a:ln>
+                <a:solidFill>
+                  <a:schemeClr val="bg1">
+                    <a:lumMod val="95000"/>
+                  </a:schemeClr>
+                </a:solidFill>
+                <a:effectLst/>
+                <a:latin typeface="Tahoma" charset="0"/>
+                <a:ea typeface="ＭＳ Ｐゴシック" charset="0"/>
+              </a:rPr>
+              <a:t>We</a:t>
+            </a:r>
+            <a:br>
+              <a:rPr kumimoji="0" lang="en-US" sz="1800" b="1" i="0" u="none" strike="noStrike" cap="none" normalizeH="0" baseline="0" dirty="0" smtClean="0">
+                <a:ln>
+                  <a:noFill/>
+                </a:ln>
+                <a:solidFill>
+                  <a:schemeClr val="bg1">
+                    <a:lumMod val="95000"/>
+                  </a:schemeClr>
+                </a:solidFill>
+                <a:effectLst/>
+                <a:latin typeface="Tahoma" charset="0"/>
+                <a:ea typeface="ＭＳ Ｐゴシック" charset="0"/>
+              </a:rPr>
+            </a:br>
+            <a:r>
+              <a:rPr kumimoji="0" lang="en-US" sz="1800" b="1" i="0" u="none" strike="noStrike" cap="none" normalizeH="0" baseline="0" dirty="0" smtClean="0">
+                <a:ln>
+                  <a:noFill/>
+                </a:ln>
+                <a:solidFill>
+                  <a:schemeClr val="bg1">
+                    <a:lumMod val="95000"/>
+                  </a:schemeClr>
+                </a:solidFill>
+                <a:effectLst/>
+                <a:latin typeface="Tahoma" charset="0"/>
+                <a:ea typeface="ＭＳ Ｐゴシック" charset="0"/>
+              </a:rPr>
+              <a:t>are</a:t>
+            </a:r>
+            <a:br>
+              <a:rPr kumimoji="0" lang="en-US" sz="1800" b="1" i="0" u="none" strike="noStrike" cap="none" normalizeH="0" baseline="0" dirty="0" smtClean="0">
+                <a:ln>
+                  <a:noFill/>
+                </a:ln>
+                <a:solidFill>
+                  <a:schemeClr val="bg1">
+                    <a:lumMod val="95000"/>
+                  </a:schemeClr>
+                </a:solidFill>
+                <a:effectLst/>
+                <a:latin typeface="Tahoma" charset="0"/>
+                <a:ea typeface="ＭＳ Ｐゴシック" charset="0"/>
+              </a:rPr>
+            </a:br>
+            <a:r>
+              <a:rPr kumimoji="0" lang="en-US" sz="1800" b="1" i="0" u="none" strike="noStrike" cap="none" normalizeH="0" baseline="0" dirty="0" smtClean="0">
+                <a:ln>
+                  <a:noFill/>
+                </a:ln>
+                <a:solidFill>
+                  <a:schemeClr val="bg1">
+                    <a:lumMod val="95000"/>
+                  </a:schemeClr>
+                </a:solidFill>
+                <a:effectLst/>
+                <a:latin typeface="Tahoma" charset="0"/>
+                <a:ea typeface="ＭＳ Ｐゴシック" charset="0"/>
+              </a:rPr>
+              <a:t>Here</a:t>
+            </a:r>
+            <a:endParaRPr kumimoji="0" lang="en-US" sz="1800" b="1" i="0" u="none" strike="noStrike" cap="none" normalizeH="0" baseline="0" dirty="0">
+              <a:ln>
+                <a:noFill/>
+              </a:ln>
+              <a:solidFill>
+                <a:schemeClr val="bg1">
+                  <a:lumMod val="95000"/>
+                </a:schemeClr>
+              </a:solidFill>
+              <a:effectLst/>
+              <a:latin typeface="Tahoma" charset="0"/>
+              <a:ea typeface="ＭＳ Ｐゴシック" charset="0"/>
+            </a:endParaRPr>
+          </a:p>
+        </p:txBody>
+      </p:sp>
+    </p:spTree>
+  </p:cSld>
+  <p:clrMapOvr>
+    <a:masterClrMapping/>
+  </p:clrMapOvr>
+  <p:transition/>
+  <p:timing>
+    <p:tnLst>
+      <p:par>
+        <p:cTn id="1" dur="indefinite" restart="never" nodeType="tmRoot"/>
+      </p:par>
+    </p:tnLst>
+  </p:timing>
+</p:sld>
+</file>
+
+<file path=ppt/slides/slide30.xml><?xml version="1.0" encoding="utf-8"?>
+<p:sld xmlns:a="http://schemas.openxmlformats.org/drawingml/2006/main" xmlns:r="http://schemas.openxmlformats.org/officeDocument/2006/relationships" xmlns:p="http://schemas.openxmlformats.org/presentationml/2006/main">
+  <p:cSld>
+    <p:spTree>
+      <p:nvGrpSpPr>
+        <p:cNvPr id="1" name=""/>
+        <p:cNvGrpSpPr/>
+        <p:nvPr/>
+      </p:nvGrpSpPr>
+      <p:grpSpPr>
+        <a:xfrm>
+          <a:off x="0" y="0"/>
+          <a:ext cx="0" cy="0"/>
+          <a:chOff x="0" y="0"/>
+          <a:chExt cx="0" cy="0"/>
+        </a:xfrm>
+      </p:grpSpPr>
+      <p:sp>
+        <p:nvSpPr>
           <p:cNvPr id="5" name="Slide Number Placeholder 3"/>
           <p:cNvSpPr>
             <a:spLocks noGrp="1"/>
@@ -20877,7 +22168,7 @@
             <a:fld id="{C2368D7B-AC94-D646-9C9E-957DB3F91338}" type="slidenum">
               <a:rPr lang="en-US"/>
               <a:pPr/>
-              <a:t>26</a:t>
+              <a:t>30</a:t>
             </a:fld>
             <a:endParaRPr lang="en-US"/>
           </a:p>
@@ -21847,7 +23138,7 @@
 </p:sld>
 </file>
 
-<file path=ppt/slides/slide27.xml><?xml version="1.0" encoding="utf-8"?>
+<file path=ppt/slides/slide31.xml><?xml version="1.0" encoding="utf-8"?>
 <p:sld xmlns:a="http://schemas.openxmlformats.org/drawingml/2006/main" xmlns:r="http://schemas.openxmlformats.org/officeDocument/2006/relationships" xmlns:p="http://schemas.openxmlformats.org/presentationml/2006/main">
   <p:cSld>
     <p:spTree>
@@ -21882,7 +23173,7 @@
             <a:fld id="{C2368D7B-AC94-D646-9C9E-957DB3F91338}" type="slidenum">
               <a:rPr lang="en-US"/>
               <a:pPr/>
-              <a:t>27</a:t>
+              <a:t>31</a:t>
             </a:fld>
             <a:endParaRPr lang="en-US"/>
           </a:p>
@@ -22838,7 +24129,7 @@
 </p:sld>
 </file>
 
-<file path=ppt/slides/slide28.xml><?xml version="1.0" encoding="utf-8"?>
+<file path=ppt/slides/slide32.xml><?xml version="1.0" encoding="utf-8"?>
 <p:sld xmlns:a="http://schemas.openxmlformats.org/drawingml/2006/main" xmlns:r="http://schemas.openxmlformats.org/officeDocument/2006/relationships" xmlns:p="http://schemas.openxmlformats.org/presentationml/2006/main">
   <p:cSld>
     <p:spTree>
@@ -22873,7 +24164,7 @@
             <a:fld id="{C2368D7B-AC94-D646-9C9E-957DB3F91338}" type="slidenum">
               <a:rPr lang="en-US"/>
               <a:pPr/>
-              <a:t>28</a:t>
+              <a:t>32</a:t>
             </a:fld>
             <a:endParaRPr lang="en-US"/>
           </a:p>
@@ -24410,7 +25701,7 @@
 </p:sld>
 </file>
 
-<file path=ppt/slides/slide29.xml><?xml version="1.0" encoding="utf-8"?>
+<file path=ppt/slides/slide33.xml><?xml version="1.0" encoding="utf-8"?>
 <p:sld xmlns:a="http://schemas.openxmlformats.org/drawingml/2006/main" xmlns:r="http://schemas.openxmlformats.org/officeDocument/2006/relationships" xmlns:p="http://schemas.openxmlformats.org/presentationml/2006/main">
   <p:cSld>
     <p:spTree>
@@ -24445,7 +25736,7 @@
             <a:fld id="{C2368D7B-AC94-D646-9C9E-957DB3F91338}" type="slidenum">
               <a:rPr lang="en-US"/>
               <a:pPr/>
-              <a:t>29</a:t>
+              <a:t>33</a:t>
             </a:fld>
             <a:endParaRPr lang="en-US"/>
           </a:p>
@@ -24476,594 +25767,14 @@
       </p:sp>
       <p:sp>
         <p:nvSpPr>
-          <p:cNvPr id="2" name="Rectangle 1"/>
-          <p:cNvSpPr/>
-          <p:nvPr/>
-        </p:nvSpPr>
-        <p:spPr bwMode="auto">
-          <a:xfrm>
-            <a:off x="1905000" y="2426042"/>
-            <a:ext cx="838200" cy="533400"/>
-          </a:xfrm>
-          <a:prstGeom prst="rect">
-            <a:avLst/>
-          </a:prstGeom>
-          <a:solidFill>
-            <a:schemeClr val="accent1"/>
-          </a:solidFill>
-          <a:ln w="9525" cap="flat" cmpd="sng" algn="ctr">
-            <a:solidFill>
-              <a:schemeClr val="tx1"/>
-            </a:solidFill>
-            <a:prstDash val="solid"/>
-            <a:round/>
-            <a:headEnd type="none" w="med" len="med"/>
-            <a:tailEnd type="none" w="med" len="med"/>
-          </a:ln>
-          <a:effectLst/>
-          <a:extLst>
-            <a:ext uri="{AF507438-7753-43e0-B8FC-AC1667EBCBE1}">
-              <a14:hiddenEffects xmlns:a14="http://schemas.microsoft.com/office/drawing/2010/main" xmlns="">
-                <a:effectLst>
-                  <a:outerShdw blurRad="63500" dist="38099" dir="2700000" algn="ctr" rotWithShape="0">
-                    <a:schemeClr val="bg2">
-                      <a:alpha val="74998"/>
-                    </a:schemeClr>
-                  </a:outerShdw>
-                </a:effectLst>
-              </a14:hiddenEffects>
-            </a:ext>
-          </a:extLst>
-        </p:spPr>
-        <p:txBody>
-          <a:bodyPr vert="horz" wrap="none" lIns="91440" tIns="45720" rIns="91440" bIns="45720" numCol="1" rtlCol="0" anchor="t" anchorCtr="0" compatLnSpc="1">
-            <a:prstTxWarp prst="textNoShape">
-              <a:avLst/>
-            </a:prstTxWarp>
-          </a:bodyPr>
-          <a:lstStyle/>
-          <a:p>
-            <a:pPr marL="0" marR="0" indent="0" algn="ctr" defTabSz="914400" rtl="0" eaLnBrk="1" fontAlgn="base" latinLnBrk="0" hangingPunct="1">
-              <a:lnSpc>
-                <a:spcPct val="100000"/>
-              </a:lnSpc>
-              <a:spcBef>
-                <a:spcPct val="0"/>
-              </a:spcBef>
-              <a:spcAft>
-                <a:spcPct val="0"/>
-              </a:spcAft>
-              <a:buClrTx/>
-              <a:buSzTx/>
-              <a:buFontTx/>
-              <a:buNone/>
-              <a:tabLst/>
-            </a:pPr>
-            <a:r>
-              <a:rPr kumimoji="0" lang="en-US" sz="2400" b="0" i="0" u="none" strike="noStrike" cap="none" normalizeH="0" baseline="0" dirty="0" smtClean="0">
-                <a:ln>
-                  <a:noFill/>
-                </a:ln>
-                <a:solidFill>
-                  <a:schemeClr val="tx1"/>
-                </a:solidFill>
-                <a:effectLst/>
-                <a:latin typeface="Tahoma" charset="0"/>
-                <a:ea typeface="ＭＳ Ｐゴシック" charset="0"/>
-              </a:rPr>
-              <a:t>S1</a:t>
-            </a:r>
-            <a:endParaRPr kumimoji="0" lang="en-US" sz="2400" b="0" i="0" u="none" strike="noStrike" cap="none" normalizeH="0" baseline="0" dirty="0">
-              <a:ln>
-                <a:noFill/>
-              </a:ln>
-              <a:solidFill>
-                <a:schemeClr val="tx1"/>
-              </a:solidFill>
-              <a:effectLst/>
-              <a:latin typeface="Tahoma" charset="0"/>
-              <a:ea typeface="ＭＳ Ｐゴシック" charset="0"/>
-            </a:endParaRPr>
-          </a:p>
-        </p:txBody>
-      </p:sp>
-      <p:sp>
-        <p:nvSpPr>
-          <p:cNvPr id="7" name="Rectangle 6"/>
-          <p:cNvSpPr/>
-          <p:nvPr/>
-        </p:nvSpPr>
-        <p:spPr bwMode="auto">
-          <a:xfrm>
-            <a:off x="3048000" y="2426042"/>
-            <a:ext cx="838200" cy="533400"/>
-          </a:xfrm>
-          <a:prstGeom prst="rect">
-            <a:avLst/>
-          </a:prstGeom>
-          <a:solidFill>
-            <a:schemeClr val="accent1"/>
-          </a:solidFill>
-          <a:ln w="9525" cap="flat" cmpd="sng" algn="ctr">
-            <a:solidFill>
-              <a:schemeClr val="tx1"/>
-            </a:solidFill>
-            <a:prstDash val="solid"/>
-            <a:round/>
-            <a:headEnd type="none" w="med" len="med"/>
-            <a:tailEnd type="none" w="med" len="med"/>
-          </a:ln>
-          <a:effectLst/>
-          <a:extLst>
-            <a:ext uri="{AF507438-7753-43e0-B8FC-AC1667EBCBE1}">
-              <a14:hiddenEffects xmlns:a14="http://schemas.microsoft.com/office/drawing/2010/main" xmlns="">
-                <a:effectLst>
-                  <a:outerShdw blurRad="63500" dist="38099" dir="2700000" algn="ctr" rotWithShape="0">
-                    <a:schemeClr val="bg2">
-                      <a:alpha val="74998"/>
-                    </a:schemeClr>
-                  </a:outerShdw>
-                </a:effectLst>
-              </a14:hiddenEffects>
-            </a:ext>
-          </a:extLst>
-        </p:spPr>
-        <p:txBody>
-          <a:bodyPr vert="horz" wrap="none" lIns="91440" tIns="45720" rIns="91440" bIns="45720" numCol="1" rtlCol="0" anchor="t" anchorCtr="0" compatLnSpc="1">
-            <a:prstTxWarp prst="textNoShape">
-              <a:avLst/>
-            </a:prstTxWarp>
-          </a:bodyPr>
-          <a:lstStyle/>
-          <a:p>
-            <a:pPr marL="0" marR="0" indent="0" algn="ctr" defTabSz="914400" rtl="0" eaLnBrk="1" fontAlgn="base" latinLnBrk="0" hangingPunct="1">
-              <a:lnSpc>
-                <a:spcPct val="100000"/>
-              </a:lnSpc>
-              <a:spcBef>
-                <a:spcPct val="0"/>
-              </a:spcBef>
-              <a:spcAft>
-                <a:spcPct val="0"/>
-              </a:spcAft>
-              <a:buClrTx/>
-              <a:buSzTx/>
-              <a:buFontTx/>
-              <a:buNone/>
-              <a:tabLst/>
-            </a:pPr>
-            <a:r>
-              <a:rPr kumimoji="0" lang="en-US" sz="2400" b="0" i="0" u="none" strike="noStrike" cap="none" normalizeH="0" baseline="0" dirty="0" smtClean="0">
-                <a:ln>
-                  <a:noFill/>
-                </a:ln>
-                <a:solidFill>
-                  <a:schemeClr val="tx1"/>
-                </a:solidFill>
-                <a:effectLst/>
-                <a:latin typeface="Tahoma" charset="0"/>
-                <a:ea typeface="ＭＳ Ｐゴシック" charset="0"/>
-              </a:rPr>
-              <a:t>S2</a:t>
-            </a:r>
-            <a:endParaRPr kumimoji="0" lang="en-US" sz="2400" b="0" i="0" u="none" strike="noStrike" cap="none" normalizeH="0" baseline="0" dirty="0">
-              <a:ln>
-                <a:noFill/>
-              </a:ln>
-              <a:solidFill>
-                <a:schemeClr val="tx1"/>
-              </a:solidFill>
-              <a:effectLst/>
-              <a:latin typeface="Tahoma" charset="0"/>
-              <a:ea typeface="ＭＳ Ｐゴシック" charset="0"/>
-            </a:endParaRPr>
-          </a:p>
-        </p:txBody>
-      </p:sp>
-      <p:sp>
-        <p:nvSpPr>
-          <p:cNvPr id="8" name="Rectangle 7"/>
-          <p:cNvSpPr/>
-          <p:nvPr/>
-        </p:nvSpPr>
-        <p:spPr bwMode="auto">
-          <a:xfrm>
-            <a:off x="4191000" y="2426042"/>
-            <a:ext cx="838200" cy="533400"/>
-          </a:xfrm>
-          <a:prstGeom prst="rect">
-            <a:avLst/>
-          </a:prstGeom>
-          <a:solidFill>
-            <a:schemeClr val="accent1"/>
-          </a:solidFill>
-          <a:ln w="9525" cap="flat" cmpd="sng" algn="ctr">
-            <a:solidFill>
-              <a:schemeClr val="tx1"/>
-            </a:solidFill>
-            <a:prstDash val="solid"/>
-            <a:round/>
-            <a:headEnd type="none" w="med" len="med"/>
-            <a:tailEnd type="none" w="med" len="med"/>
-          </a:ln>
-          <a:effectLst/>
-          <a:extLst>
-            <a:ext uri="{AF507438-7753-43e0-B8FC-AC1667EBCBE1}">
-              <a14:hiddenEffects xmlns:a14="http://schemas.microsoft.com/office/drawing/2010/main" xmlns="">
-                <a:effectLst>
-                  <a:outerShdw blurRad="63500" dist="38099" dir="2700000" algn="ctr" rotWithShape="0">
-                    <a:schemeClr val="bg2">
-                      <a:alpha val="74998"/>
-                    </a:schemeClr>
-                  </a:outerShdw>
-                </a:effectLst>
-              </a14:hiddenEffects>
-            </a:ext>
-          </a:extLst>
-        </p:spPr>
-        <p:txBody>
-          <a:bodyPr vert="horz" wrap="none" lIns="91440" tIns="45720" rIns="91440" bIns="45720" numCol="1" rtlCol="0" anchor="t" anchorCtr="0" compatLnSpc="1">
-            <a:prstTxWarp prst="textNoShape">
-              <a:avLst/>
-            </a:prstTxWarp>
-          </a:bodyPr>
-          <a:lstStyle/>
-          <a:p>
-            <a:pPr marL="0" marR="0" indent="0" algn="ctr" defTabSz="914400" rtl="0" eaLnBrk="1" fontAlgn="base" latinLnBrk="0" hangingPunct="1">
-              <a:lnSpc>
-                <a:spcPct val="100000"/>
-              </a:lnSpc>
-              <a:spcBef>
-                <a:spcPct val="0"/>
-              </a:spcBef>
-              <a:spcAft>
-                <a:spcPct val="0"/>
-              </a:spcAft>
-              <a:buClrTx/>
-              <a:buSzTx/>
-              <a:buFontTx/>
-              <a:buNone/>
-              <a:tabLst/>
-            </a:pPr>
-            <a:r>
-              <a:rPr lang="en-US" dirty="0" smtClean="0"/>
-              <a:t>S3</a:t>
-            </a:r>
-            <a:endParaRPr kumimoji="0" lang="en-US" sz="2400" b="0" i="0" u="none" strike="noStrike" cap="none" normalizeH="0" baseline="0" dirty="0">
-              <a:ln>
-                <a:noFill/>
-              </a:ln>
-              <a:solidFill>
-                <a:schemeClr val="tx1"/>
-              </a:solidFill>
-              <a:effectLst/>
-              <a:latin typeface="Tahoma" charset="0"/>
-              <a:ea typeface="ＭＳ Ｐゴシック" charset="0"/>
-            </a:endParaRPr>
-          </a:p>
-        </p:txBody>
-      </p:sp>
-      <p:sp>
-        <p:nvSpPr>
-          <p:cNvPr id="3" name="Triangle 2"/>
-          <p:cNvSpPr/>
-          <p:nvPr/>
-        </p:nvSpPr>
-        <p:spPr bwMode="auto">
-          <a:xfrm rot="5400000">
-            <a:off x="3238500" y="3390899"/>
-            <a:ext cx="685800" cy="762000"/>
-          </a:xfrm>
-          <a:prstGeom prst="triangle">
-            <a:avLst/>
-          </a:prstGeom>
-          <a:solidFill>
-            <a:schemeClr val="accent1"/>
-          </a:solidFill>
-          <a:ln w="9525" cap="flat" cmpd="sng" algn="ctr">
-            <a:solidFill>
-              <a:schemeClr val="tx1"/>
-            </a:solidFill>
-            <a:prstDash val="solid"/>
-            <a:round/>
-            <a:headEnd type="none" w="med" len="med"/>
-            <a:tailEnd type="none" w="med" len="med"/>
-          </a:ln>
-          <a:effectLst/>
-          <a:extLst>
-            <a:ext uri="{AF507438-7753-43e0-B8FC-AC1667EBCBE1}">
-              <a14:hiddenEffects xmlns:a14="http://schemas.microsoft.com/office/drawing/2010/main" xmlns="">
-                <a:effectLst>
-                  <a:outerShdw blurRad="63500" dist="38099" dir="2700000" algn="ctr" rotWithShape="0">
-                    <a:schemeClr val="bg2">
-                      <a:alpha val="74998"/>
-                    </a:schemeClr>
-                  </a:outerShdw>
-                </a:effectLst>
-              </a14:hiddenEffects>
-            </a:ext>
-          </a:extLst>
-        </p:spPr>
-        <p:txBody>
-          <a:bodyPr vert="horz" wrap="none" lIns="0" tIns="0" rIns="0" bIns="0" numCol="1" rtlCol="0" anchor="ctr" anchorCtr="0" compatLnSpc="1">
-            <a:prstTxWarp prst="textNoShape">
-              <a:avLst/>
-            </a:prstTxWarp>
-          </a:bodyPr>
-          <a:lstStyle/>
-          <a:p>
-            <a:pPr marL="0" marR="0" indent="0" algn="l" defTabSz="914400" rtl="0" eaLnBrk="1" fontAlgn="base" latinLnBrk="0" hangingPunct="1">
-              <a:lnSpc>
-                <a:spcPct val="100000"/>
-              </a:lnSpc>
-              <a:spcBef>
-                <a:spcPct val="0"/>
-              </a:spcBef>
-              <a:spcAft>
-                <a:spcPct val="0"/>
-              </a:spcAft>
-              <a:buClrTx/>
-              <a:buSzTx/>
-              <a:buFontTx/>
-              <a:buNone/>
-              <a:tabLst/>
-            </a:pPr>
-            <a:r>
-              <a:rPr kumimoji="0" lang="en-US" sz="2400" b="0" i="0" u="none" strike="noStrike" cap="none" normalizeH="0" baseline="0" dirty="0" smtClean="0">
-                <a:ln>
-                  <a:noFill/>
-                </a:ln>
-                <a:solidFill>
-                  <a:schemeClr val="tx1"/>
-                </a:solidFill>
-                <a:effectLst/>
-                <a:latin typeface="Tahoma" charset="0"/>
-                <a:ea typeface="ＭＳ Ｐゴシック" charset="0"/>
-              </a:rPr>
-              <a:t>e1</a:t>
-            </a:r>
-            <a:endParaRPr kumimoji="0" lang="en-US" sz="2400" b="0" i="0" u="none" strike="noStrike" cap="none" normalizeH="0" baseline="0" dirty="0">
-              <a:ln>
-                <a:noFill/>
-              </a:ln>
-              <a:solidFill>
-                <a:schemeClr val="tx1"/>
-              </a:solidFill>
-              <a:effectLst/>
-              <a:latin typeface="Tahoma" charset="0"/>
-              <a:ea typeface="ＭＳ Ｐゴシック" charset="0"/>
-            </a:endParaRPr>
-          </a:p>
-        </p:txBody>
-      </p:sp>
-      <p:sp>
-        <p:nvSpPr>
-          <p:cNvPr id="10" name="Rectangle 9"/>
-          <p:cNvSpPr/>
-          <p:nvPr/>
-        </p:nvSpPr>
-        <p:spPr bwMode="auto">
-          <a:xfrm>
-            <a:off x="5430795" y="2426042"/>
-            <a:ext cx="838200" cy="533400"/>
-          </a:xfrm>
-          <a:prstGeom prst="rect">
-            <a:avLst/>
-          </a:prstGeom>
-          <a:solidFill>
-            <a:schemeClr val="accent1"/>
-          </a:solidFill>
-          <a:ln w="9525" cap="flat" cmpd="sng" algn="ctr">
-            <a:solidFill>
-              <a:schemeClr val="tx1"/>
-            </a:solidFill>
-            <a:prstDash val="solid"/>
-            <a:round/>
-            <a:headEnd type="none" w="med" len="med"/>
-            <a:tailEnd type="none" w="med" len="med"/>
-          </a:ln>
-          <a:effectLst/>
-          <a:extLst>
-            <a:ext uri="{AF507438-7753-43e0-B8FC-AC1667EBCBE1}">
-              <a14:hiddenEffects xmlns:a14="http://schemas.microsoft.com/office/drawing/2010/main" xmlns="">
-                <a:effectLst>
-                  <a:outerShdw blurRad="63500" dist="38099" dir="2700000" algn="ctr" rotWithShape="0">
-                    <a:schemeClr val="bg2">
-                      <a:alpha val="74998"/>
-                    </a:schemeClr>
-                  </a:outerShdw>
-                </a:effectLst>
-              </a14:hiddenEffects>
-            </a:ext>
-          </a:extLst>
-        </p:spPr>
-        <p:txBody>
-          <a:bodyPr vert="horz" wrap="none" lIns="91440" tIns="45720" rIns="91440" bIns="45720" numCol="1" rtlCol="0" anchor="t" anchorCtr="0" compatLnSpc="1">
-            <a:prstTxWarp prst="textNoShape">
-              <a:avLst/>
-            </a:prstTxWarp>
-          </a:bodyPr>
-          <a:lstStyle/>
-          <a:p>
-            <a:pPr marL="0" marR="0" indent="0" algn="ctr" defTabSz="914400" rtl="0" eaLnBrk="1" fontAlgn="base" latinLnBrk="0" hangingPunct="1">
-              <a:lnSpc>
-                <a:spcPct val="100000"/>
-              </a:lnSpc>
-              <a:spcBef>
-                <a:spcPct val="0"/>
-              </a:spcBef>
-              <a:spcAft>
-                <a:spcPct val="0"/>
-              </a:spcAft>
-              <a:buClrTx/>
-              <a:buSzTx/>
-              <a:buFontTx/>
-              <a:buNone/>
-              <a:tabLst/>
-            </a:pPr>
-            <a:r>
-              <a:rPr lang="en-US" dirty="0" smtClean="0"/>
-              <a:t>S4</a:t>
-            </a:r>
-            <a:endParaRPr kumimoji="0" lang="en-US" sz="2400" b="0" i="0" u="none" strike="noStrike" cap="none" normalizeH="0" baseline="0" dirty="0">
-              <a:ln>
-                <a:noFill/>
-              </a:ln>
-              <a:solidFill>
-                <a:schemeClr val="tx1"/>
-              </a:solidFill>
-              <a:effectLst/>
-              <a:latin typeface="Tahoma" charset="0"/>
-              <a:ea typeface="ＭＳ Ｐゴシック" charset="0"/>
-            </a:endParaRPr>
-          </a:p>
-        </p:txBody>
-      </p:sp>
-      <p:cxnSp>
-        <p:nvCxnSpPr>
-          <p:cNvPr id="6" name="Elbow Connector 5"/>
-          <p:cNvCxnSpPr>
-            <a:stCxn id="2" idx="2"/>
-            <a:endCxn id="3" idx="3"/>
-          </p:cNvCxnSpPr>
-          <p:nvPr/>
-        </p:nvCxnSpPr>
-        <p:spPr bwMode="auto">
-          <a:xfrm rot="16200000" flipH="1">
-            <a:off x="2356022" y="2927520"/>
-            <a:ext cx="812457" cy="876300"/>
-          </a:xfrm>
-          <a:prstGeom prst="bentConnector2">
-            <a:avLst/>
-          </a:prstGeom>
-          <a:solidFill>
-            <a:schemeClr val="accent1"/>
-          </a:solidFill>
-          <a:ln w="9525" cap="flat" cmpd="sng" algn="ctr">
-            <a:solidFill>
-              <a:schemeClr val="tx1"/>
-            </a:solidFill>
-            <a:prstDash val="solid"/>
-            <a:round/>
-            <a:headEnd type="none" w="med" len="med"/>
-            <a:tailEnd type="triangle"/>
-          </a:ln>
-          <a:effectLst/>
-          <a:extLst>
-            <a:ext uri="{AF507438-7753-43e0-B8FC-AC1667EBCBE1}">
-              <a14:hiddenEffects xmlns:a14="http://schemas.microsoft.com/office/drawing/2010/main" xmlns="">
-                <a:effectLst>
-                  <a:outerShdw blurRad="63500" dist="38099" dir="2700000" algn="ctr" rotWithShape="0">
-                    <a:schemeClr val="bg2">
-                      <a:alpha val="74998"/>
-                    </a:schemeClr>
-                  </a:outerShdw>
-                </a:effectLst>
-              </a14:hiddenEffects>
-            </a:ext>
-          </a:extLst>
-        </p:spPr>
-      </p:cxnSp>
-      <p:cxnSp>
-        <p:nvCxnSpPr>
-          <p:cNvPr id="13" name="Elbow Connector 12"/>
-          <p:cNvCxnSpPr>
-            <a:stCxn id="8" idx="2"/>
-            <a:endCxn id="3" idx="0"/>
-          </p:cNvCxnSpPr>
-          <p:nvPr/>
-        </p:nvCxnSpPr>
-        <p:spPr bwMode="auto">
-          <a:xfrm rot="5400000">
-            <a:off x="3880022" y="3041820"/>
-            <a:ext cx="812457" cy="647700"/>
-          </a:xfrm>
-          <a:prstGeom prst="bentConnector2">
-            <a:avLst/>
-          </a:prstGeom>
-          <a:solidFill>
-            <a:schemeClr val="accent1"/>
-          </a:solidFill>
-          <a:ln w="9525" cap="flat" cmpd="sng" algn="ctr">
-            <a:solidFill>
-              <a:schemeClr val="tx1"/>
-            </a:solidFill>
-            <a:prstDash val="dash"/>
-            <a:round/>
-            <a:headEnd type="none" w="med" len="med"/>
-            <a:tailEnd type="triangle"/>
-          </a:ln>
-          <a:effectLst/>
-          <a:extLst>
-            <a:ext uri="{AF507438-7753-43e0-B8FC-AC1667EBCBE1}">
-              <a14:hiddenEffects xmlns:a14="http://schemas.microsoft.com/office/drawing/2010/main" xmlns="">
-                <a:effectLst>
-                  <a:outerShdw blurRad="63500" dist="38099" dir="2700000" algn="ctr" rotWithShape="0">
-                    <a:schemeClr val="bg2">
-                      <a:alpha val="74998"/>
-                    </a:schemeClr>
-                  </a:outerShdw>
-                </a:effectLst>
-              </a14:hiddenEffects>
-            </a:ext>
-          </a:extLst>
-        </p:spPr>
-      </p:cxnSp>
-      <p:cxnSp>
-        <p:nvCxnSpPr>
-          <p:cNvPr id="16" name="Elbow Connector 15"/>
-          <p:cNvCxnSpPr>
-            <a:stCxn id="10" idx="2"/>
-            <a:endCxn id="3" idx="0"/>
-          </p:cNvCxnSpPr>
-          <p:nvPr/>
-        </p:nvCxnSpPr>
-        <p:spPr bwMode="auto">
-          <a:xfrm rot="5400000">
-            <a:off x="4499920" y="2421923"/>
-            <a:ext cx="812457" cy="1887495"/>
-          </a:xfrm>
-          <a:prstGeom prst="bentConnector2">
-            <a:avLst/>
-          </a:prstGeom>
-          <a:solidFill>
-            <a:schemeClr val="accent1"/>
-          </a:solidFill>
-          <a:ln w="9525" cap="flat" cmpd="sng" algn="ctr">
-            <a:solidFill>
-              <a:schemeClr val="tx1"/>
-            </a:solidFill>
-            <a:prstDash val="dash"/>
-            <a:round/>
-            <a:headEnd type="none" w="med" len="med"/>
-            <a:tailEnd type="triangle"/>
-          </a:ln>
-          <a:effectLst/>
-          <a:extLst>
-            <a:ext uri="{AF507438-7753-43e0-B8FC-AC1667EBCBE1}">
-              <a14:hiddenEffects xmlns:a14="http://schemas.microsoft.com/office/drawing/2010/main" xmlns="">
-                <a:effectLst>
-                  <a:outerShdw blurRad="63500" dist="38099" dir="2700000" algn="ctr" rotWithShape="0">
-                    <a:schemeClr val="bg2">
-                      <a:alpha val="74998"/>
-                    </a:schemeClr>
-                  </a:outerShdw>
-                </a:effectLst>
-              </a14:hiddenEffects>
-            </a:ext>
-          </a:extLst>
-        </p:spPr>
-      </p:cxnSp>
-      <p:sp>
-        <p:nvSpPr>
           <p:cNvPr id="17" name="TextBox 16"/>
           <p:cNvSpPr txBox="1"/>
           <p:nvPr/>
         </p:nvSpPr>
         <p:spPr>
-          <a:xfrm>
-            <a:off x="1600200" y="4558614"/>
-            <a:ext cx="5459893" cy="461665"/>
+          <a:xfrm rot="16200000">
+            <a:off x="1539490" y="3346880"/>
+            <a:ext cx="1040285" cy="461665"/>
           </a:xfrm>
           <a:prstGeom prst="rect">
             <a:avLst/>
@@ -25077,14 +25788,107 @@
           <a:lstStyle/>
           <a:p>
             <a:r>
+              <a:rPr lang="en-US" smtClean="0"/>
+              <a:t>Writes</a:t>
+            </a:r>
+            <a:endParaRPr lang="en-US" dirty="0"/>
+          </a:p>
+        </p:txBody>
+      </p:sp>
+      <p:pic>
+        <p:nvPicPr>
+          <p:cNvPr id="4" name="Picture 3"/>
+          <p:cNvPicPr>
+            <a:picLocks noChangeAspect="1"/>
+          </p:cNvPicPr>
+          <p:nvPr/>
+        </p:nvPicPr>
+        <p:blipFill>
+          <a:blip r:embed="rId2">
+            <a:extLst>
+              <a:ext uri="{28A0092B-C50C-407E-A947-70E740481C1C}">
+                <a14:useLocalDpi xmlns:a14="http://schemas.microsoft.com/office/drawing/2010/main" val="0"/>
+              </a:ext>
+            </a:extLst>
+          </a:blip>
+          <a:stretch>
+            <a:fillRect/>
+          </a:stretch>
+        </p:blipFill>
+        <p:spPr>
+          <a:xfrm>
+            <a:off x="2209800" y="1646708"/>
+            <a:ext cx="4201226" cy="3790950"/>
+          </a:xfrm>
+          <a:prstGeom prst="rect">
+            <a:avLst/>
+          </a:prstGeom>
+        </p:spPr>
+      </p:pic>
+      <p:sp>
+        <p:nvSpPr>
+          <p:cNvPr id="14" name="TextBox 13"/>
+          <p:cNvSpPr txBox="1"/>
+          <p:nvPr/>
+        </p:nvSpPr>
+        <p:spPr>
+          <a:xfrm>
+            <a:off x="1752600" y="5493603"/>
+            <a:ext cx="5602175" cy="830997"/>
+          </a:xfrm>
+          <a:prstGeom prst="rect">
+            <a:avLst/>
+          </a:prstGeom>
+          <a:noFill/>
+        </p:spPr>
+        <p:txBody>
+          <a:bodyPr wrap="none" rtlCol="0">
+            <a:spAutoFit/>
+          </a:bodyPr>
+          <a:lstStyle/>
+          <a:p>
+            <a:r>
               <a:rPr lang="en-US" dirty="0" smtClean="0"/>
-              <a:t>Loosen coupling </a:t>
-            </a:r>
-            <a:r>
-              <a:rPr lang="en-US" smtClean="0"/>
-              <a:t>with pub/sub patterns</a:t>
-            </a:r>
-            <a:endParaRPr lang="en-US"/>
+              <a:t>Scalability and Consistency via Separate</a:t>
+            </a:r>
+            <a:br>
+              <a:rPr lang="en-US" dirty="0" smtClean="0"/>
+            </a:br>
+            <a:r>
+              <a:rPr lang="en-US" dirty="0" smtClean="0"/>
+              <a:t>Handling of Reads and Writes (CQRS)</a:t>
+            </a:r>
+            <a:endParaRPr lang="en-US" dirty="0"/>
+          </a:p>
+        </p:txBody>
+      </p:sp>
+      <p:sp>
+        <p:nvSpPr>
+          <p:cNvPr id="15" name="TextBox 14"/>
+          <p:cNvSpPr txBox="1"/>
+          <p:nvPr/>
+        </p:nvSpPr>
+        <p:spPr>
+          <a:xfrm rot="16200000">
+            <a:off x="6060447" y="3346880"/>
+            <a:ext cx="1001493" cy="461665"/>
+          </a:xfrm>
+          <a:prstGeom prst="rect">
+            <a:avLst/>
+          </a:prstGeom>
+          <a:noFill/>
+        </p:spPr>
+        <p:txBody>
+          <a:bodyPr wrap="none" rtlCol="0">
+            <a:spAutoFit/>
+          </a:bodyPr>
+          <a:lstStyle/>
+          <a:p>
+            <a:r>
+              <a:rPr lang="en-US" dirty="0" smtClean="0"/>
+              <a:t>Reads</a:t>
+            </a:r>
+            <a:endParaRPr lang="en-US" dirty="0"/>
           </a:p>
         </p:txBody>
       </p:sp>
@@ -25109,7 +25913,7 @@
 </p:sld>
 </file>
 
-<file path=ppt/slides/slide3.xml><?xml version="1.0" encoding="utf-8"?>
+<file path=ppt/slides/slide34.xml><?xml version="1.0" encoding="utf-8"?>
 <p:sld xmlns:a="http://schemas.openxmlformats.org/drawingml/2006/main" xmlns:r="http://schemas.openxmlformats.org/officeDocument/2006/relationships" xmlns:p="http://schemas.openxmlformats.org/presentationml/2006/main">
   <p:cSld>
     <p:spTree>
@@ -25128,7 +25932,7 @@
       </p:grpSpPr>
       <p:sp>
         <p:nvSpPr>
-          <p:cNvPr id="5" name="Slide Number Placeholder 4"/>
+          <p:cNvPr id="5" name="Slide Number Placeholder 3"/>
           <p:cNvSpPr>
             <a:spLocks noGrp="1"/>
           </p:cNvSpPr>
@@ -25141,10 +25945,10 @@
           <a:bodyPr/>
           <a:lstStyle/>
           <a:p>
-            <a:fld id="{9ADFED00-AB40-F848-A41A-BF582FBEF6A9}" type="slidenum">
+            <a:fld id="{C2368D7B-AC94-D646-9C9E-957DB3F91338}" type="slidenum">
               <a:rPr lang="en-US"/>
               <a:pPr/>
-              <a:t>3</a:t>
+              <a:t>34</a:t>
             </a:fld>
             <a:endParaRPr lang="en-US"/>
           </a:p>
@@ -25152,7 +25956,7 @@
       </p:sp>
       <p:sp>
         <p:nvSpPr>
-          <p:cNvPr id="470018" name="Rectangle 2"/>
+          <p:cNvPr id="514052" name="Rectangle 4"/>
           <p:cNvSpPr>
             <a:spLocks noGrp="1" noChangeArrowheads="1"/>
           </p:cNvSpPr>
@@ -25166,349 +25970,79 @@
           <a:lstStyle/>
           <a:p>
             <a:r>
-              <a:rPr lang="en-US" dirty="0" smtClean="0"/>
-              <a:t>About the Course Title – It probably needs to be changed…</a:t>
-            </a:r>
-            <a:endParaRPr lang="en-US" dirty="0"/>
-          </a:p>
-        </p:txBody>
-      </p:sp>
-      <p:sp>
-        <p:nvSpPr>
-          <p:cNvPr id="470020" name="Text Box 4"/>
-          <p:cNvSpPr txBox="1">
-            <a:spLocks noChangeArrowheads="1"/>
-          </p:cNvSpPr>
+              <a:rPr lang="en-US" sz="3200" dirty="0" smtClean="0"/>
+              <a:t>Course Topics - CAP</a:t>
+            </a:r>
+            <a:endParaRPr lang="en-US" sz="3200" dirty="0"/>
+          </a:p>
+        </p:txBody>
+      </p:sp>
+      <p:sp>
+        <p:nvSpPr>
+          <p:cNvPr id="14" name="TextBox 13"/>
+          <p:cNvSpPr txBox="1"/>
           <p:nvPr/>
         </p:nvSpPr>
-        <p:spPr bwMode="auto">
+        <p:spPr>
           <a:xfrm>
-            <a:off x="1028700" y="1752600"/>
-            <a:ext cx="3764221" cy="1200328"/>
+            <a:off x="902746" y="5743137"/>
+            <a:ext cx="7754239" cy="461665"/>
           </a:xfrm>
           <a:prstGeom prst="rect">
             <a:avLst/>
           </a:prstGeom>
           <a:noFill/>
-          <a:ln>
-            <a:noFill/>
-          </a:ln>
-          <a:effectLst/>
-          <a:extLst>
-            <a:ext uri="{909E8E84-426E-40dd-AFC4-6F175D3DCCD1}">
-              <a14:hiddenFill xmlns:a14="http://schemas.microsoft.com/office/drawing/2010/main" xmlns="">
-                <a:solidFill>
-                  <a:schemeClr val="accent1"/>
-                </a:solidFill>
-              </a14:hiddenFill>
-            </a:ext>
-            <a:ext uri="{91240B29-F687-4f45-9708-019B960494DF}">
-              <a14:hiddenLine xmlns:a14="http://schemas.microsoft.com/office/drawing/2010/main" xmlns="" w="9525">
-                <a:solidFill>
-                  <a:schemeClr val="tx1"/>
-                </a:solidFill>
-                <a:miter lim="800000"/>
-                <a:headEnd/>
-                <a:tailEnd/>
-              </a14:hiddenLine>
-            </a:ext>
-            <a:ext uri="{AF507438-7753-43e0-B8FC-AC1667EBCBE1}">
-              <a14:hiddenEffects xmlns:a14="http://schemas.microsoft.com/office/drawing/2010/main" xmlns="">
-                <a:effectLst>
-                  <a:outerShdw blurRad="63500" dist="38099" dir="2700000" algn="ctr" rotWithShape="0">
-                    <a:schemeClr val="bg2">
-                      <a:alpha val="74998"/>
-                    </a:schemeClr>
-                  </a:outerShdw>
-                </a:effectLst>
-              </a14:hiddenEffects>
-            </a:ext>
-          </a:extLst>
         </p:spPr>
         <p:txBody>
-          <a:bodyPr wrap="none">
+          <a:bodyPr wrap="none" rtlCol="0">
             <a:spAutoFit/>
           </a:bodyPr>
           <a:lstStyle/>
           <a:p>
             <a:r>
-              <a:rPr lang="en-US" b="1" dirty="0" smtClean="0"/>
-              <a:t>Software Design?</a:t>
-            </a:r>
-          </a:p>
-          <a:p>
-            <a:r>
-              <a:rPr lang="en-US" b="1" dirty="0" smtClean="0"/>
-              <a:t>Software Architecture?</a:t>
-            </a:r>
-          </a:p>
-          <a:p>
-            <a:r>
-              <a:rPr lang="en-US" b="1" dirty="0" smtClean="0"/>
-              <a:t>Both?</a:t>
-            </a:r>
-            <a:endParaRPr lang="en-US" b="1" dirty="0"/>
-          </a:p>
-        </p:txBody>
-      </p:sp>
-      <p:sp>
-        <p:nvSpPr>
-          <p:cNvPr id="7" name="Text Box 11"/>
-          <p:cNvSpPr txBox="1">
-            <a:spLocks noChangeArrowheads="1"/>
-          </p:cNvSpPr>
+              <a:rPr lang="en-US" dirty="0" smtClean="0"/>
+              <a:t>CAP Theorem and its impact on design and architecture</a:t>
+            </a:r>
+            <a:endParaRPr lang="en-US" dirty="0"/>
+          </a:p>
+        </p:txBody>
+      </p:sp>
+      <p:pic>
+        <p:nvPicPr>
+          <p:cNvPr id="2" name="Picture 1"/>
+          <p:cNvPicPr>
+            <a:picLocks noChangeAspect="1"/>
+          </p:cNvPicPr>
           <p:nvPr/>
-        </p:nvSpPr>
-        <p:spPr bwMode="auto">
+        </p:nvPicPr>
+        <p:blipFill>
+          <a:blip r:embed="rId2">
+            <a:extLst>
+              <a:ext uri="{28A0092B-C50C-407E-A947-70E740481C1C}">
+                <a14:useLocalDpi xmlns:a14="http://schemas.microsoft.com/office/drawing/2010/main" val="0"/>
+              </a:ext>
+            </a:extLst>
+          </a:blip>
+          <a:stretch>
+            <a:fillRect/>
+          </a:stretch>
+        </p:blipFill>
+        <p:spPr>
           <a:xfrm>
-            <a:off x="1028700" y="3048000"/>
-            <a:ext cx="7505700" cy="2862323"/>
+            <a:off x="2438400" y="1584739"/>
+            <a:ext cx="4114800" cy="4114800"/>
           </a:xfrm>
           <a:prstGeom prst="rect">
             <a:avLst/>
           </a:prstGeom>
-          <a:noFill/>
-          <a:ln>
-            <a:noFill/>
-          </a:ln>
-          <a:effectLst/>
-          <a:extLst>
-            <a:ext uri="{909E8E84-426E-40dd-AFC4-6F175D3DCCD1}">
-              <a14:hiddenFill xmlns:a14="http://schemas.microsoft.com/office/drawing/2010/main" xmlns="">
-                <a:solidFill>
-                  <a:schemeClr val="accent1"/>
-                </a:solidFill>
-              </a14:hiddenFill>
-            </a:ext>
-            <a:ext uri="{91240B29-F687-4f45-9708-019B960494DF}">
-              <a14:hiddenLine xmlns:a14="http://schemas.microsoft.com/office/drawing/2010/main" xmlns="" w="9525">
-                <a:solidFill>
-                  <a:schemeClr val="tx1"/>
-                </a:solidFill>
-                <a:miter lim="800000"/>
-                <a:headEnd/>
-                <a:tailEnd/>
-              </a14:hiddenLine>
-            </a:ext>
-            <a:ext uri="{AF507438-7753-43e0-B8FC-AC1667EBCBE1}">
-              <a14:hiddenEffects xmlns:a14="http://schemas.microsoft.com/office/drawing/2010/main" xmlns="">
-                <a:effectLst>
-                  <a:outerShdw blurRad="63500" dist="38099" dir="2700000" algn="ctr" rotWithShape="0">
-                    <a:schemeClr val="bg2">
-                      <a:alpha val="74998"/>
-                    </a:schemeClr>
-                  </a:outerShdw>
-                </a:effectLst>
-              </a14:hiddenEffects>
-            </a:ext>
-          </a:extLst>
         </p:spPr>
-        <p:txBody>
-          <a:bodyPr wrap="square">
-            <a:spAutoFit/>
-          </a:bodyPr>
-          <a:lstStyle/>
-          <a:p>
-            <a:r>
-              <a:rPr lang="en-US" sz="1800" b="1" dirty="0" smtClean="0"/>
-              <a:t>This course has evolved over the years</a:t>
-            </a:r>
-          </a:p>
-          <a:p>
-            <a:pPr marL="342900" indent="-342900">
-              <a:buFont typeface="Arial"/>
-              <a:buChar char="•"/>
-            </a:pPr>
-            <a:r>
-              <a:rPr lang="en-US" sz="1800" dirty="0" smtClean="0"/>
-              <a:t>Started off as an advanced design course – projects aligned towards designing something non-trivial, </a:t>
-            </a:r>
-            <a:r>
-              <a:rPr lang="en-US" sz="1800" dirty="0" err="1" smtClean="0"/>
-              <a:t>GoF</a:t>
-            </a:r>
-            <a:r>
-              <a:rPr lang="en-US" sz="1800" dirty="0" smtClean="0"/>
-              <a:t> and code writing focus</a:t>
-            </a:r>
-          </a:p>
-          <a:p>
-            <a:pPr marL="342900" indent="-342900">
-              <a:buFont typeface="Arial"/>
-              <a:buChar char="•"/>
-            </a:pPr>
-            <a:r>
-              <a:rPr lang="en-US" sz="1800" dirty="0" smtClean="0"/>
-              <a:t>Next Evolution – “Now and Then” – looking at the collective works of the father of software design, David </a:t>
-            </a:r>
-            <a:r>
-              <a:rPr lang="en-US" sz="1800" dirty="0" err="1" smtClean="0"/>
-              <a:t>Parnas</a:t>
-            </a:r>
-            <a:r>
-              <a:rPr lang="en-US" sz="1800" dirty="0" smtClean="0"/>
-              <a:t>, and investigating how his seminal research can be applied today</a:t>
-            </a:r>
-          </a:p>
-          <a:p>
-            <a:pPr marL="342900" indent="-342900">
-              <a:buFont typeface="Arial"/>
-              <a:buChar char="•"/>
-            </a:pPr>
-            <a:r>
-              <a:rPr lang="en-US" sz="1800" dirty="0" smtClean="0"/>
-              <a:t>Pragmatic, Architecture Focused – Architecture focus on a variety of modern problems that blend application-, platform- and integration-concerns associated with building modern, highly reliable, highly scalable solutions.</a:t>
-            </a:r>
-          </a:p>
-        </p:txBody>
-      </p:sp>
-      <p:sp>
-        <p:nvSpPr>
-          <p:cNvPr id="3" name="Right Arrow Callout 2"/>
-          <p:cNvSpPr/>
-          <p:nvPr/>
-        </p:nvSpPr>
-        <p:spPr bwMode="auto">
-          <a:xfrm>
-            <a:off x="152400" y="4876800"/>
-            <a:ext cx="1219200" cy="914400"/>
-          </a:xfrm>
-          <a:prstGeom prst="rightArrowCallout">
-            <a:avLst/>
-          </a:prstGeom>
-          <a:solidFill>
-            <a:srgbClr val="008000"/>
-          </a:solidFill>
-          <a:ln w="9525" cap="flat" cmpd="sng" algn="ctr">
-            <a:solidFill>
-              <a:schemeClr val="tx1"/>
-            </a:solidFill>
-            <a:prstDash val="solid"/>
-            <a:round/>
-            <a:headEnd type="none" w="med" len="med"/>
-            <a:tailEnd type="none" w="med" len="med"/>
-          </a:ln>
-          <a:effectLst/>
-        </p:spPr>
-        <p:txBody>
-          <a:bodyPr vert="horz" wrap="none" lIns="91440" tIns="45720" rIns="91440" bIns="45720" numCol="1" rtlCol="0" anchor="t" anchorCtr="0" compatLnSpc="1">
-            <a:prstTxWarp prst="textNoShape">
-              <a:avLst/>
-            </a:prstTxWarp>
-          </a:bodyPr>
-          <a:lstStyle/>
-          <a:p>
-            <a:pPr marL="0" marR="0" indent="0" algn="ctr" defTabSz="914400" rtl="0" eaLnBrk="1" fontAlgn="base" latinLnBrk="0" hangingPunct="1">
-              <a:lnSpc>
-                <a:spcPct val="100000"/>
-              </a:lnSpc>
-              <a:spcBef>
-                <a:spcPct val="0"/>
-              </a:spcBef>
-              <a:spcAft>
-                <a:spcPct val="0"/>
-              </a:spcAft>
-              <a:buClrTx/>
-              <a:buSzTx/>
-              <a:buFontTx/>
-              <a:buNone/>
-              <a:tabLst/>
-            </a:pPr>
-            <a:r>
-              <a:rPr kumimoji="0" lang="en-US" sz="1800" b="1" i="0" u="none" strike="noStrike" cap="none" normalizeH="0" baseline="0" dirty="0" smtClean="0">
-                <a:ln>
-                  <a:noFill/>
-                </a:ln>
-                <a:solidFill>
-                  <a:schemeClr val="bg1">
-                    <a:lumMod val="95000"/>
-                  </a:schemeClr>
-                </a:solidFill>
-                <a:effectLst/>
-                <a:latin typeface="Tahoma" charset="0"/>
-                <a:ea typeface="ＭＳ Ｐゴシック" charset="0"/>
-              </a:rPr>
-              <a:t>We</a:t>
-            </a:r>
-            <a:br>
-              <a:rPr kumimoji="0" lang="en-US" sz="1800" b="1" i="0" u="none" strike="noStrike" cap="none" normalizeH="0" baseline="0" dirty="0" smtClean="0">
-                <a:ln>
-                  <a:noFill/>
-                </a:ln>
-                <a:solidFill>
-                  <a:schemeClr val="bg1">
-                    <a:lumMod val="95000"/>
-                  </a:schemeClr>
-                </a:solidFill>
-                <a:effectLst/>
-                <a:latin typeface="Tahoma" charset="0"/>
-                <a:ea typeface="ＭＳ Ｐゴシック" charset="0"/>
-              </a:rPr>
-            </a:br>
-            <a:r>
-              <a:rPr kumimoji="0" lang="en-US" sz="1800" b="1" i="0" u="none" strike="noStrike" cap="none" normalizeH="0" baseline="0" dirty="0" smtClean="0">
-                <a:ln>
-                  <a:noFill/>
-                </a:ln>
-                <a:solidFill>
-                  <a:schemeClr val="bg1">
-                    <a:lumMod val="95000"/>
-                  </a:schemeClr>
-                </a:solidFill>
-                <a:effectLst/>
-                <a:latin typeface="Tahoma" charset="0"/>
-                <a:ea typeface="ＭＳ Ｐゴシック" charset="0"/>
-              </a:rPr>
-              <a:t>are</a:t>
-            </a:r>
-            <a:br>
-              <a:rPr kumimoji="0" lang="en-US" sz="1800" b="1" i="0" u="none" strike="noStrike" cap="none" normalizeH="0" baseline="0" dirty="0" smtClean="0">
-                <a:ln>
-                  <a:noFill/>
-                </a:ln>
-                <a:solidFill>
-                  <a:schemeClr val="bg1">
-                    <a:lumMod val="95000"/>
-                  </a:schemeClr>
-                </a:solidFill>
-                <a:effectLst/>
-                <a:latin typeface="Tahoma" charset="0"/>
-                <a:ea typeface="ＭＳ Ｐゴシック" charset="0"/>
-              </a:rPr>
-            </a:br>
-            <a:r>
-              <a:rPr kumimoji="0" lang="en-US" sz="1800" b="1" i="0" u="none" strike="noStrike" cap="none" normalizeH="0" baseline="0" dirty="0" smtClean="0">
-                <a:ln>
-                  <a:noFill/>
-                </a:ln>
-                <a:solidFill>
-                  <a:schemeClr val="bg1">
-                    <a:lumMod val="95000"/>
-                  </a:schemeClr>
-                </a:solidFill>
-                <a:effectLst/>
-                <a:latin typeface="Tahoma" charset="0"/>
-                <a:ea typeface="ＭＳ Ｐゴシック" charset="0"/>
-              </a:rPr>
-              <a:t>Here</a:t>
-            </a:r>
-            <a:endParaRPr kumimoji="0" lang="en-US" sz="1800" b="1" i="0" u="none" strike="noStrike" cap="none" normalizeH="0" baseline="0" dirty="0">
-              <a:ln>
-                <a:noFill/>
-              </a:ln>
-              <a:solidFill>
-                <a:schemeClr val="bg1">
-                  <a:lumMod val="95000"/>
-                </a:schemeClr>
-              </a:solidFill>
-              <a:effectLst/>
-              <a:latin typeface="Tahoma" charset="0"/>
-              <a:ea typeface="ＭＳ Ｐゴシック" charset="0"/>
-            </a:endParaRPr>
-          </a:p>
-        </p:txBody>
-      </p:sp>
+      </p:pic>
     </p:spTree>
+    <p:extLst>
+      <p:ext uri="{BB962C8B-B14F-4D97-AF65-F5344CB8AC3E}">
+        <p14:creationId xmlns:p14="http://schemas.microsoft.com/office/powerpoint/2010/main" val="203602790"/>
+      </p:ext>
+    </p:extLst>
   </p:cSld>
   <p:clrMapOvr>
     <a:masterClrMapping/>
@@ -25524,7 +26058,7 @@
 </p:sld>
 </file>
 
-<file path=ppt/slides/slide30.xml><?xml version="1.0" encoding="utf-8"?>
+<file path=ppt/slides/slide35.xml><?xml version="1.0" encoding="utf-8"?>
 <p:sld xmlns:a="http://schemas.openxmlformats.org/drawingml/2006/main" xmlns:r="http://schemas.openxmlformats.org/officeDocument/2006/relationships" xmlns:p="http://schemas.openxmlformats.org/presentationml/2006/main">
   <p:cSld>
     <p:spTree>
@@ -25559,7 +26093,7 @@
             <a:fld id="{8BE99BFD-8863-B045-8AED-C026A27B630D}" type="slidenum">
               <a:rPr lang="en-US"/>
               <a:pPr/>
-              <a:t>30</a:t>
+              <a:t>35</a:t>
             </a:fld>
             <a:endParaRPr lang="en-US"/>
           </a:p>
@@ -25749,7 +26283,7 @@
 </p:sld>
 </file>
 
-<file path=ppt/slides/slide31.xml><?xml version="1.0" encoding="utf-8"?>
+<file path=ppt/slides/slide36.xml><?xml version="1.0" encoding="utf-8"?>
 <p:sld xmlns:a="http://schemas.openxmlformats.org/drawingml/2006/main" xmlns:r="http://schemas.openxmlformats.org/officeDocument/2006/relationships" xmlns:p="http://schemas.openxmlformats.org/presentationml/2006/main">
   <p:cSld>
     <p:spTree>
@@ -25784,7 +26318,7 @@
             <a:fld id="{8BE99BFD-8863-B045-8AED-C026A27B630D}" type="slidenum">
               <a:rPr lang="en-US"/>
               <a:pPr/>
-              <a:t>31</a:t>
+              <a:t>36</a:t>
             </a:fld>
             <a:endParaRPr lang="en-US"/>
           </a:p>
@@ -25864,7 +26398,7 @@
 </p:sld>
 </file>
 
-<file path=ppt/slides/slide32.xml><?xml version="1.0" encoding="utf-8"?>
+<file path=ppt/slides/slide37.xml><?xml version="1.0" encoding="utf-8"?>
 <p:sld xmlns:a="http://schemas.openxmlformats.org/drawingml/2006/main" xmlns:r="http://schemas.openxmlformats.org/officeDocument/2006/relationships" xmlns:p="http://schemas.openxmlformats.org/presentationml/2006/main">
   <p:cSld>
     <p:spTree>
@@ -25899,7 +26433,7 @@
             <a:fld id="{8BE99BFD-8863-B045-8AED-C026A27B630D}" type="slidenum">
               <a:rPr lang="en-US"/>
               <a:pPr/>
-              <a:t>32</a:t>
+              <a:t>37</a:t>
             </a:fld>
             <a:endParaRPr lang="en-US"/>
           </a:p>
@@ -26096,7 +26630,7 @@
 </p:sld>
 </file>
 
-<file path=ppt/slides/slide33.xml><?xml version="1.0" encoding="utf-8"?>
+<file path=ppt/slides/slide38.xml><?xml version="1.0" encoding="utf-8"?>
 <p:sld xmlns:a="http://schemas.openxmlformats.org/drawingml/2006/main" xmlns:r="http://schemas.openxmlformats.org/officeDocument/2006/relationships" xmlns:p="http://schemas.openxmlformats.org/presentationml/2006/main">
   <p:cSld>
     <p:spTree>
@@ -26131,7 +26665,7 @@
             <a:fld id="{8BE99BFD-8863-B045-8AED-C026A27B630D}" type="slidenum">
               <a:rPr lang="en-US"/>
               <a:pPr/>
-              <a:t>33</a:t>
+              <a:t>38</a:t>
             </a:fld>
             <a:endParaRPr lang="en-US"/>
           </a:p>
@@ -26198,7 +26732,7 @@
         </p:nvSpPr>
         <p:spPr bwMode="auto">
           <a:xfrm>
-            <a:off x="1219200" y="2514600"/>
+            <a:off x="152400" y="2514600"/>
             <a:ext cx="1828800" cy="3352800"/>
           </a:xfrm>
           <a:prstGeom prst="rect">
@@ -26291,7 +26825,7 @@
         </p:nvSpPr>
         <p:spPr bwMode="auto">
           <a:xfrm>
-            <a:off x="1447800" y="3657600"/>
+            <a:off x="381000" y="3657600"/>
             <a:ext cx="1447800" cy="304800"/>
           </a:xfrm>
           <a:prstGeom prst="rect">
@@ -26372,7 +26906,7 @@
         </p:nvSpPr>
         <p:spPr bwMode="auto">
           <a:xfrm>
-            <a:off x="1447800" y="3352800"/>
+            <a:off x="381000" y="3352800"/>
             <a:ext cx="1447800" cy="304800"/>
           </a:xfrm>
           <a:prstGeom prst="rect">
@@ -26453,7 +26987,7 @@
         </p:nvSpPr>
         <p:spPr bwMode="auto">
           <a:xfrm>
-            <a:off x="1447800" y="3048000"/>
+            <a:off x="381000" y="3048000"/>
             <a:ext cx="1447800" cy="304800"/>
           </a:xfrm>
           <a:prstGeom prst="rect">
@@ -26528,7 +27062,7 @@
         </p:nvSpPr>
         <p:spPr bwMode="auto">
           <a:xfrm>
-            <a:off x="1447800" y="5410200"/>
+            <a:off x="381000" y="5410200"/>
             <a:ext cx="1447800" cy="304800"/>
           </a:xfrm>
           <a:prstGeom prst="rect">
@@ -26609,7 +27143,7 @@
         </p:nvSpPr>
         <p:spPr bwMode="auto">
           <a:xfrm>
-            <a:off x="1447800" y="5105400"/>
+            <a:off x="381000" y="5105400"/>
             <a:ext cx="1447800" cy="304800"/>
           </a:xfrm>
           <a:prstGeom prst="rect">
@@ -26690,7 +27224,7 @@
         </p:nvSpPr>
         <p:spPr bwMode="auto">
           <a:xfrm>
-            <a:off x="1447800" y="4800600"/>
+            <a:off x="381000" y="4800600"/>
             <a:ext cx="1447800" cy="304800"/>
           </a:xfrm>
           <a:prstGeom prst="rect">
@@ -26765,7 +27299,7 @@
         </p:nvSpPr>
         <p:spPr>
           <a:xfrm>
-            <a:off x="1777769" y="4202668"/>
+            <a:off x="710969" y="4202668"/>
             <a:ext cx="813031" cy="369332"/>
           </a:xfrm>
           <a:prstGeom prst="rect">
@@ -26795,7 +27329,7 @@
         </p:nvCxnSpPr>
         <p:spPr bwMode="auto">
           <a:xfrm>
-            <a:off x="1676400" y="3962400"/>
+            <a:off x="609600" y="3962400"/>
             <a:ext cx="0" cy="838200"/>
           </a:xfrm>
           <a:prstGeom prst="straightConnector1">
@@ -26837,7 +27371,7 @@
         </p:nvCxnSpPr>
         <p:spPr bwMode="auto">
           <a:xfrm flipV="1">
-            <a:off x="2667000" y="3962400"/>
+            <a:off x="1600200" y="3962400"/>
             <a:ext cx="0" cy="838200"/>
           </a:xfrm>
           <a:prstGeom prst="straightConnector1">
@@ -26879,8 +27413,8 @@
         </p:nvSpPr>
         <p:spPr bwMode="auto">
           <a:xfrm>
-            <a:off x="4343400" y="2514600"/>
-            <a:ext cx="3581400" cy="3352800"/>
+            <a:off x="2133600" y="2514600"/>
+            <a:ext cx="3276600" cy="3352800"/>
           </a:xfrm>
           <a:prstGeom prst="rect">
             <a:avLst/>
@@ -26972,7 +27506,7 @@
         </p:nvSpPr>
         <p:spPr bwMode="auto">
           <a:xfrm>
-            <a:off x="4572000" y="3657600"/>
+            <a:off x="2362200" y="3657600"/>
             <a:ext cx="1447800" cy="304800"/>
           </a:xfrm>
           <a:prstGeom prst="rect">
@@ -27053,7 +27587,7 @@
         </p:nvSpPr>
         <p:spPr bwMode="auto">
           <a:xfrm>
-            <a:off x="4572000" y="3352800"/>
+            <a:off x="2362200" y="3352800"/>
             <a:ext cx="1447800" cy="304800"/>
           </a:xfrm>
           <a:prstGeom prst="rect">
@@ -27134,7 +27668,7 @@
         </p:nvSpPr>
         <p:spPr bwMode="auto">
           <a:xfrm>
-            <a:off x="4572000" y="3048000"/>
+            <a:off x="2362200" y="3048000"/>
             <a:ext cx="1447800" cy="304800"/>
           </a:xfrm>
           <a:prstGeom prst="rect">
@@ -27209,7 +27743,7 @@
         </p:nvSpPr>
         <p:spPr bwMode="auto">
           <a:xfrm>
-            <a:off x="4572000" y="5410200"/>
+            <a:off x="2362200" y="5410200"/>
             <a:ext cx="1447800" cy="304800"/>
           </a:xfrm>
           <a:prstGeom prst="rect">
@@ -27290,7 +27824,7 @@
         </p:nvSpPr>
         <p:spPr bwMode="auto">
           <a:xfrm>
-            <a:off x="4572000" y="5105400"/>
+            <a:off x="2362200" y="5105400"/>
             <a:ext cx="1447800" cy="304800"/>
           </a:xfrm>
           <a:prstGeom prst="rect">
@@ -27371,7 +27905,7 @@
         </p:nvSpPr>
         <p:spPr bwMode="auto">
           <a:xfrm>
-            <a:off x="4572000" y="4800600"/>
+            <a:off x="2362200" y="4800600"/>
             <a:ext cx="1447800" cy="304800"/>
           </a:xfrm>
           <a:prstGeom prst="rect">
@@ -27446,7 +27980,7 @@
         </p:nvSpPr>
         <p:spPr>
           <a:xfrm>
-            <a:off x="4901969" y="4202668"/>
+            <a:off x="2692169" y="4202668"/>
             <a:ext cx="813031" cy="369332"/>
           </a:xfrm>
           <a:prstGeom prst="rect">
@@ -27476,7 +28010,7 @@
         </p:nvCxnSpPr>
         <p:spPr bwMode="auto">
           <a:xfrm>
-            <a:off x="4800600" y="3962400"/>
+            <a:off x="2590800" y="3962400"/>
             <a:ext cx="0" cy="838200"/>
           </a:xfrm>
           <a:prstGeom prst="straightConnector1">
@@ -27518,7 +28052,7 @@
         </p:nvCxnSpPr>
         <p:spPr bwMode="auto">
           <a:xfrm flipV="1">
-            <a:off x="5791200" y="3962400"/>
+            <a:off x="3581400" y="3962400"/>
             <a:ext cx="0" cy="838200"/>
           </a:xfrm>
           <a:prstGeom prst="straightConnector1">
@@ -27560,8 +28094,8 @@
         </p:nvSpPr>
         <p:spPr bwMode="auto">
           <a:xfrm>
-            <a:off x="6324600" y="3048000"/>
-            <a:ext cx="1447800" cy="914400"/>
+            <a:off x="4114800" y="3048000"/>
+            <a:ext cx="1143000" cy="914400"/>
           </a:xfrm>
           <a:prstGeom prst="rect">
             <a:avLst/>
@@ -27641,8 +28175,8 @@
         </p:nvSpPr>
         <p:spPr bwMode="auto">
           <a:xfrm>
-            <a:off x="6477000" y="3352800"/>
-            <a:ext cx="1143000" cy="457200"/>
+            <a:off x="4267200" y="3352800"/>
+            <a:ext cx="883513" cy="457200"/>
           </a:xfrm>
           <a:prstGeom prst="rect">
             <a:avLst/>
@@ -27717,7 +28251,7 @@
         </p:nvCxnSpPr>
         <p:spPr bwMode="auto">
           <a:xfrm>
-            <a:off x="6019800" y="3505200"/>
+            <a:off x="3810000" y="3505200"/>
             <a:ext cx="304800" cy="0"/>
           </a:xfrm>
           <a:prstGeom prst="straightConnector1">
@@ -27759,8 +28293,8 @@
         </p:nvSpPr>
         <p:spPr bwMode="auto">
           <a:xfrm>
-            <a:off x="6324600" y="4800600"/>
-            <a:ext cx="1447800" cy="914400"/>
+            <a:off x="4114800" y="4800600"/>
+            <a:ext cx="1143000" cy="914400"/>
           </a:xfrm>
           <a:prstGeom prst="rect">
             <a:avLst/>
@@ -27840,8 +28374,8 @@
         </p:nvSpPr>
         <p:spPr bwMode="auto">
           <a:xfrm>
-            <a:off x="6477000" y="5105400"/>
-            <a:ext cx="1143000" cy="457200"/>
+            <a:off x="4267200" y="5105400"/>
+            <a:ext cx="883513" cy="457200"/>
           </a:xfrm>
           <a:prstGeom prst="rect">
             <a:avLst/>
@@ -27915,7 +28449,7 @@
         </p:nvCxnSpPr>
         <p:spPr bwMode="auto">
           <a:xfrm>
-            <a:off x="6019800" y="5257800"/>
+            <a:off x="3810000" y="5257800"/>
             <a:ext cx="304800" cy="0"/>
           </a:xfrm>
           <a:prstGeom prst="straightConnector1">
@@ -27957,7 +28491,7 @@
         </p:nvSpPr>
         <p:spPr>
           <a:xfrm>
-            <a:off x="1653900" y="2145268"/>
+            <a:off x="587100" y="2145268"/>
             <a:ext cx="936900" cy="369332"/>
           </a:xfrm>
           <a:prstGeom prst="rect">
@@ -27987,7 +28521,7 @@
         </p:nvSpPr>
         <p:spPr>
           <a:xfrm>
-            <a:off x="5692500" y="2133600"/>
+            <a:off x="3124200" y="2133600"/>
             <a:ext cx="954821" cy="369332"/>
           </a:xfrm>
           <a:prstGeom prst="rect">
@@ -28006,6 +28540,1193 @@
               <a:t>Hybrid</a:t>
             </a:r>
             <a:endParaRPr lang="en-US" sz="1800" b="1" dirty="0"/>
+          </a:p>
+        </p:txBody>
+      </p:sp>
+      <p:sp>
+        <p:nvSpPr>
+          <p:cNvPr id="58" name="Rectangle 57"/>
+          <p:cNvSpPr/>
+          <p:nvPr/>
+        </p:nvSpPr>
+        <p:spPr bwMode="auto">
+          <a:xfrm>
+            <a:off x="5624052" y="2514600"/>
+            <a:ext cx="3276600" cy="3352800"/>
+          </a:xfrm>
+          <a:prstGeom prst="rect">
+            <a:avLst/>
+          </a:prstGeom>
+          <a:solidFill>
+            <a:schemeClr val="accent1"/>
+          </a:solidFill>
+          <a:ln w="9525" cap="flat" cmpd="sng" algn="ctr">
+            <a:solidFill>
+              <a:schemeClr val="tx1"/>
+            </a:solidFill>
+            <a:prstDash val="solid"/>
+            <a:round/>
+            <a:headEnd type="none" w="med" len="med"/>
+            <a:tailEnd type="none" w="med" len="med"/>
+          </a:ln>
+          <a:effectLst/>
+          <a:extLst>
+            <a:ext uri="{AF507438-7753-43e0-B8FC-AC1667EBCBE1}">
+              <a14:hiddenEffects xmlns:a14="http://schemas.microsoft.com/office/drawing/2010/main" xmlns="">
+                <a:effectLst>
+                  <a:outerShdw blurRad="63500" dist="38099" dir="2700000" algn="ctr" rotWithShape="0">
+                    <a:schemeClr val="bg2">
+                      <a:alpha val="74998"/>
+                    </a:schemeClr>
+                  </a:outerShdw>
+                </a:effectLst>
+              </a14:hiddenEffects>
+            </a:ext>
+          </a:extLst>
+        </p:spPr>
+        <p:txBody>
+          <a:bodyPr vert="horz" wrap="none" lIns="91440" tIns="45720" rIns="91440" bIns="45720" numCol="1" rtlCol="0" anchor="t" anchorCtr="0" compatLnSpc="1">
+            <a:prstTxWarp prst="textNoShape">
+              <a:avLst/>
+            </a:prstTxWarp>
+          </a:bodyPr>
+          <a:lstStyle/>
+          <a:p>
+            <a:pPr marL="0" marR="0" indent="0" algn="ctr" defTabSz="914400" rtl="0" eaLnBrk="1" fontAlgn="base" latinLnBrk="0" hangingPunct="1">
+              <a:lnSpc>
+                <a:spcPct val="100000"/>
+              </a:lnSpc>
+              <a:spcBef>
+                <a:spcPct val="0"/>
+              </a:spcBef>
+              <a:spcAft>
+                <a:spcPct val="0"/>
+              </a:spcAft>
+              <a:buClrTx/>
+              <a:buSzTx/>
+              <a:buFontTx/>
+              <a:buNone/>
+              <a:tabLst/>
+            </a:pPr>
+            <a:r>
+              <a:rPr kumimoji="0" lang="en-US" sz="2400" b="0" i="0" u="none" strike="noStrike" cap="none" normalizeH="0" baseline="0" dirty="0" smtClean="0">
+                <a:ln>
+                  <a:noFill/>
+                </a:ln>
+                <a:solidFill>
+                  <a:schemeClr val="tx1"/>
+                </a:solidFill>
+                <a:effectLst/>
+                <a:latin typeface="Tahoma" charset="0"/>
+                <a:ea typeface="ＭＳ Ｐゴシック" charset="0"/>
+              </a:rPr>
+              <a:t>Storyboard</a:t>
+            </a:r>
+            <a:endParaRPr kumimoji="0" lang="en-US" sz="2400" b="0" i="0" u="none" strike="noStrike" cap="none" normalizeH="0" baseline="0" dirty="0">
+              <a:ln>
+                <a:noFill/>
+              </a:ln>
+              <a:solidFill>
+                <a:schemeClr val="tx1"/>
+              </a:solidFill>
+              <a:effectLst/>
+              <a:latin typeface="Tahoma" charset="0"/>
+              <a:ea typeface="ＭＳ Ｐゴシック" charset="0"/>
+            </a:endParaRPr>
+          </a:p>
+        </p:txBody>
+      </p:sp>
+      <p:sp>
+        <p:nvSpPr>
+          <p:cNvPr id="59" name="Rectangle 58"/>
+          <p:cNvSpPr/>
+          <p:nvPr/>
+        </p:nvSpPr>
+        <p:spPr bwMode="auto">
+          <a:xfrm>
+            <a:off x="5852652" y="3657600"/>
+            <a:ext cx="1447800" cy="304800"/>
+          </a:xfrm>
+          <a:prstGeom prst="rect">
+            <a:avLst/>
+          </a:prstGeom>
+          <a:solidFill>
+            <a:schemeClr val="tx1"/>
+          </a:solidFill>
+          <a:ln w="9525" cap="flat" cmpd="sng" algn="ctr">
+            <a:solidFill>
+              <a:schemeClr val="tx1"/>
+            </a:solidFill>
+            <a:prstDash val="solid"/>
+            <a:round/>
+            <a:headEnd type="none" w="med" len="med"/>
+            <a:tailEnd type="none" w="med" len="med"/>
+          </a:ln>
+          <a:effectLst/>
+          <a:extLst/>
+        </p:spPr>
+        <p:txBody>
+          <a:bodyPr vert="horz" wrap="none" lIns="91440" tIns="45720" rIns="91440" bIns="45720" numCol="1" rtlCol="0" anchor="t" anchorCtr="0" compatLnSpc="1">
+            <a:prstTxWarp prst="textNoShape">
+              <a:avLst/>
+            </a:prstTxWarp>
+          </a:bodyPr>
+          <a:lstStyle/>
+          <a:p>
+            <a:pPr marL="0" marR="0" indent="0" algn="ctr" defTabSz="914400" rtl="0" eaLnBrk="1" fontAlgn="base" latinLnBrk="0" hangingPunct="1">
+              <a:lnSpc>
+                <a:spcPct val="100000"/>
+              </a:lnSpc>
+              <a:spcBef>
+                <a:spcPct val="0"/>
+              </a:spcBef>
+              <a:spcAft>
+                <a:spcPct val="0"/>
+              </a:spcAft>
+              <a:buClrTx/>
+              <a:buSzTx/>
+              <a:buFontTx/>
+              <a:buNone/>
+              <a:tabLst/>
+            </a:pPr>
+            <a:r>
+              <a:rPr kumimoji="0" lang="en-US" sz="1400" b="0" i="0" u="none" strike="noStrike" cap="none" normalizeH="0" baseline="0" dirty="0" smtClean="0">
+                <a:ln>
+                  <a:noFill/>
+                </a:ln>
+                <a:solidFill>
+                  <a:schemeClr val="accent1"/>
+                </a:solidFill>
+                <a:effectLst/>
+                <a:latin typeface="Tahoma" charset="0"/>
+                <a:ea typeface="ＭＳ Ｐゴシック" charset="0"/>
+              </a:rPr>
+              <a:t>Controller</a:t>
+            </a:r>
+            <a:endParaRPr kumimoji="0" lang="en-US" sz="1400" b="0" i="0" u="none" strike="noStrike" cap="none" normalizeH="0" baseline="0" dirty="0">
+              <a:ln>
+                <a:noFill/>
+              </a:ln>
+              <a:solidFill>
+                <a:schemeClr val="accent1"/>
+              </a:solidFill>
+              <a:effectLst/>
+              <a:latin typeface="Tahoma" charset="0"/>
+              <a:ea typeface="ＭＳ Ｐゴシック" charset="0"/>
+            </a:endParaRPr>
+          </a:p>
+        </p:txBody>
+      </p:sp>
+      <p:sp>
+        <p:nvSpPr>
+          <p:cNvPr id="60" name="Rectangle 59"/>
+          <p:cNvSpPr/>
+          <p:nvPr/>
+        </p:nvSpPr>
+        <p:spPr bwMode="auto">
+          <a:xfrm>
+            <a:off x="5852652" y="3352800"/>
+            <a:ext cx="1447800" cy="304800"/>
+          </a:xfrm>
+          <a:prstGeom prst="rect">
+            <a:avLst/>
+          </a:prstGeom>
+          <a:solidFill>
+            <a:schemeClr val="tx1"/>
+          </a:solidFill>
+          <a:ln w="9525" cap="flat" cmpd="sng" algn="ctr">
+            <a:solidFill>
+              <a:schemeClr val="tx1"/>
+            </a:solidFill>
+            <a:prstDash val="solid"/>
+            <a:round/>
+            <a:headEnd type="none" w="med" len="med"/>
+            <a:tailEnd type="none" w="med" len="med"/>
+          </a:ln>
+          <a:effectLst/>
+          <a:extLst/>
+        </p:spPr>
+        <p:txBody>
+          <a:bodyPr vert="horz" wrap="none" lIns="91440" tIns="45720" rIns="91440" bIns="45720" numCol="1" rtlCol="0" anchor="t" anchorCtr="0" compatLnSpc="1">
+            <a:prstTxWarp prst="textNoShape">
+              <a:avLst/>
+            </a:prstTxWarp>
+          </a:bodyPr>
+          <a:lstStyle/>
+          <a:p>
+            <a:pPr marL="0" marR="0" indent="0" algn="ctr" defTabSz="914400" rtl="0" eaLnBrk="1" fontAlgn="base" latinLnBrk="0" hangingPunct="1">
+              <a:lnSpc>
+                <a:spcPct val="100000"/>
+              </a:lnSpc>
+              <a:spcBef>
+                <a:spcPct val="0"/>
+              </a:spcBef>
+              <a:spcAft>
+                <a:spcPct val="0"/>
+              </a:spcAft>
+              <a:buClrTx/>
+              <a:buSzTx/>
+              <a:buFontTx/>
+              <a:buNone/>
+              <a:tabLst/>
+            </a:pPr>
+            <a:r>
+              <a:rPr kumimoji="0" lang="en-US" sz="1400" b="0" i="0" u="none" strike="noStrike" cap="none" normalizeH="0" baseline="0" dirty="0" smtClean="0">
+                <a:ln>
+                  <a:noFill/>
+                </a:ln>
+                <a:solidFill>
+                  <a:schemeClr val="accent1"/>
+                </a:solidFill>
+                <a:effectLst/>
+                <a:latin typeface="Tahoma" charset="0"/>
+                <a:ea typeface="ＭＳ Ｐゴシック" charset="0"/>
+              </a:rPr>
+              <a:t>View</a:t>
+            </a:r>
+            <a:endParaRPr kumimoji="0" lang="en-US" sz="1400" b="0" i="0" u="none" strike="noStrike" cap="none" normalizeH="0" baseline="0" dirty="0">
+              <a:ln>
+                <a:noFill/>
+              </a:ln>
+              <a:solidFill>
+                <a:schemeClr val="accent1"/>
+              </a:solidFill>
+              <a:effectLst/>
+              <a:latin typeface="Tahoma" charset="0"/>
+              <a:ea typeface="ＭＳ Ｐゴシック" charset="0"/>
+            </a:endParaRPr>
+          </a:p>
+        </p:txBody>
+      </p:sp>
+      <p:sp>
+        <p:nvSpPr>
+          <p:cNvPr id="61" name="Rectangle 60"/>
+          <p:cNvSpPr/>
+          <p:nvPr/>
+        </p:nvSpPr>
+        <p:spPr bwMode="auto">
+          <a:xfrm>
+            <a:off x="5852652" y="3048000"/>
+            <a:ext cx="1447800" cy="304800"/>
+          </a:xfrm>
+          <a:prstGeom prst="rect">
+            <a:avLst/>
+          </a:prstGeom>
+          <a:solidFill>
+            <a:schemeClr val="tx1"/>
+          </a:solidFill>
+          <a:ln w="9525" cap="flat" cmpd="sng" algn="ctr">
+            <a:solidFill>
+              <a:schemeClr val="tx1"/>
+            </a:solidFill>
+            <a:prstDash val="solid"/>
+            <a:round/>
+            <a:headEnd type="none" w="med" len="med"/>
+            <a:tailEnd type="none" w="med" len="med"/>
+          </a:ln>
+          <a:effectLst/>
+          <a:extLst/>
+        </p:spPr>
+        <p:txBody>
+          <a:bodyPr vert="horz" wrap="none" lIns="91440" tIns="45720" rIns="91440" bIns="45720" numCol="1" rtlCol="0" anchor="t" anchorCtr="0" compatLnSpc="1">
+            <a:prstTxWarp prst="textNoShape">
+              <a:avLst/>
+            </a:prstTxWarp>
+          </a:bodyPr>
+          <a:lstStyle/>
+          <a:p>
+            <a:pPr marL="0" marR="0" indent="0" algn="ctr" defTabSz="914400" rtl="0" eaLnBrk="1" fontAlgn="base" latinLnBrk="0" hangingPunct="1">
+              <a:lnSpc>
+                <a:spcPct val="100000"/>
+              </a:lnSpc>
+              <a:spcBef>
+                <a:spcPct val="0"/>
+              </a:spcBef>
+              <a:spcAft>
+                <a:spcPct val="0"/>
+              </a:spcAft>
+              <a:buClrTx/>
+              <a:buSzTx/>
+              <a:buFontTx/>
+              <a:buNone/>
+              <a:tabLst/>
+            </a:pPr>
+            <a:r>
+              <a:rPr lang="en-US" sz="1400" dirty="0" smtClean="0">
+                <a:solidFill>
+                  <a:schemeClr val="accent1"/>
+                </a:solidFill>
+              </a:rPr>
+              <a:t>Model</a:t>
+            </a:r>
+            <a:endParaRPr kumimoji="0" lang="en-US" sz="1400" b="0" i="0" u="none" strike="noStrike" cap="none" normalizeH="0" baseline="0" dirty="0">
+              <a:ln>
+                <a:noFill/>
+              </a:ln>
+              <a:solidFill>
+                <a:schemeClr val="accent1"/>
+              </a:solidFill>
+              <a:effectLst/>
+              <a:latin typeface="Tahoma" charset="0"/>
+              <a:ea typeface="ＭＳ Ｐゴシック" charset="0"/>
+            </a:endParaRPr>
+          </a:p>
+        </p:txBody>
+      </p:sp>
+      <p:sp>
+        <p:nvSpPr>
+          <p:cNvPr id="62" name="Rectangle 61"/>
+          <p:cNvSpPr/>
+          <p:nvPr/>
+        </p:nvSpPr>
+        <p:spPr bwMode="auto">
+          <a:xfrm>
+            <a:off x="5852652" y="5410200"/>
+            <a:ext cx="1447800" cy="304800"/>
+          </a:xfrm>
+          <a:prstGeom prst="rect">
+            <a:avLst/>
+          </a:prstGeom>
+          <a:solidFill>
+            <a:schemeClr val="tx1"/>
+          </a:solidFill>
+          <a:ln w="9525" cap="flat" cmpd="sng" algn="ctr">
+            <a:solidFill>
+              <a:schemeClr val="tx1"/>
+            </a:solidFill>
+            <a:prstDash val="solid"/>
+            <a:round/>
+            <a:headEnd type="none" w="med" len="med"/>
+            <a:tailEnd type="none" w="med" len="med"/>
+          </a:ln>
+          <a:effectLst/>
+          <a:extLst/>
+        </p:spPr>
+        <p:txBody>
+          <a:bodyPr vert="horz" wrap="none" lIns="91440" tIns="45720" rIns="91440" bIns="45720" numCol="1" rtlCol="0" anchor="t" anchorCtr="0" compatLnSpc="1">
+            <a:prstTxWarp prst="textNoShape">
+              <a:avLst/>
+            </a:prstTxWarp>
+          </a:bodyPr>
+          <a:lstStyle/>
+          <a:p>
+            <a:pPr marL="0" marR="0" indent="0" algn="ctr" defTabSz="914400" rtl="0" eaLnBrk="1" fontAlgn="base" latinLnBrk="0" hangingPunct="1">
+              <a:lnSpc>
+                <a:spcPct val="100000"/>
+              </a:lnSpc>
+              <a:spcBef>
+                <a:spcPct val="0"/>
+              </a:spcBef>
+              <a:spcAft>
+                <a:spcPct val="0"/>
+              </a:spcAft>
+              <a:buClrTx/>
+              <a:buSzTx/>
+              <a:buFontTx/>
+              <a:buNone/>
+              <a:tabLst/>
+            </a:pPr>
+            <a:r>
+              <a:rPr kumimoji="0" lang="en-US" sz="1400" b="0" i="0" u="none" strike="noStrike" cap="none" normalizeH="0" baseline="0" dirty="0" smtClean="0">
+                <a:ln>
+                  <a:noFill/>
+                </a:ln>
+                <a:solidFill>
+                  <a:schemeClr val="accent1"/>
+                </a:solidFill>
+                <a:effectLst/>
+                <a:latin typeface="Tahoma" charset="0"/>
+                <a:ea typeface="ＭＳ Ｐゴシック" charset="0"/>
+              </a:rPr>
+              <a:t>Controller</a:t>
+            </a:r>
+            <a:endParaRPr kumimoji="0" lang="en-US" sz="1400" b="0" i="0" u="none" strike="noStrike" cap="none" normalizeH="0" baseline="0" dirty="0">
+              <a:ln>
+                <a:noFill/>
+              </a:ln>
+              <a:solidFill>
+                <a:schemeClr val="accent1"/>
+              </a:solidFill>
+              <a:effectLst/>
+              <a:latin typeface="Tahoma" charset="0"/>
+              <a:ea typeface="ＭＳ Ｐゴシック" charset="0"/>
+            </a:endParaRPr>
+          </a:p>
+        </p:txBody>
+      </p:sp>
+      <p:sp>
+        <p:nvSpPr>
+          <p:cNvPr id="63" name="Rectangle 62"/>
+          <p:cNvSpPr/>
+          <p:nvPr/>
+        </p:nvSpPr>
+        <p:spPr bwMode="auto">
+          <a:xfrm>
+            <a:off x="5852652" y="5105400"/>
+            <a:ext cx="1447800" cy="304800"/>
+          </a:xfrm>
+          <a:prstGeom prst="rect">
+            <a:avLst/>
+          </a:prstGeom>
+          <a:solidFill>
+            <a:schemeClr val="tx1"/>
+          </a:solidFill>
+          <a:ln w="9525" cap="flat" cmpd="sng" algn="ctr">
+            <a:solidFill>
+              <a:schemeClr val="tx1"/>
+            </a:solidFill>
+            <a:prstDash val="solid"/>
+            <a:round/>
+            <a:headEnd type="none" w="med" len="med"/>
+            <a:tailEnd type="none" w="med" len="med"/>
+          </a:ln>
+          <a:effectLst/>
+          <a:extLst/>
+        </p:spPr>
+        <p:txBody>
+          <a:bodyPr vert="horz" wrap="none" lIns="91440" tIns="45720" rIns="91440" bIns="45720" numCol="1" rtlCol="0" anchor="t" anchorCtr="0" compatLnSpc="1">
+            <a:prstTxWarp prst="textNoShape">
+              <a:avLst/>
+            </a:prstTxWarp>
+          </a:bodyPr>
+          <a:lstStyle/>
+          <a:p>
+            <a:pPr marL="0" marR="0" indent="0" algn="ctr" defTabSz="914400" rtl="0" eaLnBrk="1" fontAlgn="base" latinLnBrk="0" hangingPunct="1">
+              <a:lnSpc>
+                <a:spcPct val="100000"/>
+              </a:lnSpc>
+              <a:spcBef>
+                <a:spcPct val="0"/>
+              </a:spcBef>
+              <a:spcAft>
+                <a:spcPct val="0"/>
+              </a:spcAft>
+              <a:buClrTx/>
+              <a:buSzTx/>
+              <a:buFontTx/>
+              <a:buNone/>
+              <a:tabLst/>
+            </a:pPr>
+            <a:r>
+              <a:rPr kumimoji="0" lang="en-US" sz="1400" b="0" i="0" u="none" strike="noStrike" cap="none" normalizeH="0" baseline="0" dirty="0" smtClean="0">
+                <a:ln>
+                  <a:noFill/>
+                </a:ln>
+                <a:solidFill>
+                  <a:schemeClr val="accent1"/>
+                </a:solidFill>
+                <a:effectLst/>
+                <a:latin typeface="Tahoma" charset="0"/>
+                <a:ea typeface="ＭＳ Ｐゴシック" charset="0"/>
+              </a:rPr>
+              <a:t>View</a:t>
+            </a:r>
+            <a:endParaRPr kumimoji="0" lang="en-US" sz="1400" b="0" i="0" u="none" strike="noStrike" cap="none" normalizeH="0" baseline="0" dirty="0">
+              <a:ln>
+                <a:noFill/>
+              </a:ln>
+              <a:solidFill>
+                <a:schemeClr val="accent1"/>
+              </a:solidFill>
+              <a:effectLst/>
+              <a:latin typeface="Tahoma" charset="0"/>
+              <a:ea typeface="ＭＳ Ｐゴシック" charset="0"/>
+            </a:endParaRPr>
+          </a:p>
+        </p:txBody>
+      </p:sp>
+      <p:sp>
+        <p:nvSpPr>
+          <p:cNvPr id="64" name="Rectangle 63"/>
+          <p:cNvSpPr/>
+          <p:nvPr/>
+        </p:nvSpPr>
+        <p:spPr bwMode="auto">
+          <a:xfrm>
+            <a:off x="5852652" y="4800600"/>
+            <a:ext cx="1447800" cy="304800"/>
+          </a:xfrm>
+          <a:prstGeom prst="rect">
+            <a:avLst/>
+          </a:prstGeom>
+          <a:solidFill>
+            <a:schemeClr val="tx1"/>
+          </a:solidFill>
+          <a:ln w="9525" cap="flat" cmpd="sng" algn="ctr">
+            <a:solidFill>
+              <a:schemeClr val="tx1"/>
+            </a:solidFill>
+            <a:prstDash val="solid"/>
+            <a:round/>
+            <a:headEnd type="none" w="med" len="med"/>
+            <a:tailEnd type="none" w="med" len="med"/>
+          </a:ln>
+          <a:effectLst/>
+          <a:extLst/>
+        </p:spPr>
+        <p:txBody>
+          <a:bodyPr vert="horz" wrap="none" lIns="91440" tIns="45720" rIns="91440" bIns="45720" numCol="1" rtlCol="0" anchor="t" anchorCtr="0" compatLnSpc="1">
+            <a:prstTxWarp prst="textNoShape">
+              <a:avLst/>
+            </a:prstTxWarp>
+          </a:bodyPr>
+          <a:lstStyle/>
+          <a:p>
+            <a:pPr marL="0" marR="0" indent="0" algn="ctr" defTabSz="914400" rtl="0" eaLnBrk="1" fontAlgn="base" latinLnBrk="0" hangingPunct="1">
+              <a:lnSpc>
+                <a:spcPct val="100000"/>
+              </a:lnSpc>
+              <a:spcBef>
+                <a:spcPct val="0"/>
+              </a:spcBef>
+              <a:spcAft>
+                <a:spcPct val="0"/>
+              </a:spcAft>
+              <a:buClrTx/>
+              <a:buSzTx/>
+              <a:buFontTx/>
+              <a:buNone/>
+              <a:tabLst/>
+            </a:pPr>
+            <a:r>
+              <a:rPr lang="en-US" sz="1400" dirty="0" smtClean="0">
+                <a:solidFill>
+                  <a:schemeClr val="accent1"/>
+                </a:solidFill>
+              </a:rPr>
+              <a:t>Model</a:t>
+            </a:r>
+            <a:endParaRPr kumimoji="0" lang="en-US" sz="1400" b="0" i="0" u="none" strike="noStrike" cap="none" normalizeH="0" baseline="0" dirty="0">
+              <a:ln>
+                <a:noFill/>
+              </a:ln>
+              <a:solidFill>
+                <a:schemeClr val="accent1"/>
+              </a:solidFill>
+              <a:effectLst/>
+              <a:latin typeface="Tahoma" charset="0"/>
+              <a:ea typeface="ＭＳ Ｐゴシック" charset="0"/>
+            </a:endParaRPr>
+          </a:p>
+        </p:txBody>
+      </p:sp>
+      <p:sp>
+        <p:nvSpPr>
+          <p:cNvPr id="65" name="TextBox 64"/>
+          <p:cNvSpPr txBox="1"/>
+          <p:nvPr/>
+        </p:nvSpPr>
+        <p:spPr>
+          <a:xfrm>
+            <a:off x="6182621" y="4202668"/>
+            <a:ext cx="813031" cy="369332"/>
+          </a:xfrm>
+          <a:prstGeom prst="rect">
+            <a:avLst/>
+          </a:prstGeom>
+          <a:noFill/>
+        </p:spPr>
+        <p:txBody>
+          <a:bodyPr wrap="none" rtlCol="0">
+            <a:spAutoFit/>
+          </a:bodyPr>
+          <a:lstStyle/>
+          <a:p>
+            <a:r>
+              <a:rPr lang="en-US" sz="1800" dirty="0" smtClean="0"/>
+              <a:t>Segue</a:t>
+            </a:r>
+            <a:endParaRPr lang="en-US" sz="1800" dirty="0"/>
+          </a:p>
+        </p:txBody>
+      </p:sp>
+      <p:cxnSp>
+        <p:nvCxnSpPr>
+          <p:cNvPr id="66" name="Straight Arrow Connector 65"/>
+          <p:cNvCxnSpPr/>
+          <p:nvPr/>
+        </p:nvCxnSpPr>
+        <p:spPr bwMode="auto">
+          <a:xfrm>
+            <a:off x="6081252" y="3962400"/>
+            <a:ext cx="0" cy="838200"/>
+          </a:xfrm>
+          <a:prstGeom prst="straightConnector1">
+            <a:avLst/>
+          </a:prstGeom>
+          <a:solidFill>
+            <a:schemeClr val="accent1"/>
+          </a:solidFill>
+          <a:ln w="9525" cap="flat" cmpd="sng" algn="ctr">
+            <a:solidFill>
+              <a:schemeClr val="tx1"/>
+            </a:solidFill>
+            <a:prstDash val="solid"/>
+            <a:round/>
+            <a:headEnd type="none" w="med" len="med"/>
+            <a:tailEnd type="arrow"/>
+          </a:ln>
+          <a:effectLst/>
+          <a:extLst>
+            <a:ext uri="{AF507438-7753-43e0-B8FC-AC1667EBCBE1}">
+              <a14:hiddenEffects xmlns:a14="http://schemas.microsoft.com/office/drawing/2010/main" xmlns="">
+                <a:effectLst>
+                  <a:outerShdw blurRad="63500" dist="38099" dir="2700000" algn="ctr" rotWithShape="0">
+                    <a:schemeClr val="bg2">
+                      <a:alpha val="74998"/>
+                    </a:schemeClr>
+                  </a:outerShdw>
+                </a:effectLst>
+              </a14:hiddenEffects>
+            </a:ext>
+          </a:extLst>
+        </p:spPr>
+      </p:cxnSp>
+      <p:cxnSp>
+        <p:nvCxnSpPr>
+          <p:cNvPr id="67" name="Straight Arrow Connector 66"/>
+          <p:cNvCxnSpPr/>
+          <p:nvPr/>
+        </p:nvCxnSpPr>
+        <p:spPr bwMode="auto">
+          <a:xfrm flipV="1">
+            <a:off x="7071852" y="3962400"/>
+            <a:ext cx="0" cy="838200"/>
+          </a:xfrm>
+          <a:prstGeom prst="straightConnector1">
+            <a:avLst/>
+          </a:prstGeom>
+          <a:solidFill>
+            <a:schemeClr val="accent1"/>
+          </a:solidFill>
+          <a:ln w="9525" cap="flat" cmpd="sng" algn="ctr">
+            <a:solidFill>
+              <a:schemeClr val="tx1"/>
+            </a:solidFill>
+            <a:prstDash val="solid"/>
+            <a:round/>
+            <a:headEnd type="none" w="med" len="med"/>
+            <a:tailEnd type="arrow"/>
+          </a:ln>
+          <a:effectLst/>
+          <a:extLst>
+            <a:ext uri="{AF507438-7753-43e0-B8FC-AC1667EBCBE1}">
+              <a14:hiddenEffects xmlns:a14="http://schemas.microsoft.com/office/drawing/2010/main" xmlns="">
+                <a:effectLst>
+                  <a:outerShdw blurRad="63500" dist="38099" dir="2700000" algn="ctr" rotWithShape="0">
+                    <a:schemeClr val="bg2">
+                      <a:alpha val="74998"/>
+                    </a:schemeClr>
+                  </a:outerShdw>
+                </a:effectLst>
+              </a14:hiddenEffects>
+            </a:ext>
+          </a:extLst>
+        </p:spPr>
+      </p:cxnSp>
+      <p:sp>
+        <p:nvSpPr>
+          <p:cNvPr id="68" name="Rectangle 67"/>
+          <p:cNvSpPr/>
+          <p:nvPr/>
+        </p:nvSpPr>
+        <p:spPr bwMode="auto">
+          <a:xfrm>
+            <a:off x="7620000" y="3047999"/>
+            <a:ext cx="1143000" cy="914400"/>
+          </a:xfrm>
+          <a:prstGeom prst="rect">
+            <a:avLst/>
+          </a:prstGeom>
+          <a:solidFill>
+            <a:schemeClr val="tx1"/>
+          </a:solidFill>
+          <a:ln w="9525" cap="flat" cmpd="sng" algn="ctr">
+            <a:solidFill>
+              <a:schemeClr val="tx1"/>
+            </a:solidFill>
+            <a:prstDash val="solid"/>
+            <a:round/>
+            <a:headEnd type="none" w="med" len="med"/>
+            <a:tailEnd type="none" w="med" len="med"/>
+          </a:ln>
+          <a:effectLst/>
+          <a:extLst/>
+        </p:spPr>
+        <p:txBody>
+          <a:bodyPr vert="horz" wrap="none" lIns="91440" tIns="45720" rIns="91440" bIns="45720" numCol="1" rtlCol="0" anchor="t" anchorCtr="0" compatLnSpc="1">
+            <a:prstTxWarp prst="textNoShape">
+              <a:avLst/>
+            </a:prstTxWarp>
+          </a:bodyPr>
+          <a:lstStyle/>
+          <a:p>
+            <a:pPr marL="0" marR="0" indent="0" algn="ctr" defTabSz="914400" rtl="0" eaLnBrk="1" fontAlgn="base" latinLnBrk="0" hangingPunct="1">
+              <a:lnSpc>
+                <a:spcPct val="100000"/>
+              </a:lnSpc>
+              <a:spcBef>
+                <a:spcPct val="0"/>
+              </a:spcBef>
+              <a:spcAft>
+                <a:spcPct val="0"/>
+              </a:spcAft>
+              <a:buClrTx/>
+              <a:buSzTx/>
+              <a:buFontTx/>
+              <a:buNone/>
+              <a:tabLst/>
+            </a:pPr>
+            <a:r>
+              <a:rPr lang="en-US" sz="1400" dirty="0" err="1" smtClean="0">
+                <a:solidFill>
+                  <a:schemeClr val="accent1"/>
+                </a:solidFill>
+              </a:rPr>
+              <a:t>NativeScript</a:t>
+            </a:r>
+            <a:endParaRPr kumimoji="0" lang="en-US" sz="1400" b="0" i="0" u="none" strike="noStrike" cap="none" normalizeH="0" baseline="0" dirty="0">
+              <a:ln>
+                <a:noFill/>
+              </a:ln>
+              <a:solidFill>
+                <a:schemeClr val="accent1"/>
+              </a:solidFill>
+              <a:effectLst/>
+              <a:latin typeface="Tahoma" charset="0"/>
+              <a:ea typeface="ＭＳ Ｐゴシック" charset="0"/>
+            </a:endParaRPr>
+          </a:p>
+        </p:txBody>
+      </p:sp>
+      <p:sp>
+        <p:nvSpPr>
+          <p:cNvPr id="69" name="Rectangle 68"/>
+          <p:cNvSpPr/>
+          <p:nvPr/>
+        </p:nvSpPr>
+        <p:spPr bwMode="auto">
+          <a:xfrm>
+            <a:off x="7772400" y="3352799"/>
+            <a:ext cx="883513" cy="457200"/>
+          </a:xfrm>
+          <a:prstGeom prst="rect">
+            <a:avLst/>
+          </a:prstGeom>
+          <a:solidFill>
+            <a:schemeClr val="bg2"/>
+          </a:solidFill>
+          <a:ln w="9525" cap="flat" cmpd="sng" algn="ctr">
+            <a:solidFill>
+              <a:schemeClr val="tx1"/>
+            </a:solidFill>
+            <a:prstDash val="solid"/>
+            <a:round/>
+            <a:headEnd type="none" w="med" len="med"/>
+            <a:tailEnd type="none" w="med" len="med"/>
+          </a:ln>
+          <a:effectLst/>
+          <a:extLst/>
+        </p:spPr>
+        <p:txBody>
+          <a:bodyPr vert="horz" wrap="none" lIns="91440" tIns="45720" rIns="91440" bIns="45720" numCol="1" rtlCol="0" anchor="ctr" anchorCtr="0" compatLnSpc="1">
+            <a:prstTxWarp prst="textNoShape">
+              <a:avLst/>
+            </a:prstTxWarp>
+          </a:bodyPr>
+          <a:lstStyle/>
+          <a:p>
+            <a:pPr marL="0" marR="0" indent="0" algn="ctr" defTabSz="914400" rtl="0" eaLnBrk="1" fontAlgn="base" latinLnBrk="0" hangingPunct="1">
+              <a:lnSpc>
+                <a:spcPct val="100000"/>
+              </a:lnSpc>
+              <a:spcBef>
+                <a:spcPct val="0"/>
+              </a:spcBef>
+              <a:spcAft>
+                <a:spcPct val="0"/>
+              </a:spcAft>
+              <a:buClrTx/>
+              <a:buSzTx/>
+              <a:buFontTx/>
+              <a:buNone/>
+              <a:tabLst/>
+            </a:pPr>
+            <a:r>
+              <a:rPr lang="en-US" sz="1400" dirty="0" smtClean="0">
+                <a:solidFill>
+                  <a:schemeClr val="accent4"/>
+                </a:solidFill>
+              </a:rPr>
+              <a:t>Markup &amp;</a:t>
+            </a:r>
+            <a:br>
+              <a:rPr lang="en-US" sz="1400" dirty="0" smtClean="0">
+                <a:solidFill>
+                  <a:schemeClr val="accent4"/>
+                </a:solidFill>
+              </a:rPr>
+            </a:br>
+            <a:r>
+              <a:rPr lang="en-US" sz="1400" dirty="0" smtClean="0">
+                <a:solidFill>
+                  <a:schemeClr val="accent4"/>
+                </a:solidFill>
+              </a:rPr>
+              <a:t>JavaScript</a:t>
+            </a:r>
+            <a:endParaRPr kumimoji="0" lang="en-US" sz="1400" b="0" i="0" u="none" strike="noStrike" cap="none" normalizeH="0" baseline="0" dirty="0">
+              <a:ln>
+                <a:noFill/>
+              </a:ln>
+              <a:solidFill>
+                <a:schemeClr val="accent4"/>
+              </a:solidFill>
+              <a:effectLst/>
+            </a:endParaRPr>
+          </a:p>
+        </p:txBody>
+      </p:sp>
+      <p:sp>
+        <p:nvSpPr>
+          <p:cNvPr id="74" name="TextBox 73"/>
+          <p:cNvSpPr txBox="1"/>
+          <p:nvPr/>
+        </p:nvSpPr>
+        <p:spPr>
+          <a:xfrm>
+            <a:off x="6480517" y="2133600"/>
+            <a:ext cx="1901483" cy="369332"/>
+          </a:xfrm>
+          <a:prstGeom prst="rect">
+            <a:avLst/>
+          </a:prstGeom>
+          <a:noFill/>
+        </p:spPr>
+        <p:txBody>
+          <a:bodyPr wrap="none" rtlCol="0">
+            <a:spAutoFit/>
+          </a:bodyPr>
+          <a:lstStyle/>
+          <a:p>
+            <a:r>
+              <a:rPr lang="en-US" sz="1800" b="1" smtClean="0"/>
+              <a:t>Modern Hybrid</a:t>
+            </a:r>
+            <a:endParaRPr lang="en-US" sz="1800" b="1" dirty="0"/>
+          </a:p>
+        </p:txBody>
+      </p:sp>
+      <p:sp>
+        <p:nvSpPr>
+          <p:cNvPr id="75" name="Rectangle 74"/>
+          <p:cNvSpPr/>
+          <p:nvPr/>
+        </p:nvSpPr>
+        <p:spPr bwMode="auto">
+          <a:xfrm rot="16200000">
+            <a:off x="7010400" y="3352800"/>
+            <a:ext cx="914400" cy="304800"/>
+          </a:xfrm>
+          <a:prstGeom prst="rect">
+            <a:avLst/>
+          </a:prstGeom>
+          <a:solidFill>
+            <a:schemeClr val="tx1"/>
+          </a:solidFill>
+          <a:ln w="9525" cap="flat" cmpd="sng" algn="ctr">
+            <a:solidFill>
+              <a:schemeClr val="tx1"/>
+            </a:solidFill>
+            <a:prstDash val="solid"/>
+            <a:round/>
+            <a:headEnd type="none" w="med" len="med"/>
+            <a:tailEnd type="none" w="med" len="med"/>
+          </a:ln>
+          <a:effectLst/>
+          <a:extLst/>
+        </p:spPr>
+        <p:txBody>
+          <a:bodyPr vert="horz" wrap="none" lIns="91440" tIns="45720" rIns="91440" bIns="45720" numCol="1" rtlCol="0" anchor="t" anchorCtr="0" compatLnSpc="1">
+            <a:prstTxWarp prst="textNoShape">
+              <a:avLst/>
+            </a:prstTxWarp>
+          </a:bodyPr>
+          <a:lstStyle/>
+          <a:p>
+            <a:pPr marL="0" marR="0" indent="0" algn="ctr" defTabSz="914400" rtl="0" eaLnBrk="1" fontAlgn="base" latinLnBrk="0" hangingPunct="1">
+              <a:lnSpc>
+                <a:spcPct val="100000"/>
+              </a:lnSpc>
+              <a:spcBef>
+                <a:spcPct val="0"/>
+              </a:spcBef>
+              <a:spcAft>
+                <a:spcPct val="0"/>
+              </a:spcAft>
+              <a:buClrTx/>
+              <a:buSzTx/>
+              <a:buFontTx/>
+              <a:buNone/>
+              <a:tabLst/>
+            </a:pPr>
+            <a:r>
+              <a:rPr lang="en-US" sz="1400" smtClean="0">
+                <a:solidFill>
+                  <a:schemeClr val="accent1"/>
+                </a:solidFill>
+              </a:rPr>
+              <a:t>Runtime</a:t>
+            </a:r>
+            <a:endParaRPr kumimoji="0" lang="en-US" sz="1400" b="0" i="0" u="none" strike="noStrike" cap="none" normalizeH="0" baseline="0" dirty="0">
+              <a:ln>
+                <a:noFill/>
+              </a:ln>
+              <a:solidFill>
+                <a:schemeClr val="accent1"/>
+              </a:solidFill>
+              <a:effectLst/>
+              <a:latin typeface="Tahoma" charset="0"/>
+              <a:ea typeface="ＭＳ Ｐゴシック" charset="0"/>
+            </a:endParaRPr>
+          </a:p>
+        </p:txBody>
+      </p:sp>
+      <p:sp>
+        <p:nvSpPr>
+          <p:cNvPr id="76" name="Rectangle 75"/>
+          <p:cNvSpPr/>
+          <p:nvPr/>
+        </p:nvSpPr>
+        <p:spPr bwMode="auto">
+          <a:xfrm>
+            <a:off x="7620000" y="4800599"/>
+            <a:ext cx="1143000" cy="914400"/>
+          </a:xfrm>
+          <a:prstGeom prst="rect">
+            <a:avLst/>
+          </a:prstGeom>
+          <a:solidFill>
+            <a:schemeClr val="tx1"/>
+          </a:solidFill>
+          <a:ln w="9525" cap="flat" cmpd="sng" algn="ctr">
+            <a:solidFill>
+              <a:schemeClr val="tx1"/>
+            </a:solidFill>
+            <a:prstDash val="solid"/>
+            <a:round/>
+            <a:headEnd type="none" w="med" len="med"/>
+            <a:tailEnd type="none" w="med" len="med"/>
+          </a:ln>
+          <a:effectLst/>
+          <a:extLst/>
+        </p:spPr>
+        <p:txBody>
+          <a:bodyPr vert="horz" wrap="none" lIns="91440" tIns="45720" rIns="91440" bIns="45720" numCol="1" rtlCol="0" anchor="t" anchorCtr="0" compatLnSpc="1">
+            <a:prstTxWarp prst="textNoShape">
+              <a:avLst/>
+            </a:prstTxWarp>
+          </a:bodyPr>
+          <a:lstStyle/>
+          <a:p>
+            <a:pPr marL="0" marR="0" indent="0" algn="ctr" defTabSz="914400" rtl="0" eaLnBrk="1" fontAlgn="base" latinLnBrk="0" hangingPunct="1">
+              <a:lnSpc>
+                <a:spcPct val="100000"/>
+              </a:lnSpc>
+              <a:spcBef>
+                <a:spcPct val="0"/>
+              </a:spcBef>
+              <a:spcAft>
+                <a:spcPct val="0"/>
+              </a:spcAft>
+              <a:buClrTx/>
+              <a:buSzTx/>
+              <a:buFontTx/>
+              <a:buNone/>
+              <a:tabLst/>
+            </a:pPr>
+            <a:r>
+              <a:rPr lang="en-US" sz="1400" dirty="0" err="1" smtClean="0">
+                <a:solidFill>
+                  <a:schemeClr val="accent1"/>
+                </a:solidFill>
+              </a:rPr>
+              <a:t>NativeScript</a:t>
+            </a:r>
+            <a:endParaRPr kumimoji="0" lang="en-US" sz="1400" b="0" i="0" u="none" strike="noStrike" cap="none" normalizeH="0" baseline="0" dirty="0">
+              <a:ln>
+                <a:noFill/>
+              </a:ln>
+              <a:solidFill>
+                <a:schemeClr val="accent1"/>
+              </a:solidFill>
+              <a:effectLst/>
+              <a:latin typeface="Tahoma" charset="0"/>
+              <a:ea typeface="ＭＳ Ｐゴシック" charset="0"/>
+            </a:endParaRPr>
+          </a:p>
+        </p:txBody>
+      </p:sp>
+      <p:sp>
+        <p:nvSpPr>
+          <p:cNvPr id="77" name="Rectangle 76"/>
+          <p:cNvSpPr/>
+          <p:nvPr/>
+        </p:nvSpPr>
+        <p:spPr bwMode="auto">
+          <a:xfrm>
+            <a:off x="7772400" y="5105399"/>
+            <a:ext cx="883513" cy="457200"/>
+          </a:xfrm>
+          <a:prstGeom prst="rect">
+            <a:avLst/>
+          </a:prstGeom>
+          <a:solidFill>
+            <a:schemeClr val="bg2"/>
+          </a:solidFill>
+          <a:ln w="9525" cap="flat" cmpd="sng" algn="ctr">
+            <a:solidFill>
+              <a:schemeClr val="tx1"/>
+            </a:solidFill>
+            <a:prstDash val="solid"/>
+            <a:round/>
+            <a:headEnd type="none" w="med" len="med"/>
+            <a:tailEnd type="none" w="med" len="med"/>
+          </a:ln>
+          <a:effectLst/>
+          <a:extLst/>
+        </p:spPr>
+        <p:txBody>
+          <a:bodyPr vert="horz" wrap="none" lIns="91440" tIns="45720" rIns="91440" bIns="45720" numCol="1" rtlCol="0" anchor="ctr" anchorCtr="0" compatLnSpc="1">
+            <a:prstTxWarp prst="textNoShape">
+              <a:avLst/>
+            </a:prstTxWarp>
+          </a:bodyPr>
+          <a:lstStyle/>
+          <a:p>
+            <a:pPr marL="0" marR="0" indent="0" algn="ctr" defTabSz="914400" rtl="0" eaLnBrk="1" fontAlgn="base" latinLnBrk="0" hangingPunct="1">
+              <a:lnSpc>
+                <a:spcPct val="100000"/>
+              </a:lnSpc>
+              <a:spcBef>
+                <a:spcPct val="0"/>
+              </a:spcBef>
+              <a:spcAft>
+                <a:spcPct val="0"/>
+              </a:spcAft>
+              <a:buClrTx/>
+              <a:buSzTx/>
+              <a:buFontTx/>
+              <a:buNone/>
+              <a:tabLst/>
+            </a:pPr>
+            <a:r>
+              <a:rPr lang="en-US" sz="1400" dirty="0" smtClean="0">
+                <a:solidFill>
+                  <a:schemeClr val="accent4"/>
+                </a:solidFill>
+              </a:rPr>
+              <a:t>Markup &amp;</a:t>
+            </a:r>
+            <a:br>
+              <a:rPr lang="en-US" sz="1400" dirty="0" smtClean="0">
+                <a:solidFill>
+                  <a:schemeClr val="accent4"/>
+                </a:solidFill>
+              </a:rPr>
+            </a:br>
+            <a:r>
+              <a:rPr lang="en-US" sz="1400" dirty="0" smtClean="0">
+                <a:solidFill>
+                  <a:schemeClr val="accent4"/>
+                </a:solidFill>
+              </a:rPr>
+              <a:t>JavaScript</a:t>
+            </a:r>
+            <a:endParaRPr kumimoji="0" lang="en-US" sz="1400" b="0" i="0" u="none" strike="noStrike" cap="none" normalizeH="0" baseline="0" dirty="0">
+              <a:ln>
+                <a:noFill/>
+              </a:ln>
+              <a:solidFill>
+                <a:schemeClr val="accent4"/>
+              </a:solidFill>
+              <a:effectLst/>
+            </a:endParaRPr>
+          </a:p>
+        </p:txBody>
+      </p:sp>
+      <p:sp>
+        <p:nvSpPr>
+          <p:cNvPr id="78" name="Rectangle 77"/>
+          <p:cNvSpPr/>
+          <p:nvPr/>
+        </p:nvSpPr>
+        <p:spPr bwMode="auto">
+          <a:xfrm rot="16200000">
+            <a:off x="7010400" y="5105400"/>
+            <a:ext cx="914400" cy="304800"/>
+          </a:xfrm>
+          <a:prstGeom prst="rect">
+            <a:avLst/>
+          </a:prstGeom>
+          <a:solidFill>
+            <a:schemeClr val="tx1"/>
+          </a:solidFill>
+          <a:ln w="9525" cap="flat" cmpd="sng" algn="ctr">
+            <a:solidFill>
+              <a:schemeClr val="tx1"/>
+            </a:solidFill>
+            <a:prstDash val="solid"/>
+            <a:round/>
+            <a:headEnd type="none" w="med" len="med"/>
+            <a:tailEnd type="none" w="med" len="med"/>
+          </a:ln>
+          <a:effectLst/>
+          <a:extLst/>
+        </p:spPr>
+        <p:txBody>
+          <a:bodyPr vert="horz" wrap="none" lIns="91440" tIns="45720" rIns="91440" bIns="45720" numCol="1" rtlCol="0" anchor="t" anchorCtr="0" compatLnSpc="1">
+            <a:prstTxWarp prst="textNoShape">
+              <a:avLst/>
+            </a:prstTxWarp>
+          </a:bodyPr>
+          <a:lstStyle/>
+          <a:p>
+            <a:pPr marL="0" marR="0" indent="0" algn="ctr" defTabSz="914400" rtl="0" eaLnBrk="1" fontAlgn="base" latinLnBrk="0" hangingPunct="1">
+              <a:lnSpc>
+                <a:spcPct val="100000"/>
+              </a:lnSpc>
+              <a:spcBef>
+                <a:spcPct val="0"/>
+              </a:spcBef>
+              <a:spcAft>
+                <a:spcPct val="0"/>
+              </a:spcAft>
+              <a:buClrTx/>
+              <a:buSzTx/>
+              <a:buFontTx/>
+              <a:buNone/>
+              <a:tabLst/>
+            </a:pPr>
+            <a:r>
+              <a:rPr lang="en-US" sz="1400" smtClean="0">
+                <a:solidFill>
+                  <a:schemeClr val="accent1"/>
+                </a:solidFill>
+              </a:rPr>
+              <a:t>Runtime</a:t>
+            </a:r>
+            <a:endParaRPr kumimoji="0" lang="en-US" sz="1400" b="0" i="0" u="none" strike="noStrike" cap="none" normalizeH="0" baseline="0" dirty="0">
+              <a:ln>
+                <a:noFill/>
+              </a:ln>
+              <a:solidFill>
+                <a:schemeClr val="accent1"/>
+              </a:solidFill>
+              <a:effectLst/>
+              <a:latin typeface="Tahoma" charset="0"/>
+              <a:ea typeface="ＭＳ Ｐゴシック" charset="0"/>
+            </a:endParaRPr>
           </a:p>
         </p:txBody>
       </p:sp>
@@ -28030,7 +29751,7 @@
 </p:sld>
 </file>
 
-<file path=ppt/slides/slide34.xml><?xml version="1.0" encoding="utf-8"?>
+<file path=ppt/slides/slide39.xml><?xml version="1.0" encoding="utf-8"?>
 <p:sld xmlns:a="http://schemas.openxmlformats.org/drawingml/2006/main" xmlns:r="http://schemas.openxmlformats.org/officeDocument/2006/relationships" xmlns:p="http://schemas.openxmlformats.org/presentationml/2006/main">
   <p:cSld>
     <p:spTree>
@@ -28065,7 +29786,378 @@
             <a:fld id="{8BE99BFD-8863-B045-8AED-C026A27B630D}" type="slidenum">
               <a:rPr lang="en-US"/>
               <a:pPr/>
-              <a:t>34</a:t>
+              <a:t>39</a:t>
+            </a:fld>
+            <a:endParaRPr lang="en-US"/>
+          </a:p>
+        </p:txBody>
+      </p:sp>
+      <p:sp>
+        <p:nvSpPr>
+          <p:cNvPr id="477186" name="Rectangle 2"/>
+          <p:cNvSpPr>
+            <a:spLocks noGrp="1" noChangeArrowheads="1"/>
+          </p:cNvSpPr>
+          <p:nvPr>
+            <p:ph type="title"/>
+          </p:nvPr>
+        </p:nvSpPr>
+        <p:spPr/>
+        <p:txBody>
+          <a:bodyPr/>
+          <a:lstStyle/>
+          <a:p>
+            <a:r>
+              <a:rPr lang="en-US" dirty="0" smtClean="0"/>
+              <a:t>Cloud Native Applications</a:t>
+            </a:r>
+            <a:endParaRPr lang="en-US" dirty="0"/>
+          </a:p>
+        </p:txBody>
+      </p:sp>
+      <p:pic>
+        <p:nvPicPr>
+          <p:cNvPr id="3" name="Picture 2"/>
+          <p:cNvPicPr>
+            <a:picLocks noChangeAspect="1"/>
+          </p:cNvPicPr>
+          <p:nvPr/>
+        </p:nvPicPr>
+        <p:blipFill>
+          <a:blip r:embed="rId2">
+            <a:extLst>
+              <a:ext uri="{28A0092B-C50C-407E-A947-70E740481C1C}">
+                <a14:useLocalDpi xmlns:a14="http://schemas.microsoft.com/office/drawing/2010/main" val="0"/>
+              </a:ext>
+            </a:extLst>
+          </a:blip>
+          <a:stretch>
+            <a:fillRect/>
+          </a:stretch>
+        </p:blipFill>
+        <p:spPr>
+          <a:xfrm>
+            <a:off x="1295400" y="1905000"/>
+            <a:ext cx="2743200" cy="4114800"/>
+          </a:xfrm>
+          <a:prstGeom prst="rect">
+            <a:avLst/>
+          </a:prstGeom>
+        </p:spPr>
+      </p:pic>
+      <p:pic>
+        <p:nvPicPr>
+          <p:cNvPr id="8" name="Picture 7"/>
+          <p:cNvPicPr>
+            <a:picLocks noChangeAspect="1"/>
+          </p:cNvPicPr>
+          <p:nvPr/>
+        </p:nvPicPr>
+        <p:blipFill>
+          <a:blip r:embed="rId3">
+            <a:extLst>
+              <a:ext uri="{28A0092B-C50C-407E-A947-70E740481C1C}">
+                <a14:useLocalDpi xmlns:a14="http://schemas.microsoft.com/office/drawing/2010/main" val="0"/>
+              </a:ext>
+            </a:extLst>
+          </a:blip>
+          <a:stretch>
+            <a:fillRect/>
+          </a:stretch>
+        </p:blipFill>
+        <p:spPr>
+          <a:xfrm>
+            <a:off x="5105400" y="2574823"/>
+            <a:ext cx="3136900" cy="2590800"/>
+          </a:xfrm>
+          <a:prstGeom prst="rect">
+            <a:avLst/>
+          </a:prstGeom>
+        </p:spPr>
+      </p:pic>
+    </p:spTree>
+    <p:extLst>
+      <p:ext uri="{BB962C8B-B14F-4D97-AF65-F5344CB8AC3E}">
+        <p14:creationId xmlns:p14="http://schemas.microsoft.com/office/powerpoint/2010/main" val="2034649832"/>
+      </p:ext>
+    </p:extLst>
+  </p:cSld>
+  <p:clrMapOvr>
+    <a:masterClrMapping/>
+  </p:clrMapOvr>
+  <p:transition/>
+  <p:timing>
+    <p:tnLst>
+      <p:par>
+        <p:cTn id="1" dur="indefinite" restart="never" nodeType="tmRoot"/>
+      </p:par>
+    </p:tnLst>
+  </p:timing>
+</p:sld>
+</file>
+
+<file path=ppt/slides/slide4.xml><?xml version="1.0" encoding="utf-8"?>
+<p:sld xmlns:a="http://schemas.openxmlformats.org/drawingml/2006/main" xmlns:r="http://schemas.openxmlformats.org/officeDocument/2006/relationships" xmlns:p="http://schemas.openxmlformats.org/presentationml/2006/main">
+  <p:cSld>
+    <p:spTree>
+      <p:nvGrpSpPr>
+        <p:cNvPr id="1" name=""/>
+        <p:cNvGrpSpPr/>
+        <p:nvPr/>
+      </p:nvGrpSpPr>
+      <p:grpSpPr>
+        <a:xfrm>
+          <a:off x="0" y="0"/>
+          <a:ext cx="0" cy="0"/>
+          <a:chOff x="0" y="0"/>
+          <a:chExt cx="0" cy="0"/>
+        </a:xfrm>
+      </p:grpSpPr>
+      <p:sp>
+        <p:nvSpPr>
+          <p:cNvPr id="5" name="Slide Number Placeholder 4"/>
+          <p:cNvSpPr>
+            <a:spLocks noGrp="1"/>
+          </p:cNvSpPr>
+          <p:nvPr>
+            <p:ph type="sldNum" sz="quarter" idx="11"/>
+          </p:nvPr>
+        </p:nvSpPr>
+        <p:spPr/>
+        <p:txBody>
+          <a:bodyPr/>
+          <a:lstStyle/>
+          <a:p>
+            <a:fld id="{9ADFED00-AB40-F848-A41A-BF582FBEF6A9}" type="slidenum">
+              <a:rPr lang="en-US"/>
+              <a:pPr/>
+              <a:t>4</a:t>
+            </a:fld>
+            <a:endParaRPr lang="en-US"/>
+          </a:p>
+        </p:txBody>
+      </p:sp>
+      <p:sp>
+        <p:nvSpPr>
+          <p:cNvPr id="470018" name="Rectangle 2"/>
+          <p:cNvSpPr>
+            <a:spLocks noGrp="1" noChangeArrowheads="1"/>
+          </p:cNvSpPr>
+          <p:nvPr>
+            <p:ph type="title"/>
+          </p:nvPr>
+        </p:nvSpPr>
+        <p:spPr/>
+        <p:txBody>
+          <a:bodyPr/>
+          <a:lstStyle/>
+          <a:p>
+            <a:r>
+              <a:rPr lang="en-US" dirty="0" smtClean="0"/>
+              <a:t>Why study Software Design and Architecture?</a:t>
+            </a:r>
+            <a:endParaRPr lang="en-US" dirty="0"/>
+          </a:p>
+        </p:txBody>
+      </p:sp>
+      <p:sp>
+        <p:nvSpPr>
+          <p:cNvPr id="7" name="Text Box 11"/>
+          <p:cNvSpPr txBox="1">
+            <a:spLocks noChangeArrowheads="1"/>
+          </p:cNvSpPr>
+          <p:nvPr/>
+        </p:nvSpPr>
+        <p:spPr bwMode="auto">
+          <a:xfrm>
+            <a:off x="876300" y="1676400"/>
+            <a:ext cx="7505700" cy="3693319"/>
+          </a:xfrm>
+          <a:prstGeom prst="rect">
+            <a:avLst/>
+          </a:prstGeom>
+          <a:noFill/>
+          <a:ln>
+            <a:noFill/>
+          </a:ln>
+          <a:effectLst/>
+          <a:extLst>
+            <a:ext uri="{909E8E84-426E-40dd-AFC4-6F175D3DCCD1}">
+              <a14:hiddenFill xmlns:a14="http://schemas.microsoft.com/office/drawing/2010/main" xmlns="">
+                <a:solidFill>
+                  <a:schemeClr val="accent1"/>
+                </a:solidFill>
+              </a14:hiddenFill>
+            </a:ext>
+            <a:ext uri="{91240B29-F687-4f45-9708-019B960494DF}">
+              <a14:hiddenLine xmlns:a14="http://schemas.microsoft.com/office/drawing/2010/main" xmlns="" w="9525">
+                <a:solidFill>
+                  <a:schemeClr val="tx1"/>
+                </a:solidFill>
+                <a:miter lim="800000"/>
+                <a:headEnd/>
+                <a:tailEnd/>
+              </a14:hiddenLine>
+            </a:ext>
+            <a:ext uri="{AF507438-7753-43e0-B8FC-AC1667EBCBE1}">
+              <a14:hiddenEffects xmlns:a14="http://schemas.microsoft.com/office/drawing/2010/main" xmlns="">
+                <a:effectLst>
+                  <a:outerShdw blurRad="63500" dist="38099" dir="2700000" algn="ctr" rotWithShape="0">
+                    <a:schemeClr val="bg2">
+                      <a:alpha val="74998"/>
+                    </a:schemeClr>
+                  </a:outerShdw>
+                </a:effectLst>
+              </a14:hiddenEffects>
+            </a:ext>
+          </a:extLst>
+        </p:spPr>
+        <p:txBody>
+          <a:bodyPr wrap="square">
+            <a:spAutoFit/>
+          </a:bodyPr>
+          <a:lstStyle/>
+          <a:p>
+            <a:r>
+              <a:rPr lang="en-US" sz="1800" b="1" dirty="0" smtClean="0"/>
+              <a:t>The nature of systems that we commonly build stretch the design skills we first learned</a:t>
+            </a:r>
+          </a:p>
+          <a:p>
+            <a:pPr marL="342900" indent="-342900">
+              <a:buFont typeface="Arial"/>
+              <a:buChar char="•"/>
+            </a:pPr>
+            <a:r>
+              <a:rPr lang="en-US" sz="1800" dirty="0" smtClean="0"/>
+              <a:t>Most modern systems are distributed </a:t>
+            </a:r>
+            <a:r>
+              <a:rPr lang="mr-IN" sz="1800" dirty="0" smtClean="0"/>
+              <a:t>–</a:t>
+            </a:r>
+            <a:r>
+              <a:rPr lang="en-US" sz="1800" dirty="0" smtClean="0"/>
+              <a:t> this introduces a ton of design complexity</a:t>
+            </a:r>
+          </a:p>
+          <a:p>
+            <a:pPr marL="342900" indent="-342900">
+              <a:buFont typeface="Arial"/>
+              <a:buChar char="•"/>
+            </a:pPr>
+            <a:r>
+              <a:rPr lang="en-US" sz="1800" dirty="0" smtClean="0"/>
+              <a:t>The availability of choices</a:t>
+            </a:r>
+          </a:p>
+          <a:p>
+            <a:pPr marL="800100" lvl="1" indent="-342900">
+              <a:buFont typeface="Arial"/>
+              <a:buChar char="•"/>
+            </a:pPr>
+            <a:r>
+              <a:rPr lang="en-US" sz="1800" dirty="0" smtClean="0"/>
+              <a:t>Users of your systems are not a locked in as they have been in the past - things like the cloud are changing things</a:t>
+            </a:r>
+          </a:p>
+          <a:p>
+            <a:pPr marL="800100" lvl="1" indent="-342900">
+              <a:buFont typeface="Arial"/>
+              <a:buChar char="•"/>
+            </a:pPr>
+            <a:r>
+              <a:rPr lang="en-US" sz="1800" dirty="0" smtClean="0"/>
+              <a:t>If your design is not good, how can you keep up with competition? </a:t>
+            </a:r>
+          </a:p>
+          <a:p>
+            <a:pPr marL="342900" indent="-342900">
+              <a:buFont typeface="Arial"/>
+              <a:buChar char="•"/>
+            </a:pPr>
+            <a:r>
+              <a:rPr lang="en-US" sz="1800" dirty="0" smtClean="0"/>
+              <a:t>The pace of software development</a:t>
+            </a:r>
+          </a:p>
+          <a:p>
+            <a:pPr marL="800100" lvl="1" indent="-342900">
+              <a:buFont typeface="Arial"/>
+              <a:buChar char="•"/>
+            </a:pPr>
+            <a:r>
+              <a:rPr lang="en-US" sz="1800" dirty="0" smtClean="0"/>
+              <a:t>Software development now requires rapid iterations and the delivery of incremental functionality </a:t>
+            </a:r>
+            <a:r>
+              <a:rPr lang="mr-IN" sz="1800" dirty="0" smtClean="0"/>
+              <a:t>–</a:t>
+            </a:r>
+            <a:r>
+              <a:rPr lang="en-US" sz="1800" dirty="0" smtClean="0"/>
+              <a:t> what happens if you have a poor design?</a:t>
+            </a:r>
+          </a:p>
+        </p:txBody>
+      </p:sp>
+    </p:spTree>
+    <p:extLst>
+      <p:ext uri="{BB962C8B-B14F-4D97-AF65-F5344CB8AC3E}">
+        <p14:creationId xmlns:p14="http://schemas.microsoft.com/office/powerpoint/2010/main" val="695470147"/>
+      </p:ext>
+    </p:extLst>
+  </p:cSld>
+  <p:clrMapOvr>
+    <a:masterClrMapping/>
+  </p:clrMapOvr>
+  <p:transition/>
+  <p:timing>
+    <p:tnLst>
+      <p:par>
+        <p:cTn id="1" dur="indefinite" restart="never" nodeType="tmRoot"/>
+      </p:par>
+    </p:tnLst>
+  </p:timing>
+</p:sld>
+</file>
+
+<file path=ppt/slides/slide40.xml><?xml version="1.0" encoding="utf-8"?>
+<p:sld xmlns:a="http://schemas.openxmlformats.org/drawingml/2006/main" xmlns:r="http://schemas.openxmlformats.org/officeDocument/2006/relationships" xmlns:p="http://schemas.openxmlformats.org/presentationml/2006/main">
+  <p:cSld>
+    <p:spTree>
+      <p:nvGrpSpPr>
+        <p:cNvPr id="1" name=""/>
+        <p:cNvGrpSpPr/>
+        <p:nvPr/>
+      </p:nvGrpSpPr>
+      <p:grpSpPr>
+        <a:xfrm>
+          <a:off x="0" y="0"/>
+          <a:ext cx="0" cy="0"/>
+          <a:chOff x="0" y="0"/>
+          <a:chExt cx="0" cy="0"/>
+        </a:xfrm>
+      </p:grpSpPr>
+      <p:sp>
+        <p:nvSpPr>
+          <p:cNvPr id="4" name="Slide Number Placeholder 4"/>
+          <p:cNvSpPr>
+            <a:spLocks noGrp="1"/>
+          </p:cNvSpPr>
+          <p:nvPr>
+            <p:ph type="sldNum" sz="quarter" idx="11"/>
+          </p:nvPr>
+        </p:nvSpPr>
+        <p:spPr/>
+        <p:txBody>
+          <a:bodyPr/>
+          <a:lstStyle/>
+          <a:p>
+            <a:fld id="{8BE99BFD-8863-B045-8AED-C026A27B630D}" type="slidenum">
+              <a:rPr lang="en-US"/>
+              <a:pPr/>
+              <a:t>40</a:t>
             </a:fld>
             <a:endParaRPr lang="en-US"/>
           </a:p>
@@ -28365,7 +30457,7 @@
 </p:sld>
 </file>
 
-<file path=ppt/slides/slide35.xml><?xml version="1.0" encoding="utf-8"?>
+<file path=ppt/slides/slide41.xml><?xml version="1.0" encoding="utf-8"?>
 <p:sld xmlns:a="http://schemas.openxmlformats.org/drawingml/2006/main" xmlns:r="http://schemas.openxmlformats.org/officeDocument/2006/relationships" xmlns:p="http://schemas.openxmlformats.org/presentationml/2006/main">
   <p:cSld>
     <p:spTree>
@@ -28400,7 +30492,7 @@
             <a:fld id="{8BE99BFD-8863-B045-8AED-C026A27B630D}" type="slidenum">
               <a:rPr lang="en-US"/>
               <a:pPr/>
-              <a:t>35</a:t>
+              <a:t>41</a:t>
             </a:fld>
             <a:endParaRPr lang="en-US"/>
           </a:p>
@@ -28561,7 +30653,7 @@
 </p:sld>
 </file>
 
-<file path=ppt/slides/slide36.xml><?xml version="1.0" encoding="utf-8"?>
+<file path=ppt/slides/slide42.xml><?xml version="1.0" encoding="utf-8"?>
 <p:sld xmlns:a="http://schemas.openxmlformats.org/drawingml/2006/main" xmlns:r="http://schemas.openxmlformats.org/officeDocument/2006/relationships" xmlns:p="http://schemas.openxmlformats.org/presentationml/2006/main">
   <p:cSld>
     <p:spTree>
@@ -28596,7 +30688,7 @@
             <a:fld id="{8BE99BFD-8863-B045-8AED-C026A27B630D}" type="slidenum">
               <a:rPr lang="en-US"/>
               <a:pPr/>
-              <a:t>36</a:t>
+              <a:t>42</a:t>
             </a:fld>
             <a:endParaRPr lang="en-US"/>
           </a:p>
@@ -28699,7 +30791,7 @@
 </p:sld>
 </file>
 
-<file path=ppt/slides/slide37.xml><?xml version="1.0" encoding="utf-8"?>
+<file path=ppt/slides/slide43.xml><?xml version="1.0" encoding="utf-8"?>
 <p:sld xmlns:a="http://schemas.openxmlformats.org/drawingml/2006/main" xmlns:r="http://schemas.openxmlformats.org/officeDocument/2006/relationships" xmlns:p="http://schemas.openxmlformats.org/presentationml/2006/main">
   <p:cSld>
     <p:spTree>
@@ -28734,7 +30826,7 @@
             <a:fld id="{8BE99BFD-8863-B045-8AED-C026A27B630D}" type="slidenum">
               <a:rPr lang="en-US"/>
               <a:pPr/>
-              <a:t>37</a:t>
+              <a:t>43</a:t>
             </a:fld>
             <a:endParaRPr lang="en-US"/>
           </a:p>
@@ -28895,7 +30987,7 @@
 </p:sld>
 </file>
 
-<file path=ppt/slides/slide38.xml><?xml version="1.0" encoding="utf-8"?>
+<file path=ppt/slides/slide44.xml><?xml version="1.0" encoding="utf-8"?>
 <p:sld xmlns:a="http://schemas.openxmlformats.org/drawingml/2006/main" xmlns:r="http://schemas.openxmlformats.org/officeDocument/2006/relationships" xmlns:p="http://schemas.openxmlformats.org/presentationml/2006/main">
   <p:cSld>
     <p:spTree>
@@ -28930,7 +31022,7 @@
             <a:fld id="{8BE99BFD-8863-B045-8AED-C026A27B630D}" type="slidenum">
               <a:rPr lang="en-US"/>
               <a:pPr/>
-              <a:t>38</a:t>
+              <a:t>44</a:t>
             </a:fld>
             <a:endParaRPr lang="en-US"/>
           </a:p>
@@ -29171,7 +31263,7 @@
 </p:sld>
 </file>
 
-<file path=ppt/slides/slide39.xml><?xml version="1.0" encoding="utf-8"?>
+<file path=ppt/slides/slide45.xml><?xml version="1.0" encoding="utf-8"?>
 <p:sld xmlns:a="http://schemas.openxmlformats.org/drawingml/2006/main" xmlns:r="http://schemas.openxmlformats.org/officeDocument/2006/relationships" xmlns:p="http://schemas.openxmlformats.org/presentationml/2006/main">
   <p:cSld>
     <p:spTree>
@@ -29206,7 +31298,7 @@
             <a:fld id="{8BE99BFD-8863-B045-8AED-C026A27B630D}" type="slidenum">
               <a:rPr lang="en-US"/>
               <a:pPr/>
-              <a:t>39</a:t>
+              <a:t>45</a:t>
             </a:fld>
             <a:endParaRPr lang="en-US"/>
           </a:p>
@@ -29359,7 +31451,7 @@
 </p:sld>
 </file>
 
-<file path=ppt/slides/slide4.xml><?xml version="1.0" encoding="utf-8"?>
+<file path=ppt/slides/slide5.xml><?xml version="1.0" encoding="utf-8"?>
 <p:sld xmlns:a="http://schemas.openxmlformats.org/drawingml/2006/main" xmlns:r="http://schemas.openxmlformats.org/officeDocument/2006/relationships" xmlns:p="http://schemas.openxmlformats.org/presentationml/2006/main">
   <p:cSld>
     <p:spTree>
@@ -29394,7 +31486,7 @@
             <a:fld id="{9ADFED00-AB40-F848-A41A-BF582FBEF6A9}" type="slidenum">
               <a:rPr lang="en-US"/>
               <a:pPr/>
-              <a:t>4</a:t>
+              <a:t>5</a:t>
             </a:fld>
             <a:endParaRPr lang="en-US"/>
           </a:p>
@@ -29703,7 +31795,7 @@
 </p:sld>
 </file>
 
-<file path=ppt/slides/slide5.xml><?xml version="1.0" encoding="utf-8"?>
+<file path=ppt/slides/slide6.xml><?xml version="1.0" encoding="utf-8"?>
 <p:sld xmlns:a="http://schemas.openxmlformats.org/drawingml/2006/main" xmlns:r="http://schemas.openxmlformats.org/officeDocument/2006/relationships" xmlns:p="http://schemas.openxmlformats.org/presentationml/2006/main">
   <p:cSld>
     <p:spTree>
@@ -29738,7 +31830,7 @@
             <a:fld id="{9ADFED00-AB40-F848-A41A-BF582FBEF6A9}" type="slidenum">
               <a:rPr lang="en-US"/>
               <a:pPr/>
-              <a:t>5</a:t>
+              <a:t>6</a:t>
             </a:fld>
             <a:endParaRPr lang="en-US"/>
           </a:p>
@@ -29832,15 +31924,7 @@
           <a:p>
             <a:r>
               <a:rPr lang="en-US" sz="1800" b="1" dirty="0" smtClean="0"/>
-              <a:t>This course has been </a:t>
-            </a:r>
-            <a:r>
-              <a:rPr lang="en-US" sz="1800" b="1" dirty="0" smtClean="0"/>
-              <a:t>upgraded </a:t>
-            </a:r>
-            <a:r>
-              <a:rPr lang="en-US" sz="1800" b="1" dirty="0" smtClean="0"/>
-              <a:t>since the last time that I taught it</a:t>
+              <a:t>This course has been upgraded since the last time that I taught it</a:t>
             </a:r>
           </a:p>
           <a:p>
@@ -30057,7 +32141,7 @@
 </p:sld>
 </file>
 
-<file path=ppt/slides/slide6.xml><?xml version="1.0" encoding="utf-8"?>
+<file path=ppt/slides/slide7.xml><?xml version="1.0" encoding="utf-8"?>
 <p:sld xmlns:a="http://schemas.openxmlformats.org/drawingml/2006/main" xmlns:r="http://schemas.openxmlformats.org/officeDocument/2006/relationships" xmlns:p="http://schemas.openxmlformats.org/presentationml/2006/main">
   <p:cSld>
     <p:spTree>
@@ -30092,7 +32176,7 @@
             <a:fld id="{9ADFED00-AB40-F848-A41A-BF582FBEF6A9}" type="slidenum">
               <a:rPr lang="en-US"/>
               <a:pPr/>
-              <a:t>6</a:t>
+              <a:t>7</a:t>
             </a:fld>
             <a:endParaRPr lang="en-US"/>
           </a:p>
@@ -30137,7 +32221,7 @@
         <p:spPr bwMode="auto">
           <a:xfrm>
             <a:off x="876300" y="1524000"/>
-            <a:ext cx="7505700" cy="2031325"/>
+            <a:ext cx="7505700" cy="2308324"/>
           </a:xfrm>
           <a:prstGeom prst="rect">
             <a:avLst/>
@@ -30207,7 +32291,7 @@
             </a:pPr>
             <a:r>
               <a:rPr lang="en-US" sz="1800" dirty="0" smtClean="0"/>
-              <a:t>An architecture reconstruction project</a:t>
+              <a:t>Reading Papers, Watching Videos</a:t>
             </a:r>
           </a:p>
           <a:p>
@@ -30217,11 +32301,17 @@
             </a:pPr>
             <a:r>
               <a:rPr lang="en-US" sz="1800" dirty="0" smtClean="0"/>
-              <a:t>A </a:t>
-            </a:r>
+              <a:t>An architecture reconstruction project</a:t>
+            </a:r>
+          </a:p>
+          <a:p>
+            <a:pPr marL="285750" indent="-285750">
+              <a:buFont typeface="Arial"/>
+              <a:buChar char="•"/>
+            </a:pPr>
             <a:r>
               <a:rPr lang="en-US" sz="1800" dirty="0" smtClean="0"/>
-              <a:t>class project</a:t>
+              <a:t>A class project</a:t>
             </a:r>
           </a:p>
           <a:p>
@@ -30257,7 +32347,7 @@
 </p:sld>
 </file>
 
-<file path=ppt/slides/slide7.xml><?xml version="1.0" encoding="utf-8"?>
+<file path=ppt/slides/slide8.xml><?xml version="1.0" encoding="utf-8"?>
 <p:sld xmlns:a="http://schemas.openxmlformats.org/drawingml/2006/main" xmlns:r="http://schemas.openxmlformats.org/officeDocument/2006/relationships" xmlns:p="http://schemas.openxmlformats.org/presentationml/2006/main">
   <p:cSld>
     <p:spTree>
@@ -30292,7 +32382,7 @@
             <a:fld id="{9ADFED00-AB40-F848-A41A-BF582FBEF6A9}" type="slidenum">
               <a:rPr lang="en-US"/>
               <a:pPr/>
-              <a:t>7</a:t>
+              <a:t>8</a:t>
             </a:fld>
             <a:endParaRPr lang="en-US"/>
           </a:p>
@@ -30473,7 +32563,7 @@
         <p:spPr bwMode="auto">
           <a:xfrm>
             <a:off x="876300" y="3810000"/>
-            <a:ext cx="7505700" cy="800219"/>
+            <a:ext cx="7505700" cy="1015663"/>
           </a:xfrm>
           <a:prstGeom prst="rect">
             <a:avLst/>
@@ -30535,12 +32625,12 @@
               <a:t>A </a:t>
             </a:r>
             <a:r>
+              <a:rPr lang="en-US" sz="1400" b="1" dirty="0" smtClean="0"/>
+              <a:t>short paper </a:t>
+            </a:r>
+            <a:r>
               <a:rPr lang="en-US" sz="1400" dirty="0" smtClean="0"/>
-              <a:t>short </a:t>
-            </a:r>
-            <a:r>
-              <a:rPr lang="en-US" sz="1400" dirty="0" smtClean="0"/>
-              <a:t>paper describing the architecture of the platform or system that you investigated</a:t>
+              <a:t>describing the architecture of the platform or system that you investigated</a:t>
             </a:r>
           </a:p>
           <a:p>
@@ -30580,15 +32670,7 @@
           <a:p>
             <a:r>
               <a:rPr lang="en-US" sz="1600" b="1" dirty="0" smtClean="0"/>
-              <a:t>We </a:t>
-            </a:r>
-            <a:r>
-              <a:rPr lang="en-US" sz="1600" b="1" dirty="0" smtClean="0"/>
-              <a:t>might allocate </a:t>
-            </a:r>
-            <a:r>
-              <a:rPr lang="en-US" sz="1600" b="1" dirty="0" smtClean="0"/>
-              <a:t>one class to examine the best, and most interesting case</a:t>
+              <a:t>We might allocate one class to examine the best, and most interesting case</a:t>
             </a:r>
             <a:r>
               <a:rPr lang="en-US" sz="1600" b="1" dirty="0"/>
@@ -30622,7 +32704,7 @@
 </p:sld>
 </file>
 
-<file path=ppt/slides/slide8.xml><?xml version="1.0" encoding="utf-8"?>
+<file path=ppt/slides/slide9.xml><?xml version="1.0" encoding="utf-8"?>
 <p:sld xmlns:a="http://schemas.openxmlformats.org/drawingml/2006/main" xmlns:r="http://schemas.openxmlformats.org/officeDocument/2006/relationships" xmlns:p="http://schemas.openxmlformats.org/presentationml/2006/main">
   <p:cSld>
     <p:spTree>
@@ -30657,7 +32739,7 @@
             <a:fld id="{9ADFED00-AB40-F848-A41A-BF582FBEF6A9}" type="slidenum">
               <a:rPr lang="en-US"/>
               <a:pPr/>
-              <a:t>8</a:t>
+              <a:t>9</a:t>
             </a:fld>
             <a:endParaRPr lang="en-US"/>
           </a:p>
@@ -30892,312 +32974,6 @@
         <p14:creationId xmlns:p14="http://schemas.microsoft.com/office/powerpoint/2010/main" val="3224400926"/>
       </p:ext>
     </p:extLst>
-  </p:cSld>
-  <p:clrMapOvr>
-    <a:masterClrMapping/>
-  </p:clrMapOvr>
-  <p:transition/>
-  <p:timing>
-    <p:tnLst>
-      <p:par>
-        <p:cTn id="1" dur="indefinite" restart="never" nodeType="tmRoot"/>
-      </p:par>
-    </p:tnLst>
-  </p:timing>
-</p:sld>
-</file>
-
-<file path=ppt/slides/slide9.xml><?xml version="1.0" encoding="utf-8"?>
-<p:sld xmlns:a="http://schemas.openxmlformats.org/drawingml/2006/main" xmlns:r="http://schemas.openxmlformats.org/officeDocument/2006/relationships" xmlns:p="http://schemas.openxmlformats.org/presentationml/2006/main">
-  <p:cSld>
-    <p:spTree>
-      <p:nvGrpSpPr>
-        <p:cNvPr id="1" name=""/>
-        <p:cNvGrpSpPr/>
-        <p:nvPr/>
-      </p:nvGrpSpPr>
-      <p:grpSpPr>
-        <a:xfrm>
-          <a:off x="0" y="0"/>
-          <a:ext cx="0" cy="0"/>
-          <a:chOff x="0" y="0"/>
-          <a:chExt cx="0" cy="0"/>
-        </a:xfrm>
-      </p:grpSpPr>
-      <p:sp>
-        <p:nvSpPr>
-          <p:cNvPr id="4" name="Slide Number Placeholder 4"/>
-          <p:cNvSpPr>
-            <a:spLocks noGrp="1"/>
-          </p:cNvSpPr>
-          <p:nvPr>
-            <p:ph type="sldNum" sz="quarter" idx="11"/>
-          </p:nvPr>
-        </p:nvSpPr>
-        <p:spPr/>
-        <p:txBody>
-          <a:bodyPr/>
-          <a:lstStyle/>
-          <a:p>
-            <a:fld id="{8BE99BFD-8863-B045-8AED-C026A27B630D}" type="slidenum">
-              <a:rPr lang="en-US"/>
-              <a:pPr/>
-              <a:t>9</a:t>
-            </a:fld>
-            <a:endParaRPr lang="en-US"/>
-          </a:p>
-        </p:txBody>
-      </p:sp>
-      <p:sp>
-        <p:nvSpPr>
-          <p:cNvPr id="477186" name="Rectangle 2"/>
-          <p:cNvSpPr>
-            <a:spLocks noGrp="1" noChangeArrowheads="1"/>
-          </p:cNvSpPr>
-          <p:nvPr>
-            <p:ph type="title"/>
-          </p:nvPr>
-        </p:nvSpPr>
-        <p:spPr/>
-        <p:txBody>
-          <a:bodyPr/>
-          <a:lstStyle/>
-          <a:p>
-            <a:r>
-              <a:rPr lang="en-US" dirty="0" smtClean="0"/>
-              <a:t>Course Topics</a:t>
-            </a:r>
-            <a:endParaRPr lang="en-US" dirty="0"/>
-          </a:p>
-        </p:txBody>
-      </p:sp>
-      <p:sp>
-        <p:nvSpPr>
-          <p:cNvPr id="2" name="TextBox 1"/>
-          <p:cNvSpPr txBox="1"/>
-          <p:nvPr/>
-        </p:nvSpPr>
-        <p:spPr>
-          <a:xfrm>
-            <a:off x="990600" y="1524000"/>
-            <a:ext cx="3285425" cy="461665"/>
-          </a:xfrm>
-          <a:prstGeom prst="rect">
-            <a:avLst/>
-          </a:prstGeom>
-          <a:noFill/>
-        </p:spPr>
-        <p:txBody>
-          <a:bodyPr wrap="none" rtlCol="0">
-            <a:spAutoFit/>
-          </a:bodyPr>
-          <a:lstStyle/>
-          <a:p>
-            <a:r>
-              <a:rPr lang="en-US" dirty="0" smtClean="0"/>
-              <a:t>Reviewing the basics…</a:t>
-            </a:r>
-            <a:endParaRPr lang="en-US" dirty="0"/>
-          </a:p>
-        </p:txBody>
-      </p:sp>
-      <p:sp>
-        <p:nvSpPr>
-          <p:cNvPr id="7" name="Text Box 11"/>
-          <p:cNvSpPr txBox="1">
-            <a:spLocks noChangeArrowheads="1"/>
-          </p:cNvSpPr>
-          <p:nvPr/>
-        </p:nvSpPr>
-        <p:spPr bwMode="auto">
-          <a:xfrm>
-            <a:off x="1066800" y="1905000"/>
-            <a:ext cx="7505700" cy="2585323"/>
-          </a:xfrm>
-          <a:prstGeom prst="rect">
-            <a:avLst/>
-          </a:prstGeom>
-          <a:noFill/>
-          <a:ln>
-            <a:noFill/>
-          </a:ln>
-          <a:effectLst/>
-          <a:extLst>
-            <a:ext uri="{909E8E84-426E-40dd-AFC4-6F175D3DCCD1}">
-              <a14:hiddenFill xmlns:a14="http://schemas.microsoft.com/office/drawing/2010/main" xmlns="">
-                <a:solidFill>
-                  <a:schemeClr val="accent1"/>
-                </a:solidFill>
-              </a14:hiddenFill>
-            </a:ext>
-            <a:ext uri="{91240B29-F687-4f45-9708-019B960494DF}">
-              <a14:hiddenLine xmlns:a14="http://schemas.microsoft.com/office/drawing/2010/main" xmlns="" w="9525">
-                <a:solidFill>
-                  <a:schemeClr val="tx1"/>
-                </a:solidFill>
-                <a:miter lim="800000"/>
-                <a:headEnd/>
-                <a:tailEnd/>
-              </a14:hiddenLine>
-            </a:ext>
-            <a:ext uri="{AF507438-7753-43e0-B8FC-AC1667EBCBE1}">
-              <a14:hiddenEffects xmlns:a14="http://schemas.microsoft.com/office/drawing/2010/main" xmlns="">
-                <a:effectLst>
-                  <a:outerShdw blurRad="63500" dist="38099" dir="2700000" algn="ctr" rotWithShape="0">
-                    <a:schemeClr val="bg2">
-                      <a:alpha val="74998"/>
-                    </a:schemeClr>
-                  </a:outerShdw>
-                </a:effectLst>
-              </a14:hiddenEffects>
-            </a:ext>
-          </a:extLst>
-        </p:spPr>
-        <p:txBody>
-          <a:bodyPr wrap="square">
-            <a:spAutoFit/>
-          </a:bodyPr>
-          <a:lstStyle/>
-          <a:p>
-            <a:pPr marL="342900" indent="-342900">
-              <a:buFont typeface="Arial"/>
-              <a:buChar char="•"/>
-            </a:pPr>
-            <a:r>
-              <a:rPr lang="en-US" sz="1800" dirty="0" smtClean="0"/>
-              <a:t>What is software architecture</a:t>
-            </a:r>
-          </a:p>
-          <a:p>
-            <a:pPr marL="342900" indent="-342900">
-              <a:buFont typeface="Arial"/>
-              <a:buChar char="•"/>
-            </a:pPr>
-            <a:r>
-              <a:rPr lang="en-US" sz="1800" dirty="0" smtClean="0"/>
-              <a:t>How does it relate to design</a:t>
-            </a:r>
-          </a:p>
-          <a:p>
-            <a:pPr marL="342900" indent="-342900">
-              <a:buFont typeface="Arial"/>
-              <a:buChar char="•"/>
-            </a:pPr>
-            <a:r>
-              <a:rPr lang="en-US" sz="1800" dirty="0" smtClean="0"/>
-              <a:t>What is the difference between an architecture style, an architecture pattern and a design pattern</a:t>
-            </a:r>
-          </a:p>
-          <a:p>
-            <a:pPr marL="342900" indent="-342900">
-              <a:buFont typeface="Arial"/>
-              <a:buChar char="•"/>
-            </a:pPr>
-            <a:r>
-              <a:rPr lang="en-US" sz="1800" dirty="0" smtClean="0"/>
-              <a:t>What are views</a:t>
-            </a:r>
-          </a:p>
-          <a:p>
-            <a:pPr marL="342900" indent="-342900">
-              <a:buFont typeface="Arial"/>
-              <a:buChar char="•"/>
-            </a:pPr>
-            <a:r>
-              <a:rPr lang="en-US" sz="1800" dirty="0" smtClean="0"/>
-              <a:t>What are important views when documenting or describing the architecture of a software system</a:t>
-            </a:r>
-          </a:p>
-          <a:p>
-            <a:pPr marL="342900" indent="-342900">
-              <a:buFont typeface="Arial"/>
-              <a:buChar char="•"/>
-            </a:pPr>
-            <a:r>
-              <a:rPr lang="en-US" sz="1800" dirty="0" smtClean="0"/>
-              <a:t>Why do we need to do architecture</a:t>
-            </a:r>
-          </a:p>
-          <a:p>
-            <a:pPr marL="342900" indent="-342900">
-              <a:buFont typeface="Arial"/>
-              <a:buChar char="•"/>
-            </a:pPr>
-            <a:r>
-              <a:rPr lang="en-US" sz="1800" dirty="0" smtClean="0"/>
-              <a:t>Architecture and agile – can this be done, and if so, how?</a:t>
-            </a:r>
-            <a:endParaRPr lang="en-US" sz="1800" dirty="0"/>
-          </a:p>
-        </p:txBody>
-      </p:sp>
-      <p:pic>
-        <p:nvPicPr>
-          <p:cNvPr id="6" name="Picture 4"/>
-          <p:cNvPicPr>
-            <a:picLocks noChangeAspect="1" noChangeArrowheads="1"/>
-          </p:cNvPicPr>
-          <p:nvPr/>
-        </p:nvPicPr>
-        <p:blipFill>
-          <a:blip r:embed="rId2">
-            <a:extLst>
-              <a:ext uri="{28A0092B-C50C-407E-A947-70E740481C1C}">
-                <a14:useLocalDpi xmlns:a14="http://schemas.microsoft.com/office/drawing/2010/main"/>
-              </a:ext>
-            </a:extLst>
-          </a:blip>
-          <a:srcRect/>
-          <a:stretch>
-            <a:fillRect/>
-          </a:stretch>
-        </p:blipFill>
-        <p:spPr bwMode="auto">
-          <a:xfrm>
-            <a:off x="2057400" y="4419600"/>
-            <a:ext cx="4681670" cy="1793875"/>
-          </a:xfrm>
-          <a:prstGeom prst="rect">
-            <a:avLst/>
-          </a:prstGeom>
-          <a:noFill/>
-          <a:ln>
-            <a:noFill/>
-          </a:ln>
-          <a:effectLst/>
-          <a:extLst>
-            <a:ext uri="{909E8E84-426E-40dd-AFC4-6F175D3DCCD1}">
-              <a14:hiddenFill xmlns:a14="http://schemas.microsoft.com/office/drawing/2010/main" xmlns="">
-                <a:solidFill>
-                  <a:schemeClr val="accent1"/>
-                </a:solidFill>
-              </a14:hiddenFill>
-            </a:ext>
-            <a:ext uri="{91240B29-F687-4f45-9708-019B960494DF}">
-              <a14:hiddenLine xmlns:a14="http://schemas.microsoft.com/office/drawing/2010/main" xmlns="" w="9525">
-                <a:solidFill>
-                  <a:schemeClr val="tx1"/>
-                </a:solidFill>
-                <a:miter lim="800000"/>
-                <a:headEnd/>
-                <a:tailEnd/>
-              </a14:hiddenLine>
-            </a:ext>
-            <a:ext uri="{AF507438-7753-43e0-B8FC-AC1667EBCBE1}">
-              <a14:hiddenEffects xmlns:a14="http://schemas.microsoft.com/office/drawing/2010/main" xmlns="">
-                <a:effectLst>
-                  <a:outerShdw blurRad="63500" dist="38099" dir="2700000" algn="ctr" rotWithShape="0">
-                    <a:schemeClr val="bg2">
-                      <a:alpha val="74998"/>
-                    </a:schemeClr>
-                  </a:outerShdw>
-                </a:effectLst>
-              </a14:hiddenEffects>
-            </a:ext>
-          </a:extLst>
-        </p:spPr>
-      </p:pic>
-    </p:spTree>
   </p:cSld>
   <p:clrMapOvr>
     <a:masterClrMapping/>

--- a/Lectures/M1-CourseOverview.pptx
+++ b/Lectures/M1-CourseOverview.pptx
@@ -5178,175 +5178,6 @@
           </a:p>
         </p:txBody>
       </p:sp>
-      <p:pic>
-        <p:nvPicPr>
-          <p:cNvPr id="4168" name="Picture 72" descr="sergLogo"/>
-          <p:cNvPicPr>
-            <a:picLocks noChangeAspect="1" noChangeArrowheads="1"/>
-          </p:cNvPicPr>
-          <p:nvPr userDrawn="1"/>
-        </p:nvPicPr>
-        <p:blipFill>
-          <a:blip r:embed="rId2">
-            <a:extLst>
-              <a:ext uri="{28A0092B-C50C-407E-A947-70E740481C1C}">
-                <a14:useLocalDpi xmlns:a14="http://schemas.microsoft.com/office/drawing/2010/main"/>
-              </a:ext>
-            </a:extLst>
-          </a:blip>
-          <a:srcRect/>
-          <a:stretch>
-            <a:fillRect/>
-          </a:stretch>
-        </p:blipFill>
-        <p:spPr bwMode="auto">
-          <a:xfrm>
-            <a:off x="76200" y="6324600"/>
-            <a:ext cx="1143000" cy="476250"/>
-          </a:xfrm>
-          <a:prstGeom prst="rect">
-            <a:avLst/>
-          </a:prstGeom>
-          <a:noFill/>
-          <a:extLst>
-            <a:ext uri="{909E8E84-426E-40dd-AFC4-6F175D3DCCD1}">
-              <a14:hiddenFill xmlns="" xmlns:a14="http://schemas.microsoft.com/office/drawing/2010/main">
-                <a:solidFill>
-                  <a:srgbClr val="FFFFFF"/>
-                </a:solidFill>
-              </a14:hiddenFill>
-            </a:ext>
-          </a:extLst>
-        </p:spPr>
-      </p:pic>
-      <p:sp>
-        <p:nvSpPr>
-          <p:cNvPr id="4170" name="Text Box 74"/>
-          <p:cNvSpPr txBox="1">
-            <a:spLocks noChangeArrowheads="1"/>
-          </p:cNvSpPr>
-          <p:nvPr userDrawn="1"/>
-        </p:nvSpPr>
-        <p:spPr bwMode="auto">
-          <a:xfrm>
-            <a:off x="1219200" y="6324600"/>
-            <a:ext cx="5943600" cy="457200"/>
-          </a:xfrm>
-          <a:prstGeom prst="rect">
-            <a:avLst/>
-          </a:prstGeom>
-          <a:noFill/>
-          <a:ln>
-            <a:noFill/>
-          </a:ln>
-          <a:effectLst/>
-          <a:extLst>
-            <a:ext uri="{909E8E84-426E-40dd-AFC4-6F175D3DCCD1}">
-              <a14:hiddenFill xmlns="" xmlns:a14="http://schemas.microsoft.com/office/drawing/2010/main">
-                <a:solidFill>
-                  <a:schemeClr val="accent1"/>
-                </a:solidFill>
-              </a14:hiddenFill>
-            </a:ext>
-            <a:ext uri="{91240B29-F687-4f45-9708-019B960494DF}">
-              <a14:hiddenLine xmlns="" xmlns:a14="http://schemas.microsoft.com/office/drawing/2010/main" w="9525">
-                <a:solidFill>
-                  <a:schemeClr val="tx1"/>
-                </a:solidFill>
-                <a:miter lim="800000"/>
-                <a:headEnd/>
-                <a:tailEnd/>
-              </a14:hiddenLine>
-            </a:ext>
-            <a:ext uri="{AF507438-7753-43e0-B8FC-AC1667EBCBE1}">
-              <a14:hiddenEffects xmlns="" xmlns:a14="http://schemas.microsoft.com/office/drawing/2010/main">
-                <a:effectLst>
-                  <a:outerShdw blurRad="63500" dist="38099" dir="2700000" algn="ctr" rotWithShape="0">
-                    <a:schemeClr val="bg2">
-                      <a:alpha val="74998"/>
-                    </a:schemeClr>
-                  </a:outerShdw>
-                </a:effectLst>
-              </a14:hiddenEffects>
-            </a:ext>
-          </a:extLst>
-        </p:spPr>
-        <p:txBody>
-          <a:bodyPr>
-            <a:spAutoFit/>
-          </a:bodyPr>
-          <a:lstStyle/>
-          <a:p>
-            <a:pPr>
-              <a:spcBef>
-                <a:spcPct val="50000"/>
-              </a:spcBef>
-            </a:pPr>
-            <a:r>
-              <a:rPr lang="en-US" sz="1200" b="1"/>
-              <a:t>© Drexel University Software Engineering Research Group (SERG)</a:t>
-            </a:r>
-            <a:br>
-              <a:rPr lang="en-US" sz="1200" b="1"/>
-            </a:br>
-            <a:r>
-              <a:rPr lang="en-US" sz="1200" b="1"/>
-              <a:t>http://serg.cs.drexel.edu</a:t>
-            </a:r>
-          </a:p>
-        </p:txBody>
-      </p:sp>
-      <p:pic>
-        <p:nvPicPr>
-          <p:cNvPr id="4171" name="Picture 75" descr="dragonHead"/>
-          <p:cNvPicPr>
-            <a:picLocks noChangeAspect="1" noChangeArrowheads="1"/>
-          </p:cNvPicPr>
-          <p:nvPr userDrawn="1"/>
-        </p:nvPicPr>
-        <p:blipFill>
-          <a:blip r:embed="rId3">
-            <a:clrChange>
-              <a:clrFrom>
-                <a:srgbClr val="FFFFFF"/>
-              </a:clrFrom>
-              <a:clrTo>
-                <a:srgbClr val="FFFFFF">
-                  <a:alpha val="0"/>
-                </a:srgbClr>
-              </a:clrTo>
-            </a:clrChange>
-            <a:extLst>
-              <a:ext uri="{28A0092B-C50C-407E-A947-70E740481C1C}">
-                <a14:useLocalDpi xmlns:a14="http://schemas.microsoft.com/office/drawing/2010/main"/>
-              </a:ext>
-            </a:extLst>
-          </a:blip>
-          <a:srcRect/>
-          <a:stretch>
-            <a:fillRect/>
-          </a:stretch>
-        </p:blipFill>
-        <p:spPr bwMode="auto">
-          <a:xfrm>
-            <a:off x="2895600" y="358775"/>
-            <a:ext cx="3017838" cy="936625"/>
-          </a:xfrm>
-          <a:prstGeom prst="rect">
-            <a:avLst/>
-          </a:prstGeom>
-          <a:noFill/>
-          <a:extLst>
-            <a:ext uri="{909E8E84-426E-40dd-AFC4-6F175D3DCCD1}">
-              <a14:hiddenFill xmlns="" xmlns:a14="http://schemas.microsoft.com/office/drawing/2010/main">
-                <a:solidFill>
-                  <a:srgbClr val="FFFFFF"/>
-                </a:solidFill>
-              </a14:hiddenFill>
-            </a:ext>
-          </a:extLst>
-        </p:spPr>
-      </p:pic>
     </p:spTree>
   </p:cSld>
   <p:clrMapOvr>
@@ -11143,124 +10974,6 @@
           </a:p>
         </p:txBody>
       </p:sp>
-      <p:sp>
-        <p:nvSpPr>
-          <p:cNvPr id="3145" name="Text Box 1097"/>
-          <p:cNvSpPr txBox="1">
-            <a:spLocks noChangeArrowheads="1"/>
-          </p:cNvSpPr>
-          <p:nvPr userDrawn="1"/>
-        </p:nvSpPr>
-        <p:spPr bwMode="auto">
-          <a:xfrm>
-            <a:off x="1219200" y="6324600"/>
-            <a:ext cx="5943600" cy="457200"/>
-          </a:xfrm>
-          <a:prstGeom prst="rect">
-            <a:avLst/>
-          </a:prstGeom>
-          <a:noFill/>
-          <a:ln>
-            <a:noFill/>
-          </a:ln>
-          <a:effectLst/>
-          <a:extLst>
-            <a:ext uri="{909E8E84-426E-40dd-AFC4-6F175D3DCCD1}">
-              <a14:hiddenFill xmlns="" xmlns:a14="http://schemas.microsoft.com/office/drawing/2010/main">
-                <a:solidFill>
-                  <a:schemeClr val="accent1"/>
-                </a:solidFill>
-              </a14:hiddenFill>
-            </a:ext>
-            <a:ext uri="{91240B29-F687-4f45-9708-019B960494DF}">
-              <a14:hiddenLine xmlns="" xmlns:a14="http://schemas.microsoft.com/office/drawing/2010/main" w="9525">
-                <a:solidFill>
-                  <a:schemeClr val="tx1"/>
-                </a:solidFill>
-                <a:miter lim="800000"/>
-                <a:headEnd/>
-                <a:tailEnd/>
-              </a14:hiddenLine>
-            </a:ext>
-            <a:ext uri="{AF507438-7753-43e0-B8FC-AC1667EBCBE1}">
-              <a14:hiddenEffects xmlns="" xmlns:a14="http://schemas.microsoft.com/office/drawing/2010/main">
-                <a:effectLst>
-                  <a:outerShdw blurRad="63500" dist="38099" dir="2700000" algn="ctr" rotWithShape="0">
-                    <a:schemeClr val="bg2">
-                      <a:alpha val="74998"/>
-                    </a:schemeClr>
-                  </a:outerShdw>
-                </a:effectLst>
-              </a14:hiddenEffects>
-            </a:ext>
-          </a:extLst>
-        </p:spPr>
-        <p:txBody>
-          <a:bodyPr>
-            <a:spAutoFit/>
-          </a:bodyPr>
-          <a:lstStyle/>
-          <a:p>
-            <a:pPr>
-              <a:spcBef>
-                <a:spcPct val="50000"/>
-              </a:spcBef>
-            </a:pPr>
-            <a:r>
-              <a:rPr lang="en-US" sz="1200" b="1"/>
-              <a:t>© Drexel University Software Engineering Research Group (SERG)</a:t>
-            </a:r>
-            <a:br>
-              <a:rPr lang="en-US" sz="1200" b="1"/>
-            </a:br>
-            <a:r>
-              <a:rPr lang="en-US" sz="1200" b="1"/>
-              <a:t>http://serg.cs.drexel.edu</a:t>
-            </a:r>
-          </a:p>
-        </p:txBody>
-      </p:sp>
-      <p:pic>
-        <p:nvPicPr>
-          <p:cNvPr id="3148" name="Picture 1100" descr="sergLogo"/>
-          <p:cNvPicPr>
-            <a:picLocks noChangeAspect="1" noChangeArrowheads="1"/>
-          </p:cNvPicPr>
-          <p:nvPr userDrawn="1"/>
-        </p:nvPicPr>
-        <p:blipFill>
-          <a:blip r:embed="rId13">
-            <a:extLst>
-              <a:ext uri="{28A0092B-C50C-407E-A947-70E740481C1C}">
-                <a14:useLocalDpi xmlns:a14="http://schemas.microsoft.com/office/drawing/2010/main"/>
-              </a:ext>
-            </a:extLst>
-          </a:blip>
-          <a:srcRect/>
-          <a:stretch>
-            <a:fillRect/>
-          </a:stretch>
-        </p:blipFill>
-        <p:spPr bwMode="auto">
-          <a:xfrm>
-            <a:off x="76200" y="6324600"/>
-            <a:ext cx="1143000" cy="476250"/>
-          </a:xfrm>
-          <a:prstGeom prst="rect">
-            <a:avLst/>
-          </a:prstGeom>
-          <a:noFill/>
-          <a:extLst>
-            <a:ext uri="{909E8E84-426E-40dd-AFC4-6F175D3DCCD1}">
-              <a14:hiddenFill xmlns="" xmlns:a14="http://schemas.microsoft.com/office/drawing/2010/main">
-                <a:solidFill>
-                  <a:srgbClr val="FFFFFF"/>
-                </a:solidFill>
-              </a14:hiddenFill>
-            </a:ext>
-          </a:extLst>
-        </p:spPr>
-      </p:pic>
     </p:spTree>
   </p:cSld>
   <p:clrMap bg1="lt1" tx1="dk1" bg2="lt2" tx2="dk2" accent1="accent1" accent2="accent2" accent3="accent3" accent4="accent4" accent5="accent5" accent6="accent6" hlink="hlink" folHlink="folHlink"/>
@@ -11432,7 +11145,7 @@
         <a:buSzPct val="110000"/>
         <a:buFont typeface="Wingdings" charset="0"/>
         <a:buBlip>
-          <a:blip r:embed="rId14"/>
+          <a:blip r:embed="rId13"/>
         </a:buBlip>
         <a:defRPr sz="3200">
           <a:solidFill>
